--- a/slides/taxonomy-of-scala.pptx
+++ b/slides/taxonomy-of-scala.pptx
@@ -5,7 +5,7 @@
     <p:sldMasterId id="2147483648" r:id="rId1"/>
   </p:sldMasterIdLst>
   <p:notesMasterIdLst>
-    <p:notesMasterId r:id="rId57"/>
+    <p:notesMasterId r:id="rId55"/>
   </p:notesMasterIdLst>
   <p:sldIdLst>
     <p:sldId id="256" r:id="rId2"/>
@@ -33,36 +33,34 @@
     <p:sldId id="325" r:id="rId24"/>
     <p:sldId id="284" r:id="rId25"/>
     <p:sldId id="286" r:id="rId26"/>
-    <p:sldId id="288" r:id="rId27"/>
-    <p:sldId id="290" r:id="rId28"/>
-    <p:sldId id="327" r:id="rId29"/>
-    <p:sldId id="328" r:id="rId30"/>
-    <p:sldId id="294" r:id="rId31"/>
-    <p:sldId id="297" r:id="rId32"/>
-    <p:sldId id="298" r:id="rId33"/>
-    <p:sldId id="299" r:id="rId34"/>
-    <p:sldId id="300" r:id="rId35"/>
-    <p:sldId id="301" r:id="rId36"/>
-    <p:sldId id="302" r:id="rId37"/>
-    <p:sldId id="303" r:id="rId38"/>
-    <p:sldId id="304" r:id="rId39"/>
-    <p:sldId id="305" r:id="rId40"/>
-    <p:sldId id="306" r:id="rId41"/>
-    <p:sldId id="315" r:id="rId42"/>
-    <p:sldId id="307" r:id="rId43"/>
-    <p:sldId id="308" r:id="rId44"/>
-    <p:sldId id="309" r:id="rId45"/>
-    <p:sldId id="310" r:id="rId46"/>
-    <p:sldId id="311" r:id="rId47"/>
-    <p:sldId id="312" r:id="rId48"/>
-    <p:sldId id="313" r:id="rId49"/>
-    <p:sldId id="316" r:id="rId50"/>
-    <p:sldId id="319" r:id="rId51"/>
-    <p:sldId id="317" r:id="rId52"/>
-    <p:sldId id="318" r:id="rId53"/>
-    <p:sldId id="320" r:id="rId54"/>
-    <p:sldId id="323" r:id="rId55"/>
-    <p:sldId id="324" r:id="rId56"/>
+    <p:sldId id="329" r:id="rId27"/>
+    <p:sldId id="330" r:id="rId28"/>
+    <p:sldId id="336" r:id="rId29"/>
+    <p:sldId id="337" r:id="rId30"/>
+    <p:sldId id="338" r:id="rId31"/>
+    <p:sldId id="339" r:id="rId32"/>
+    <p:sldId id="331" r:id="rId33"/>
+    <p:sldId id="332" r:id="rId34"/>
+    <p:sldId id="333" r:id="rId35"/>
+    <p:sldId id="334" r:id="rId36"/>
+    <p:sldId id="335" r:id="rId37"/>
+    <p:sldId id="288" r:id="rId38"/>
+    <p:sldId id="290" r:id="rId39"/>
+    <p:sldId id="327" r:id="rId40"/>
+    <p:sldId id="328" r:id="rId41"/>
+    <p:sldId id="294" r:id="rId42"/>
+    <p:sldId id="297" r:id="rId43"/>
+    <p:sldId id="310" r:id="rId44"/>
+    <p:sldId id="311" r:id="rId45"/>
+    <p:sldId id="312" r:id="rId46"/>
+    <p:sldId id="313" r:id="rId47"/>
+    <p:sldId id="316" r:id="rId48"/>
+    <p:sldId id="319" r:id="rId49"/>
+    <p:sldId id="317" r:id="rId50"/>
+    <p:sldId id="318" r:id="rId51"/>
+    <p:sldId id="320" r:id="rId52"/>
+    <p:sldId id="323" r:id="rId53"/>
+    <p:sldId id="324" r:id="rId54"/>
   </p:sldIdLst>
   <p:sldSz cx="9144000" cy="6858000" type="screen4x3"/>
   <p:notesSz cx="6858000" cy="9144000"/>
@@ -1869,40 +1867,6 @@
           <a:bodyPr/>
           <a:lstStyle/>
           <a:p>
-            <a:r>
-              <a:rPr lang="en-US" dirty="0" smtClean="0"/>
-              <a:t>Very powerful programming paradigm</a:t>
-            </a:r>
-          </a:p>
-          <a:p>
-            <a:r>
-              <a:rPr lang="en-US" dirty="0" smtClean="0"/>
-              <a:t>Inverts imperative logic - apply your idempotent function to your data</a:t>
-            </a:r>
-          </a:p>
-          <a:p>
-            <a:r>
-              <a:rPr lang="en-US" dirty="0" smtClean="0"/>
-              <a:t>This is NOT monads, </a:t>
-            </a:r>
-            <a:r>
-              <a:rPr lang="en-US" dirty="0" err="1" smtClean="0"/>
-              <a:t>functors</a:t>
-            </a:r>
-            <a:r>
-              <a:rPr lang="en-US" dirty="0" smtClean="0"/>
-              <a:t> and the like,</a:t>
-            </a:r>
-            <a:r>
-              <a:rPr lang="en-US" baseline="0" dirty="0" smtClean="0"/>
-              <a:t> despite what you will hear in the community</a:t>
-            </a:r>
-          </a:p>
-          <a:p>
-            <a:r>
-              <a:rPr lang="en-US" baseline="0" dirty="0" smtClean="0"/>
-              <a:t>At it’s essence, functional programming is functions, referential transparency and immutability ONLY</a:t>
-            </a:r>
             <a:endParaRPr lang="en-US" dirty="0"/>
           </a:p>
         </p:txBody>
@@ -1987,40 +1951,27 @@
           <a:bodyPr/>
           <a:lstStyle/>
           <a:p>
-            <a:pPr marL="0" marR="0" indent="0" algn="l" defTabSz="457200" rtl="0" eaLnBrk="1" fontAlgn="auto" latinLnBrk="0" hangingPunct="1">
-              <a:lnSpc>
-                <a:spcPct val="100000"/>
-              </a:lnSpc>
-              <a:spcBef>
-                <a:spcPts val="0"/>
-              </a:spcBef>
-              <a:spcAft>
-                <a:spcPts val="0"/>
-              </a:spcAft>
-              <a:buClrTx/>
-              <a:buSzTx/>
-              <a:buFontTx/>
+            <a:pPr marL="0" indent="0">
+              <a:buFont typeface="Arial"/>
               <a:buNone/>
-              <a:tabLst/>
-              <a:defRPr/>
             </a:pPr>
             <a:r>
               <a:rPr lang="en-US" dirty="0" smtClean="0"/>
-              <a:t>Global</a:t>
+              <a:t>This is ALL you need to know.  There is a ton of goodness in </a:t>
+            </a:r>
+            <a:r>
+              <a:rPr lang="en-US" dirty="0" err="1" smtClean="0"/>
+              <a:t>Akka</a:t>
+            </a:r>
+            <a:r>
+              <a:rPr lang="en-US" dirty="0" smtClean="0"/>
+              <a:t> that make performing actor-based work much simpler and reasonable than</a:t>
             </a:r>
             <a:r>
               <a:rPr lang="en-US" baseline="0" dirty="0" smtClean="0"/>
-              <a:t> type </a:t>
-            </a:r>
-            <a:r>
-              <a:rPr lang="en-US" baseline="0" dirty="0" err="1" smtClean="0"/>
-              <a:t>inferencing</a:t>
-            </a:r>
-            <a:r>
-              <a:rPr lang="en-US" baseline="0" dirty="0" smtClean="0"/>
-              <a:t> is found in ML, for example</a:t>
-            </a:r>
-            <a:endParaRPr lang="en-US" dirty="0"/>
+              <a:t> it has been in the past, as well as a codifying of best practices.  Please check out the documentation if you are interested.</a:t>
+            </a:r>
+            <a:endParaRPr lang="en-US" dirty="0" smtClean="0"/>
           </a:p>
         </p:txBody>
       </p:sp>
@@ -2050,7 +2001,7 @@
     </p:spTree>
     <p:extLst>
       <p:ext uri="{BB962C8B-B14F-4D97-AF65-F5344CB8AC3E}">
-        <p14:creationId xmlns:p14="http://schemas.microsoft.com/office/powerpoint/2010/main" val="298040709"/>
+        <p14:creationId xmlns:p14="http://schemas.microsoft.com/office/powerpoint/2010/main" val="720456002"/>
       </p:ext>
     </p:extLst>
   </p:cSld>
@@ -2104,31 +2055,6 @@
           <a:bodyPr/>
           <a:lstStyle/>
           <a:p>
-            <a:pPr marL="0" marR="0" indent="0" algn="l" defTabSz="457200" rtl="0" eaLnBrk="1" fontAlgn="auto" latinLnBrk="0" hangingPunct="1">
-              <a:lnSpc>
-                <a:spcPct val="100000"/>
-              </a:lnSpc>
-              <a:spcBef>
-                <a:spcPts val="0"/>
-              </a:spcBef>
-              <a:spcAft>
-                <a:spcPts val="0"/>
-              </a:spcAft>
-              <a:buClrTx/>
-              <a:buSzTx/>
-              <a:buFontTx/>
-              <a:buNone/>
-              <a:tabLst/>
-              <a:defRPr/>
-            </a:pPr>
-            <a:r>
-              <a:rPr lang="en-US" dirty="0" smtClean="0"/>
-              <a:t>Using Java's interfaces requires you to specify the inheritance</a:t>
-            </a:r>
-            <a:r>
-              <a:rPr lang="en-US" baseline="0" dirty="0" smtClean="0"/>
-              <a:t> structure in your code.  What if you can't because you're using a library?  What if you want to make the way your code handles situations orthogonal to it's inheritance structure</a:t>
-            </a:r>
             <a:endParaRPr lang="en-US" dirty="0"/>
           </a:p>
         </p:txBody>
@@ -2159,7 +2085,7 @@
     </p:spTree>
     <p:extLst>
       <p:ext uri="{BB962C8B-B14F-4D97-AF65-F5344CB8AC3E}">
-        <p14:creationId xmlns:p14="http://schemas.microsoft.com/office/powerpoint/2010/main" val="298040709"/>
+        <p14:creationId xmlns:p14="http://schemas.microsoft.com/office/powerpoint/2010/main" val="1409375520"/>
       </p:ext>
     </p:extLst>
   </p:cSld>
@@ -2213,32 +2139,11 @@
           <a:bodyPr/>
           <a:lstStyle/>
           <a:p>
-            <a:pPr marL="0" marR="0" indent="0" algn="l" defTabSz="457200" rtl="0" eaLnBrk="1" fontAlgn="auto" latinLnBrk="0" hangingPunct="1">
-              <a:lnSpc>
-                <a:spcPct val="100000"/>
-              </a:lnSpc>
-              <a:spcBef>
-                <a:spcPts val="0"/>
-              </a:spcBef>
-              <a:spcAft>
-                <a:spcPts val="0"/>
-              </a:spcAft>
-              <a:buClrTx/>
-              <a:buSzTx/>
-              <a:buFontTx/>
+            <a:pPr marL="0" indent="0">
+              <a:buFont typeface="Arial"/>
               <a:buNone/>
-              <a:tabLst/>
-              <a:defRPr/>
             </a:pPr>
-            <a:r>
-              <a:rPr lang="en-US" dirty="0" smtClean="0"/>
-              <a:t>Using Java's interfaces requires you to specify the inheritance</a:t>
-            </a:r>
-            <a:r>
-              <a:rPr lang="en-US" baseline="0" dirty="0" smtClean="0"/>
-              <a:t> structure in your code.  What if you can't because you're using a library?  What if you want to make the way your code handles situations orthogonal to it's inheritance structure</a:t>
-            </a:r>
-            <a:endParaRPr lang="en-US" dirty="0"/>
+            <a:endParaRPr lang="en-US" dirty="0" smtClean="0"/>
           </a:p>
         </p:txBody>
       </p:sp>
@@ -2268,7 +2173,7 @@
     </p:spTree>
     <p:extLst>
       <p:ext uri="{BB962C8B-B14F-4D97-AF65-F5344CB8AC3E}">
-        <p14:creationId xmlns:p14="http://schemas.microsoft.com/office/powerpoint/2010/main" val="298040709"/>
+        <p14:creationId xmlns:p14="http://schemas.microsoft.com/office/powerpoint/2010/main" val="720456002"/>
       </p:ext>
     </p:extLst>
   </p:cSld>
@@ -2582,25 +2487,30 @@
           <a:bodyPr/>
           <a:lstStyle/>
           <a:p>
-            <a:pPr marL="0" indent="0">
-              <a:buFont typeface="Arial"/>
+            <a:pPr marL="0" marR="0" indent="0" algn="l" defTabSz="457200" rtl="0" eaLnBrk="1" fontAlgn="auto" latinLnBrk="0" hangingPunct="1">
+              <a:lnSpc>
+                <a:spcPct val="100000"/>
+              </a:lnSpc>
+              <a:spcBef>
+                <a:spcPts val="0"/>
+              </a:spcBef>
+              <a:spcAft>
+                <a:spcPts val="0"/>
+              </a:spcAft>
+              <a:buClrTx/>
+              <a:buSzTx/>
+              <a:buFontTx/>
               <a:buNone/>
+              <a:tabLst/>
+              <a:defRPr/>
             </a:pPr>
             <a:r>
               <a:rPr lang="en-US" dirty="0" smtClean="0"/>
-              <a:t>This is ALL you need to know.  There is a ton of goodness in </a:t>
-            </a:r>
-            <a:r>
-              <a:rPr lang="en-US" dirty="0" err="1" smtClean="0"/>
-              <a:t>Akka</a:t>
-            </a:r>
-            <a:r>
-              <a:rPr lang="en-US" dirty="0" smtClean="0"/>
-              <a:t> that make performing actor-based work much simpler and reasonable than</a:t>
+              <a:t>Don't use them until you understand them!  And limit their scope when</a:t>
             </a:r>
             <a:r>
               <a:rPr lang="en-US" baseline="0" dirty="0" smtClean="0"/>
-              <a:t> it has been in the past, as well as a codifying of best practices.  Please check out the documentation if you are interested.</a:t>
+              <a:t> you do so nobody shoots their foot off.</a:t>
             </a:r>
             <a:endParaRPr lang="en-US" dirty="0" smtClean="0"/>
           </a:p>
@@ -2686,7 +2596,57 @@
           <a:bodyPr/>
           <a:lstStyle/>
           <a:p>
-            <a:endParaRPr lang="en-US" dirty="0"/>
+            <a:pPr marL="0" marR="0" indent="0" algn="l" defTabSz="457200" rtl="0" eaLnBrk="1" fontAlgn="auto" latinLnBrk="0" hangingPunct="1">
+              <a:lnSpc>
+                <a:spcPct val="100000"/>
+              </a:lnSpc>
+              <a:spcBef>
+                <a:spcPts val="0"/>
+              </a:spcBef>
+              <a:spcAft>
+                <a:spcPts val="0"/>
+              </a:spcAft>
+              <a:buClrTx/>
+              <a:buSzTx/>
+              <a:buFontTx/>
+              <a:buNone/>
+              <a:tabLst/>
+              <a:defRPr/>
+            </a:pPr>
+            <a:r>
+              <a:rPr lang="en-US" dirty="0" err="1" smtClean="0"/>
+              <a:t>Implicits</a:t>
+            </a:r>
+            <a:r>
+              <a:rPr lang="en-US" dirty="0" smtClean="0"/>
+              <a:t> will seem like voodoo at first. </a:t>
+            </a:r>
+          </a:p>
+          <a:p>
+            <a:pPr marL="0" marR="0" indent="0" algn="l" defTabSz="457200" rtl="0" eaLnBrk="1" fontAlgn="auto" latinLnBrk="0" hangingPunct="1">
+              <a:lnSpc>
+                <a:spcPct val="100000"/>
+              </a:lnSpc>
+              <a:spcBef>
+                <a:spcPts val="0"/>
+              </a:spcBef>
+              <a:spcAft>
+                <a:spcPts val="0"/>
+              </a:spcAft>
+              <a:buClrTx/>
+              <a:buSzTx/>
+              <a:buFontTx/>
+              <a:buNone/>
+              <a:tabLst/>
+              <a:defRPr/>
+            </a:pPr>
+            <a:r>
+              <a:rPr lang="en-US" dirty="0" smtClean="0"/>
+              <a:t>Exist in other languages, like C type coercion</a:t>
+            </a:r>
+          </a:p>
+          <a:p>
+            <a:endParaRPr lang="en-US" dirty="0" smtClean="0"/>
           </a:p>
         </p:txBody>
       </p:sp>
@@ -2716,7 +2676,7 @@
     </p:spTree>
     <p:extLst>
       <p:ext uri="{BB962C8B-B14F-4D97-AF65-F5344CB8AC3E}">
-        <p14:creationId xmlns:p14="http://schemas.microsoft.com/office/powerpoint/2010/main" val="1409375520"/>
+        <p14:creationId xmlns:p14="http://schemas.microsoft.com/office/powerpoint/2010/main" val="720456002"/>
       </p:ext>
     </p:extLst>
   </p:cSld>
@@ -3030,11 +2990,41 @@
           <a:bodyPr/>
           <a:lstStyle/>
           <a:p>
-            <a:pPr marL="0" indent="0">
-              <a:buFont typeface="Arial"/>
-              <a:buNone/>
-            </a:pPr>
-            <a:endParaRPr lang="en-US" dirty="0" smtClean="0"/>
+            <a:r>
+              <a:rPr lang="en-US" dirty="0" smtClean="0"/>
+              <a:t>Very powerful programming paradigm</a:t>
+            </a:r>
+          </a:p>
+          <a:p>
+            <a:r>
+              <a:rPr lang="en-US" dirty="0" smtClean="0"/>
+              <a:t>Inverts imperative logic - apply your idempotent function to your data</a:t>
+            </a:r>
+          </a:p>
+          <a:p>
+            <a:r>
+              <a:rPr lang="en-US" dirty="0" smtClean="0"/>
+              <a:t>This is NOT monads, </a:t>
+            </a:r>
+            <a:r>
+              <a:rPr lang="en-US" dirty="0" err="1" smtClean="0"/>
+              <a:t>functors</a:t>
+            </a:r>
+            <a:r>
+              <a:rPr lang="en-US" dirty="0" smtClean="0"/>
+              <a:t> and the like,</a:t>
+            </a:r>
+            <a:r>
+              <a:rPr lang="en-US" baseline="0" dirty="0" smtClean="0"/>
+              <a:t> despite what you will hear in the community</a:t>
+            </a:r>
+          </a:p>
+          <a:p>
+            <a:r>
+              <a:rPr lang="en-US" baseline="0" dirty="0" smtClean="0"/>
+              <a:t>At it’s essence, functional programming is functions, referential transparency and immutability ONLY</a:t>
+            </a:r>
+            <a:endParaRPr lang="en-US" dirty="0"/>
           </a:p>
         </p:txBody>
       </p:sp>
@@ -3064,7 +3054,7 @@
     </p:spTree>
     <p:extLst>
       <p:ext uri="{BB962C8B-B14F-4D97-AF65-F5344CB8AC3E}">
-        <p14:creationId xmlns:p14="http://schemas.microsoft.com/office/powerpoint/2010/main" val="720456002"/>
+        <p14:creationId xmlns:p14="http://schemas.microsoft.com/office/powerpoint/2010/main" val="1409375520"/>
       </p:ext>
     </p:extLst>
   </p:cSld>
@@ -3118,6 +3108,39 @@
           <a:bodyPr/>
           <a:lstStyle/>
           <a:p>
+            <a:pPr marL="0" marR="0" indent="0" algn="l" defTabSz="457200" rtl="0" eaLnBrk="1" fontAlgn="auto" latinLnBrk="0" hangingPunct="1">
+              <a:lnSpc>
+                <a:spcPct val="100000"/>
+              </a:lnSpc>
+              <a:spcBef>
+                <a:spcPts val="0"/>
+              </a:spcBef>
+              <a:spcAft>
+                <a:spcPts val="0"/>
+              </a:spcAft>
+              <a:buClrTx/>
+              <a:buSzTx/>
+              <a:buFontTx/>
+              <a:buNone/>
+              <a:tabLst/>
+              <a:defRPr/>
+            </a:pPr>
+            <a:r>
+              <a:rPr lang="en-US" dirty="0" smtClean="0"/>
+              <a:t>Global</a:t>
+            </a:r>
+            <a:r>
+              <a:rPr lang="en-US" baseline="0" dirty="0" smtClean="0"/>
+              <a:t> type </a:t>
+            </a:r>
+            <a:r>
+              <a:rPr lang="en-US" baseline="0" dirty="0" err="1" smtClean="0"/>
+              <a:t>inferencing</a:t>
+            </a:r>
+            <a:r>
+              <a:rPr lang="en-US" baseline="0" dirty="0" smtClean="0"/>
+              <a:t> is found in ML, for example</a:t>
+            </a:r>
             <a:endParaRPr lang="en-US" dirty="0"/>
           </a:p>
         </p:txBody>
@@ -3148,7 +3171,7 @@
     </p:spTree>
     <p:extLst>
       <p:ext uri="{BB962C8B-B14F-4D97-AF65-F5344CB8AC3E}">
-        <p14:creationId xmlns:p14="http://schemas.microsoft.com/office/powerpoint/2010/main" val="1409375520"/>
+        <p14:creationId xmlns:p14="http://schemas.microsoft.com/office/powerpoint/2010/main" val="298040709"/>
       </p:ext>
     </p:extLst>
   </p:cSld>
@@ -3202,11 +3225,32 @@
           <a:bodyPr/>
           <a:lstStyle/>
           <a:p>
-            <a:pPr marL="0" indent="0">
-              <a:buFont typeface="Arial"/>
+            <a:pPr marL="0" marR="0" indent="0" algn="l" defTabSz="457200" rtl="0" eaLnBrk="1" fontAlgn="auto" latinLnBrk="0" hangingPunct="1">
+              <a:lnSpc>
+                <a:spcPct val="100000"/>
+              </a:lnSpc>
+              <a:spcBef>
+                <a:spcPts val="0"/>
+              </a:spcBef>
+              <a:spcAft>
+                <a:spcPts val="0"/>
+              </a:spcAft>
+              <a:buClrTx/>
+              <a:buSzTx/>
+              <a:buFontTx/>
               <a:buNone/>
+              <a:tabLst/>
+              <a:defRPr/>
             </a:pPr>
-            <a:endParaRPr lang="en-US" dirty="0" smtClean="0"/>
+            <a:r>
+              <a:rPr lang="en-US" dirty="0" smtClean="0"/>
+              <a:t>Using Java's interfaces requires you to specify the inheritance</a:t>
+            </a:r>
+            <a:r>
+              <a:rPr lang="en-US" baseline="0" dirty="0" smtClean="0"/>
+              <a:t> structure in your code.  What if you can't because you're using a library?  What if you want to make the way your code handles situations orthogonal to it's inheritance structure</a:t>
+            </a:r>
+            <a:endParaRPr lang="en-US" dirty="0"/>
           </a:p>
         </p:txBody>
       </p:sp>
@@ -3236,7 +3280,7 @@
     </p:spTree>
     <p:extLst>
       <p:ext uri="{BB962C8B-B14F-4D97-AF65-F5344CB8AC3E}">
-        <p14:creationId xmlns:p14="http://schemas.microsoft.com/office/powerpoint/2010/main" val="720456002"/>
+        <p14:creationId xmlns:p14="http://schemas.microsoft.com/office/powerpoint/2010/main" val="298040709"/>
       </p:ext>
     </p:extLst>
   </p:cSld>
@@ -3290,6 +3334,31 @@
           <a:bodyPr/>
           <a:lstStyle/>
           <a:p>
+            <a:pPr marL="0" marR="0" indent="0" algn="l" defTabSz="457200" rtl="0" eaLnBrk="1" fontAlgn="auto" latinLnBrk="0" hangingPunct="1">
+              <a:lnSpc>
+                <a:spcPct val="100000"/>
+              </a:lnSpc>
+              <a:spcBef>
+                <a:spcPts val="0"/>
+              </a:spcBef>
+              <a:spcAft>
+                <a:spcPts val="0"/>
+              </a:spcAft>
+              <a:buClrTx/>
+              <a:buSzTx/>
+              <a:buFontTx/>
+              <a:buNone/>
+              <a:tabLst/>
+              <a:defRPr/>
+            </a:pPr>
+            <a:r>
+              <a:rPr lang="en-US" dirty="0" smtClean="0"/>
+              <a:t>Using Java's interfaces requires you to specify the inheritance</a:t>
+            </a:r>
+            <a:r>
+              <a:rPr lang="en-US" baseline="0" dirty="0" smtClean="0"/>
+              <a:t> structure in your code.  What if you can't because you're using a library?  What if you want to make the way your code handles situations orthogonal to it's inheritance structure</a:t>
+            </a:r>
             <a:endParaRPr lang="en-US" dirty="0"/>
           </a:p>
         </p:txBody>
@@ -3320,7 +3389,7 @@
     </p:spTree>
     <p:extLst>
       <p:ext uri="{BB962C8B-B14F-4D97-AF65-F5344CB8AC3E}">
-        <p14:creationId xmlns:p14="http://schemas.microsoft.com/office/powerpoint/2010/main" val="1409375520"/>
+        <p14:creationId xmlns:p14="http://schemas.microsoft.com/office/powerpoint/2010/main" val="298040709"/>
       </p:ext>
     </p:extLst>
   </p:cSld>
@@ -3374,31 +3443,10 @@
           <a:bodyPr/>
           <a:lstStyle/>
           <a:p>
-            <a:pPr marL="0" marR="0" indent="0" algn="l" defTabSz="457200" rtl="0" eaLnBrk="1" fontAlgn="auto" latinLnBrk="0" hangingPunct="1">
-              <a:lnSpc>
-                <a:spcPct val="100000"/>
-              </a:lnSpc>
-              <a:spcBef>
-                <a:spcPts val="0"/>
-              </a:spcBef>
-              <a:spcAft>
-                <a:spcPts val="0"/>
-              </a:spcAft>
-              <a:buClrTx/>
-              <a:buSzTx/>
-              <a:buFontTx/>
+            <a:pPr marL="0" indent="0">
+              <a:buFont typeface="Arial"/>
               <a:buNone/>
-              <a:tabLst/>
-              <a:defRPr/>
             </a:pPr>
-            <a:r>
-              <a:rPr lang="en-US" dirty="0" smtClean="0"/>
-              <a:t>Don't use them until you understand them!  And limit their scope when</a:t>
-            </a:r>
-            <a:r>
-              <a:rPr lang="en-US" baseline="0" dirty="0" smtClean="0"/>
-              <a:t> you do so nobody shoots their foot off.</a:t>
-            </a:r>
             <a:endParaRPr lang="en-US" dirty="0" smtClean="0"/>
           </a:p>
         </p:txBody>
@@ -3483,56 +3531,10 @@
           <a:bodyPr/>
           <a:lstStyle/>
           <a:p>
-            <a:pPr marL="0" marR="0" indent="0" algn="l" defTabSz="457200" rtl="0" eaLnBrk="1" fontAlgn="auto" latinLnBrk="0" hangingPunct="1">
-              <a:lnSpc>
-                <a:spcPct val="100000"/>
-              </a:lnSpc>
-              <a:spcBef>
-                <a:spcPts val="0"/>
-              </a:spcBef>
-              <a:spcAft>
-                <a:spcPts val="0"/>
-              </a:spcAft>
-              <a:buClrTx/>
-              <a:buSzTx/>
-              <a:buFontTx/>
+            <a:pPr marL="0" indent="0">
+              <a:buFont typeface="Arial"/>
               <a:buNone/>
-              <a:tabLst/>
-              <a:defRPr/>
             </a:pPr>
-            <a:r>
-              <a:rPr lang="en-US" dirty="0" err="1" smtClean="0"/>
-              <a:t>Implicits</a:t>
-            </a:r>
-            <a:r>
-              <a:rPr lang="en-US" dirty="0" smtClean="0"/>
-              <a:t> will seem like voodoo at first. </a:t>
-            </a:r>
-          </a:p>
-          <a:p>
-            <a:pPr marL="0" marR="0" indent="0" algn="l" defTabSz="457200" rtl="0" eaLnBrk="1" fontAlgn="auto" latinLnBrk="0" hangingPunct="1">
-              <a:lnSpc>
-                <a:spcPct val="100000"/>
-              </a:lnSpc>
-              <a:spcBef>
-                <a:spcPts val="0"/>
-              </a:spcBef>
-              <a:spcAft>
-                <a:spcPts val="0"/>
-              </a:spcAft>
-              <a:buClrTx/>
-              <a:buSzTx/>
-              <a:buFontTx/>
-              <a:buNone/>
-              <a:tabLst/>
-              <a:defRPr/>
-            </a:pPr>
-            <a:r>
-              <a:rPr lang="en-US" dirty="0" smtClean="0"/>
-              <a:t>Exist in other languages, like C type coercion</a:t>
-            </a:r>
-          </a:p>
-          <a:p>
             <a:endParaRPr lang="en-US" dirty="0" smtClean="0"/>
           </a:p>
         </p:txBody>
@@ -3617,11 +3619,7 @@
           <a:bodyPr/>
           <a:lstStyle/>
           <a:p>
-            <a:pPr marL="0" indent="0">
-              <a:buFont typeface="Arial"/>
-              <a:buNone/>
-            </a:pPr>
-            <a:endParaRPr lang="en-US" dirty="0" smtClean="0"/>
+            <a:endParaRPr lang="en-US" dirty="0"/>
           </a:p>
         </p:txBody>
       </p:sp>
@@ -3651,7 +3649,7 @@
     </p:spTree>
     <p:extLst>
       <p:ext uri="{BB962C8B-B14F-4D97-AF65-F5344CB8AC3E}">
-        <p14:creationId xmlns:p14="http://schemas.microsoft.com/office/powerpoint/2010/main" val="720456002"/>
+        <p14:creationId xmlns:p14="http://schemas.microsoft.com/office/powerpoint/2010/main" val="1409375520"/>
       </p:ext>
     </p:extLst>
   </p:cSld>
@@ -3793,7 +3791,11 @@
           <a:bodyPr/>
           <a:lstStyle/>
           <a:p>
-            <a:endParaRPr lang="en-US" dirty="0"/>
+            <a:pPr marL="0" indent="0">
+              <a:buFont typeface="Arial"/>
+              <a:buNone/>
+            </a:pPr>
+            <a:endParaRPr lang="en-US" dirty="0" smtClean="0"/>
           </a:p>
         </p:txBody>
       </p:sp>
@@ -3823,7 +3825,7 @@
     </p:spTree>
     <p:extLst>
       <p:ext uri="{BB962C8B-B14F-4D97-AF65-F5344CB8AC3E}">
-        <p14:creationId xmlns:p14="http://schemas.microsoft.com/office/powerpoint/2010/main" val="1409375520"/>
+        <p14:creationId xmlns:p14="http://schemas.microsoft.com/office/powerpoint/2010/main" val="720456002"/>
       </p:ext>
     </p:extLst>
   </p:cSld>
@@ -3961,11 +3963,7 @@
           <a:bodyPr/>
           <a:lstStyle/>
           <a:p>
-            <a:pPr marL="0" indent="0">
-              <a:buFont typeface="Arial"/>
-              <a:buNone/>
-            </a:pPr>
-            <a:endParaRPr lang="en-US" dirty="0" smtClean="0"/>
+            <a:endParaRPr lang="en-US" dirty="0"/>
           </a:p>
         </p:txBody>
       </p:sp>
@@ -3995,7 +3993,7 @@
     </p:spTree>
     <p:extLst>
       <p:ext uri="{BB962C8B-B14F-4D97-AF65-F5344CB8AC3E}">
-        <p14:creationId xmlns:p14="http://schemas.microsoft.com/office/powerpoint/2010/main" val="720456002"/>
+        <p14:creationId xmlns:p14="http://schemas.microsoft.com/office/powerpoint/2010/main" val="1409375520"/>
       </p:ext>
     </p:extLst>
   </p:cSld>
@@ -4049,10 +4047,31 @@
           <a:bodyPr/>
           <a:lstStyle/>
           <a:p>
-            <a:pPr marL="0" indent="0">
-              <a:buFont typeface="Arial"/>
+            <a:pPr marL="0" marR="0" indent="0" algn="l" defTabSz="457200" rtl="0" eaLnBrk="1" fontAlgn="auto" latinLnBrk="0" hangingPunct="1">
+              <a:lnSpc>
+                <a:spcPct val="100000"/>
+              </a:lnSpc>
+              <a:spcBef>
+                <a:spcPts val="0"/>
+              </a:spcBef>
+              <a:spcAft>
+                <a:spcPts val="0"/>
+              </a:spcAft>
+              <a:buClrTx/>
+              <a:buSzTx/>
+              <a:buFontTx/>
               <a:buNone/>
+              <a:tabLst/>
+              <a:defRPr/>
             </a:pPr>
+            <a:r>
+              <a:rPr lang="en-US" dirty="0" smtClean="0"/>
+              <a:t>This</a:t>
+            </a:r>
+            <a:r>
+              <a:rPr lang="en-US" baseline="0" dirty="0" smtClean="0"/>
+              <a:t> is the understandable reaction of most developers when they first engage the people who like CT.  Or when they read their first blog post about how monads are like burritos or some other metaphor.  I'm convinced what we need to do is understand that there is a whole vocabulary that must be learned in order for you to know what CT is.</a:t>
+            </a:r>
             <a:endParaRPr lang="en-US" dirty="0" smtClean="0"/>
           </a:p>
         </p:txBody>
@@ -4137,7 +4156,11 @@
           <a:bodyPr/>
           <a:lstStyle/>
           <a:p>
-            <a:endParaRPr lang="en-US" dirty="0"/>
+            <a:pPr marL="0" indent="0">
+              <a:buFont typeface="Arial"/>
+              <a:buNone/>
+            </a:pPr>
+            <a:endParaRPr lang="en-US" dirty="0" smtClean="0"/>
           </a:p>
         </p:txBody>
       </p:sp>
@@ -4167,7 +4190,7 @@
     </p:spTree>
     <p:extLst>
       <p:ext uri="{BB962C8B-B14F-4D97-AF65-F5344CB8AC3E}">
-        <p14:creationId xmlns:p14="http://schemas.microsoft.com/office/powerpoint/2010/main" val="1409375520"/>
+        <p14:creationId xmlns:p14="http://schemas.microsoft.com/office/powerpoint/2010/main" val="720456002"/>
       </p:ext>
     </p:extLst>
   </p:cSld>
@@ -4221,32 +4244,18 @@
           <a:bodyPr/>
           <a:lstStyle/>
           <a:p>
-            <a:pPr marL="0" marR="0" indent="0" algn="l" defTabSz="457200" rtl="0" eaLnBrk="1" fontAlgn="auto" latinLnBrk="0" hangingPunct="1">
-              <a:lnSpc>
-                <a:spcPct val="100000"/>
-              </a:lnSpc>
-              <a:spcBef>
-                <a:spcPts val="0"/>
-              </a:spcBef>
-              <a:spcAft>
-                <a:spcPts val="0"/>
-              </a:spcAft>
-              <a:buClrTx/>
-              <a:buSzTx/>
-              <a:buFontTx/>
+            <a:pPr marL="0" indent="0">
+              <a:buFont typeface="Arial"/>
               <a:buNone/>
-              <a:tabLst/>
-              <a:defRPr/>
             </a:pPr>
             <a:r>
-              <a:rPr lang="en-US" dirty="0" smtClean="0"/>
-              <a:t>This</a:t>
-            </a:r>
-            <a:r>
-              <a:rPr lang="en-US" baseline="0" dirty="0" smtClean="0"/>
-              <a:t> is the understandable reaction of most developers when they first engage the people who like CT.  Or when they read their first blog post about how monads are like burritos or some other metaphor.  I'm convinced what we need to do is understand that there is a whole vocabulary that must be learned in order for you to know what CT is.</a:t>
-            </a:r>
-            <a:endParaRPr lang="en-US" dirty="0" smtClean="0"/>
+              <a:rPr lang="en-US" dirty="0" err="1" smtClean="0"/>
+              <a:t>Morphism</a:t>
+            </a:r>
+            <a:r>
+              <a:rPr lang="en-US" dirty="0" smtClean="0"/>
+              <a:t> is chewy brownie to a hard brownie</a:t>
+            </a:r>
           </a:p>
         </p:txBody>
       </p:sp>
@@ -4334,7 +4343,18 @@
               <a:buFont typeface="Arial"/>
               <a:buNone/>
             </a:pPr>
-            <a:endParaRPr lang="en-US" dirty="0" smtClean="0"/>
+            <a:r>
+              <a:rPr lang="en-US" dirty="0" smtClean="0"/>
+              <a:t>Would convert a brownie to a cookie, and a chewy brownie to a chewy cookie and hard brownie into hard cookie, but also chewy cookies into hard cookies just like the brownie because the </a:t>
+            </a:r>
+            <a:r>
+              <a:rPr lang="en-US" dirty="0" err="1" smtClean="0"/>
+              <a:t>morphism</a:t>
+            </a:r>
+            <a:r>
+              <a:rPr lang="en-US" dirty="0" smtClean="0"/>
+              <a:t> is preserved</a:t>
+            </a:r>
           </a:p>
         </p:txBody>
       </p:sp>
@@ -4423,13 +4443,59 @@
               <a:buNone/>
             </a:pPr>
             <a:r>
+              <a:rPr lang="en-US" dirty="0" smtClean="0"/>
+              <a:t>They are not containers!  They are not collections.  Having</a:t>
+            </a:r>
+            <a:r>
+              <a:rPr lang="en-US" baseline="0" dirty="0" smtClean="0"/>
+              <a:t> a </a:t>
+            </a:r>
+            <a:r>
+              <a:rPr lang="en-US" baseline="0" dirty="0" err="1" smtClean="0"/>
+              <a:t>flatMap</a:t>
+            </a:r>
+            <a:r>
+              <a:rPr lang="en-US" baseline="0" dirty="0" smtClean="0"/>
+              <a:t> method does not mean that your type is monadic.</a:t>
+            </a:r>
+            <a:endParaRPr lang="en-US" dirty="0" smtClean="0"/>
+          </a:p>
+          <a:p>
+            <a:pPr marL="0" indent="0">
+              <a:buFont typeface="Arial"/>
+              <a:buNone/>
+            </a:pPr>
+            <a:endParaRPr lang="en-US" dirty="0" smtClean="0"/>
+          </a:p>
+          <a:p>
+            <a:pPr marL="0" indent="0">
+              <a:buFont typeface="Arial"/>
+              <a:buNone/>
+            </a:pPr>
+            <a:r>
+              <a:rPr lang="en-US" dirty="0" smtClean="0"/>
+              <a:t>Like a collection with </a:t>
+            </a:r>
+            <a:r>
               <a:rPr lang="en-US" dirty="0" err="1" smtClean="0"/>
-              <a:t>Morphism</a:t>
-            </a:r>
-            <a:r>
-              <a:rPr lang="en-US" dirty="0" smtClean="0"/>
-              <a:t> is chewy brownie to a hard brownie</a:t>
-            </a:r>
+              <a:t>flatMap</a:t>
+            </a:r>
+            <a:r>
+              <a:rPr lang="en-US" dirty="0" smtClean="0"/>
+              <a:t>. you won't know what they are by looking at code at first. Monads are ephemeral - they have to meet the laws of monads.  Left and right identity</a:t>
+            </a:r>
+            <a:r>
+              <a:rPr lang="en-US" baseline="0" dirty="0" smtClean="0"/>
+              <a:t> as well as binding.</a:t>
+            </a:r>
+            <a:endParaRPr lang="en-US" dirty="0" smtClean="0"/>
+          </a:p>
+          <a:p>
+            <a:pPr marL="0" indent="0">
+              <a:buFont typeface="Arial"/>
+              <a:buNone/>
+            </a:pPr>
+            <a:endParaRPr lang="en-US" dirty="0" smtClean="0"/>
           </a:p>
         </p:txBody>
       </p:sp>
@@ -4513,22 +4579,15 @@
           <a:bodyPr/>
           <a:lstStyle/>
           <a:p>
-            <a:pPr marL="0" indent="0">
-              <a:buFont typeface="Arial"/>
-              <a:buNone/>
-            </a:pPr>
-            <a:r>
-              <a:rPr lang="en-US" dirty="0" smtClean="0"/>
-              <a:t>Would convert a brownie to a cookie, and a chewy brownie to a chewy cookie and hard brownie into hard cookie, but also chewy cookies into hard cookies just like the brownie because the </a:t>
-            </a:r>
-            <a:r>
-              <a:rPr lang="en-US" dirty="0" err="1" smtClean="0"/>
-              <a:t>morphism</a:t>
-            </a:r>
-            <a:r>
-              <a:rPr lang="en-US" dirty="0" smtClean="0"/>
-              <a:t> is preserved</a:t>
-            </a:r>
+            <a:r>
+              <a:rPr lang="en-US" dirty="0" smtClean="0"/>
+              <a:t>Is the language trying to support too many paradigms at the expense of usability?  Should a language be responsible for providing convention as well as capability?</a:t>
+            </a:r>
+            <a:r>
+              <a:rPr lang="en-US" baseline="0" dirty="0" smtClean="0"/>
+              <a:t> I think not.  You can start by using Scala as a DSL for Java and make your code more concise, more readable and more correct.  As your abilities with the language grows, try expanding what you're doing, but keep in mind your limitations.</a:t>
+            </a:r>
+            <a:endParaRPr lang="en-US" dirty="0" smtClean="0"/>
           </a:p>
         </p:txBody>
       </p:sp>
@@ -4558,7 +4617,7 @@
     </p:spTree>
     <p:extLst>
       <p:ext uri="{BB962C8B-B14F-4D97-AF65-F5344CB8AC3E}">
-        <p14:creationId xmlns:p14="http://schemas.microsoft.com/office/powerpoint/2010/main" val="720456002"/>
+        <p14:creationId xmlns:p14="http://schemas.microsoft.com/office/powerpoint/2010/main" val="1409375520"/>
       </p:ext>
     </p:extLst>
   </p:cSld>
@@ -4691,239 +4750,6 @@
             <a:fld id="{A1ED0CD8-0730-934D-8A01-8ADC99471B58}" type="slidenum">
               <a:rPr lang="en-US" smtClean="0"/>
               <a:t>53</a:t>
-            </a:fld>
-            <a:endParaRPr lang="en-US"/>
-          </a:p>
-        </p:txBody>
-      </p:sp>
-    </p:spTree>
-    <p:extLst>
-      <p:ext uri="{BB962C8B-B14F-4D97-AF65-F5344CB8AC3E}">
-        <p14:creationId xmlns:p14="http://schemas.microsoft.com/office/powerpoint/2010/main" val="720456002"/>
-      </p:ext>
-    </p:extLst>
-  </p:cSld>
-  <p:clrMapOvr>
-    <a:masterClrMapping/>
-  </p:clrMapOvr>
-</p:notes>
-</file>
-
-<file path=ppt/notesSlides/notesSlide48.xml><?xml version="1.0" encoding="utf-8"?>
-<p:notes xmlns:a="http://schemas.openxmlformats.org/drawingml/2006/main" xmlns:r="http://schemas.openxmlformats.org/officeDocument/2006/relationships" xmlns:p="http://schemas.openxmlformats.org/presentationml/2006/main">
-  <p:cSld>
-    <p:spTree>
-      <p:nvGrpSpPr>
-        <p:cNvPr id="1" name=""/>
-        <p:cNvGrpSpPr/>
-        <p:nvPr/>
-      </p:nvGrpSpPr>
-      <p:grpSpPr>
-        <a:xfrm>
-          <a:off x="0" y="0"/>
-          <a:ext cx="0" cy="0"/>
-          <a:chOff x="0" y="0"/>
-          <a:chExt cx="0" cy="0"/>
-        </a:xfrm>
-      </p:grpSpPr>
-      <p:sp>
-        <p:nvSpPr>
-          <p:cNvPr id="2" name="Slide Image Placeholder 1"/>
-          <p:cNvSpPr>
-            <a:spLocks noGrp="1" noRot="1" noChangeAspect="1"/>
-          </p:cNvSpPr>
-          <p:nvPr>
-            <p:ph type="sldImg"/>
-          </p:nvPr>
-        </p:nvSpPr>
-        <p:spPr/>
-      </p:sp>
-      <p:sp>
-        <p:nvSpPr>
-          <p:cNvPr id="3" name="Notes Placeholder 2"/>
-          <p:cNvSpPr>
-            <a:spLocks noGrp="1"/>
-          </p:cNvSpPr>
-          <p:nvPr>
-            <p:ph type="body" idx="1"/>
-          </p:nvPr>
-        </p:nvSpPr>
-        <p:spPr/>
-        <p:txBody>
-          <a:bodyPr/>
-          <a:lstStyle/>
-          <a:p>
-            <a:r>
-              <a:rPr lang="en-US" dirty="0" smtClean="0"/>
-              <a:t>Is the language trying to support too many paradigms at the expense of usability?  Should a language be responsible for providing convention as well as capability?</a:t>
-            </a:r>
-            <a:r>
-              <a:rPr lang="en-US" baseline="0" dirty="0" smtClean="0"/>
-              <a:t> I think not.  You can start by using Scala as a DSL for Java and make your code more concise, more readable and more correct.  As your abilities with the language grows, try expanding what you're doing, but keep in mind your limitations.</a:t>
-            </a:r>
-            <a:endParaRPr lang="en-US" dirty="0" smtClean="0"/>
-          </a:p>
-        </p:txBody>
-      </p:sp>
-      <p:sp>
-        <p:nvSpPr>
-          <p:cNvPr id="4" name="Slide Number Placeholder 3"/>
-          <p:cNvSpPr>
-            <a:spLocks noGrp="1"/>
-          </p:cNvSpPr>
-          <p:nvPr>
-            <p:ph type="sldNum" sz="quarter" idx="10"/>
-          </p:nvPr>
-        </p:nvSpPr>
-        <p:spPr/>
-        <p:txBody>
-          <a:bodyPr/>
-          <a:lstStyle/>
-          <a:p>
-            <a:fld id="{A1ED0CD8-0730-934D-8A01-8ADC99471B58}" type="slidenum">
-              <a:rPr lang="en-US" smtClean="0"/>
-              <a:t>54</a:t>
-            </a:fld>
-            <a:endParaRPr lang="en-US"/>
-          </a:p>
-        </p:txBody>
-      </p:sp>
-    </p:spTree>
-    <p:extLst>
-      <p:ext uri="{BB962C8B-B14F-4D97-AF65-F5344CB8AC3E}">
-        <p14:creationId xmlns:p14="http://schemas.microsoft.com/office/powerpoint/2010/main" val="1409375520"/>
-      </p:ext>
-    </p:extLst>
-  </p:cSld>
-  <p:clrMapOvr>
-    <a:masterClrMapping/>
-  </p:clrMapOvr>
-</p:notes>
-</file>
-
-<file path=ppt/notesSlides/notesSlide49.xml><?xml version="1.0" encoding="utf-8"?>
-<p:notes xmlns:a="http://schemas.openxmlformats.org/drawingml/2006/main" xmlns:r="http://schemas.openxmlformats.org/officeDocument/2006/relationships" xmlns:p="http://schemas.openxmlformats.org/presentationml/2006/main">
-  <p:cSld>
-    <p:spTree>
-      <p:nvGrpSpPr>
-        <p:cNvPr id="1" name=""/>
-        <p:cNvGrpSpPr/>
-        <p:nvPr/>
-      </p:nvGrpSpPr>
-      <p:grpSpPr>
-        <a:xfrm>
-          <a:off x="0" y="0"/>
-          <a:ext cx="0" cy="0"/>
-          <a:chOff x="0" y="0"/>
-          <a:chExt cx="0" cy="0"/>
-        </a:xfrm>
-      </p:grpSpPr>
-      <p:sp>
-        <p:nvSpPr>
-          <p:cNvPr id="2" name="Slide Image Placeholder 1"/>
-          <p:cNvSpPr>
-            <a:spLocks noGrp="1" noRot="1" noChangeAspect="1"/>
-          </p:cNvSpPr>
-          <p:nvPr>
-            <p:ph type="sldImg"/>
-          </p:nvPr>
-        </p:nvSpPr>
-        <p:spPr/>
-      </p:sp>
-      <p:sp>
-        <p:nvSpPr>
-          <p:cNvPr id="3" name="Notes Placeholder 2"/>
-          <p:cNvSpPr>
-            <a:spLocks noGrp="1"/>
-          </p:cNvSpPr>
-          <p:nvPr>
-            <p:ph type="body" idx="1"/>
-          </p:nvPr>
-        </p:nvSpPr>
-        <p:spPr/>
-        <p:txBody>
-          <a:bodyPr/>
-          <a:lstStyle/>
-          <a:p>
-            <a:pPr marL="0" indent="0">
-              <a:buFont typeface="Arial"/>
-              <a:buNone/>
-            </a:pPr>
-            <a:r>
-              <a:rPr lang="en-US" dirty="0" smtClean="0"/>
-              <a:t>They are not containers!  They are not collections.  Having</a:t>
-            </a:r>
-            <a:r>
-              <a:rPr lang="en-US" baseline="0" dirty="0" smtClean="0"/>
-              <a:t> a </a:t>
-            </a:r>
-            <a:r>
-              <a:rPr lang="en-US" baseline="0" dirty="0" err="1" smtClean="0"/>
-              <a:t>flatMap</a:t>
-            </a:r>
-            <a:r>
-              <a:rPr lang="en-US" baseline="0" dirty="0" smtClean="0"/>
-              <a:t> method does not mean that your type is monadic.</a:t>
-            </a:r>
-            <a:endParaRPr lang="en-US" dirty="0" smtClean="0"/>
-          </a:p>
-          <a:p>
-            <a:pPr marL="0" indent="0">
-              <a:buFont typeface="Arial"/>
-              <a:buNone/>
-            </a:pPr>
-            <a:endParaRPr lang="en-US" dirty="0" smtClean="0"/>
-          </a:p>
-          <a:p>
-            <a:pPr marL="0" indent="0">
-              <a:buFont typeface="Arial"/>
-              <a:buNone/>
-            </a:pPr>
-            <a:r>
-              <a:rPr lang="en-US" dirty="0" smtClean="0"/>
-              <a:t>Like a collection with </a:t>
-            </a:r>
-            <a:r>
-              <a:rPr lang="en-US" dirty="0" err="1" smtClean="0"/>
-              <a:t>flatMap</a:t>
-            </a:r>
-            <a:r>
-              <a:rPr lang="en-US" dirty="0" smtClean="0"/>
-              <a:t>. you won't know what they are by looking at code at first. Monads are ephemeral - they have to meet the laws of monads.  Left and right identity</a:t>
-            </a:r>
-            <a:r>
-              <a:rPr lang="en-US" baseline="0" dirty="0" smtClean="0"/>
-              <a:t> as well as binding.</a:t>
-            </a:r>
-            <a:endParaRPr lang="en-US" dirty="0" smtClean="0"/>
-          </a:p>
-          <a:p>
-            <a:pPr marL="0" indent="0">
-              <a:buFont typeface="Arial"/>
-              <a:buNone/>
-            </a:pPr>
-            <a:endParaRPr lang="en-US" dirty="0" smtClean="0"/>
-          </a:p>
-        </p:txBody>
-      </p:sp>
-      <p:sp>
-        <p:nvSpPr>
-          <p:cNvPr id="4" name="Slide Number Placeholder 3"/>
-          <p:cNvSpPr>
-            <a:spLocks noGrp="1"/>
-          </p:cNvSpPr>
-          <p:nvPr>
-            <p:ph type="sldNum" sz="quarter" idx="10"/>
-          </p:nvPr>
-        </p:nvSpPr>
-        <p:spPr/>
-        <p:txBody>
-          <a:bodyPr/>
-          <a:lstStyle/>
-          <a:p>
-            <a:fld id="{A1ED0CD8-0730-934D-8A01-8ADC99471B58}" type="slidenum">
-              <a:rPr lang="en-US" smtClean="0"/>
-              <a:t>55</a:t>
             </a:fld>
             <a:endParaRPr lang="en-US"/>
           </a:p>
@@ -11575,7 +11401,7 @@
         <p:spPr/>
         <p:txBody>
           <a:bodyPr>
-            <a:normAutofit fontScale="77500" lnSpcReduction="20000"/>
+            <a:normAutofit fontScale="85000" lnSpcReduction="20000"/>
           </a:bodyPr>
           <a:lstStyle/>
           <a:p>
@@ -11605,32 +11431,32 @@
           <a:p>
             <a:r>
               <a:rPr lang="en-US" dirty="0" smtClean="0"/>
-              <a:t>Type Theory</a:t>
-            </a:r>
-          </a:p>
-          <a:p>
-            <a:r>
-              <a:rPr lang="en-US" dirty="0" smtClean="0"/>
               <a:t>Actors</a:t>
             </a:r>
           </a:p>
           <a:p>
             <a:r>
-              <a:rPr lang="en-US" dirty="0" smtClean="0"/>
+              <a:rPr lang="en-US" dirty="0"/>
               <a:t>Futures</a:t>
             </a:r>
-          </a:p>
-          <a:p>
-            <a:r>
-              <a:rPr lang="en-US" dirty="0" smtClean="0"/>
-              <a:t>Java Interoperability</a:t>
-            </a:r>
-          </a:p>
-          <a:p>
-            <a:r>
-              <a:rPr lang="en-US" dirty="0" err="1" smtClean="0"/>
+            <a:endParaRPr lang="en-US" dirty="0" smtClean="0"/>
+          </a:p>
+          <a:p>
+            <a:r>
+              <a:rPr lang="en-US" dirty="0" err="1"/>
               <a:t>Implicits</a:t>
             </a:r>
+            <a:endParaRPr lang="en-US" dirty="0"/>
+          </a:p>
+          <a:p>
+            <a:r>
+              <a:rPr lang="en-US" dirty="0" smtClean="0"/>
+              <a:t>Type </a:t>
+            </a:r>
+            <a:r>
+              <a:rPr lang="en-US" dirty="0" smtClean="0"/>
+              <a:t>Theory</a:t>
+            </a:r>
             <a:endParaRPr lang="en-US" dirty="0" smtClean="0"/>
           </a:p>
           <a:p>
@@ -11638,6 +11464,7 @@
               <a:rPr lang="en-US" dirty="0" smtClean="0"/>
               <a:t>Macros</a:t>
             </a:r>
+            <a:endParaRPr lang="en-US" dirty="0" smtClean="0"/>
           </a:p>
           <a:p>
             <a:r>
@@ -11866,7 +11693,7 @@
         </p:nvSpPr>
         <p:spPr>
           <a:xfrm>
-            <a:off x="457200" y="2453470"/>
+            <a:off x="457200" y="2852612"/>
             <a:ext cx="8229600" cy="3083730"/>
           </a:xfrm>
         </p:spPr>
@@ -11884,14 +11711,13 @@
           <a:p>
             <a:r>
               <a:rPr lang="en-US" dirty="0" smtClean="0"/>
-              <a:t>Applying closures to collections</a:t>
-            </a:r>
-          </a:p>
-          <a:p>
-            <a:r>
-              <a:rPr lang="en-US" dirty="0" smtClean="0"/>
-              <a:t>You can convert methods into functions</a:t>
-            </a:r>
+              <a:t>Applying closures to </a:t>
+            </a:r>
+            <a:r>
+              <a:rPr lang="en-US" dirty="0" smtClean="0"/>
+              <a:t>collections</a:t>
+            </a:r>
+            <a:endParaRPr lang="en-US" dirty="0" smtClean="0"/>
           </a:p>
         </p:txBody>
       </p:sp>
@@ -13179,10 +13005,8 @@
                 <a:latin typeface="Courier New"/>
                 <a:cs typeface="Courier New"/>
               </a:rPr>
-              <a:t>&gt; res4.par</a:t>
-            </a:r>
-          </a:p>
-          <a:p>
+              <a:t>&gt; </a:t>
+            </a:r>
             <a:r>
               <a:rPr lang="en-US" sz="1600" dirty="0" smtClean="0">
                 <a:solidFill>
@@ -13191,90 +13015,8 @@
                 <a:latin typeface="Courier New"/>
                 <a:cs typeface="Courier New"/>
               </a:rPr>
-              <a:t>res1: </a:t>
-            </a:r>
-            <a:r>
-              <a:rPr lang="en-US" sz="1600" dirty="0" err="1" smtClean="0">
-                <a:solidFill>
-                  <a:srgbClr val="000090"/>
-                </a:solidFill>
-                <a:latin typeface="Courier New"/>
-                <a:cs typeface="Courier New"/>
-              </a:rPr>
-              <a:t>s.c.parallel.immutable.ParRange</a:t>
-            </a:r>
-            <a:r>
-              <a:rPr lang="en-US" sz="1600" dirty="0" smtClean="0">
-                <a:solidFill>
-                  <a:srgbClr val="000090"/>
-                </a:solidFill>
-                <a:latin typeface="Courier New"/>
-                <a:cs typeface="Courier New"/>
-              </a:rPr>
-              <a:t> </a:t>
-            </a:r>
-            <a:r>
-              <a:rPr lang="en-US" sz="1600" dirty="0">
-                <a:solidFill>
-                  <a:srgbClr val="000090"/>
-                </a:solidFill>
-                <a:latin typeface="Courier New"/>
-                <a:cs typeface="Courier New"/>
-              </a:rPr>
-              <a:t>= </a:t>
-            </a:r>
-            <a:r>
-              <a:rPr lang="en-US" sz="1600" dirty="0" err="1">
-                <a:solidFill>
-                  <a:srgbClr val="000090"/>
-                </a:solidFill>
-                <a:latin typeface="Courier New"/>
-                <a:cs typeface="Courier New"/>
-              </a:rPr>
-              <a:t>ParRange</a:t>
-            </a:r>
-            <a:r>
-              <a:rPr lang="en-US" sz="1600" dirty="0">
-                <a:solidFill>
-                  <a:srgbClr val="000090"/>
-                </a:solidFill>
-                <a:latin typeface="Courier New"/>
-                <a:cs typeface="Courier New"/>
-              </a:rPr>
-              <a:t>(1</a:t>
-            </a:r>
-            <a:r>
-              <a:rPr lang="en-US" sz="1600" dirty="0" smtClean="0">
-                <a:solidFill>
-                  <a:srgbClr val="000090"/>
-                </a:solidFill>
-                <a:latin typeface="Courier New"/>
-                <a:cs typeface="Courier New"/>
-              </a:rPr>
-              <a:t>, 2, 3,.</a:t>
-            </a:r>
-            <a:r>
-              <a:rPr lang="en-US" sz="1600" dirty="0">
-                <a:solidFill>
-                  <a:srgbClr val="000090"/>
-                </a:solidFill>
-                <a:latin typeface="Courier New"/>
-                <a:cs typeface="Courier New"/>
-              </a:rPr>
-              <a:t>.</a:t>
-            </a:r>
-            <a:r>
-              <a:rPr lang="en-US" sz="1600" dirty="0" smtClean="0">
-                <a:solidFill>
-                  <a:srgbClr val="000090"/>
-                </a:solidFill>
-                <a:latin typeface="Courier New"/>
-                <a:cs typeface="Courier New"/>
-              </a:rPr>
-              <a:t>.</a:t>
-            </a:r>
-          </a:p>
-          <a:p>
+              <a:t>res0.par</a:t>
+            </a:r>
             <a:endParaRPr lang="en-US" sz="1600" dirty="0">
               <a:solidFill>
                 <a:srgbClr val="000090"/>
@@ -13285,6 +13027,46 @@
           </a:p>
           <a:p>
             <a:r>
+              <a:rPr lang="en-US" sz="1600" dirty="0" smtClean="0">
+                <a:solidFill>
+                  <a:srgbClr val="000090"/>
+                </a:solidFill>
+                <a:latin typeface="Courier New"/>
+                <a:cs typeface="Courier New"/>
+              </a:rPr>
+              <a:t>res1: </a:t>
+            </a:r>
+            <a:r>
+              <a:rPr lang="en-US" sz="1600" dirty="0" err="1" smtClean="0">
+                <a:solidFill>
+                  <a:srgbClr val="000090"/>
+                </a:solidFill>
+                <a:latin typeface="Courier New"/>
+                <a:cs typeface="Courier New"/>
+              </a:rPr>
+              <a:t>s.c.parallel.immutable.ParRange</a:t>
+            </a:r>
+            <a:r>
+              <a:rPr lang="en-US" sz="1600" dirty="0" smtClean="0">
+                <a:solidFill>
+                  <a:srgbClr val="000090"/>
+                </a:solidFill>
+                <a:latin typeface="Courier New"/>
+                <a:cs typeface="Courier New"/>
+              </a:rPr>
+              <a:t> </a:t>
+            </a:r>
+            <a:r>
+              <a:rPr lang="en-US" sz="1600" dirty="0">
+                <a:solidFill>
+                  <a:srgbClr val="000090"/>
+                </a:solidFill>
+                <a:latin typeface="Courier New"/>
+                <a:cs typeface="Courier New"/>
+              </a:rPr>
+              <a:t>= </a:t>
+            </a:r>
+            <a:r>
               <a:rPr lang="en-US" sz="1600" dirty="0" err="1">
                 <a:solidFill>
                   <a:srgbClr val="000090"/>
@@ -13292,6 +13074,67 @@
                 <a:latin typeface="Courier New"/>
                 <a:cs typeface="Courier New"/>
               </a:rPr>
+              <a:t>ParRange</a:t>
+            </a:r>
+            <a:r>
+              <a:rPr lang="en-US" sz="1600" dirty="0">
+                <a:solidFill>
+                  <a:srgbClr val="000090"/>
+                </a:solidFill>
+                <a:latin typeface="Courier New"/>
+                <a:cs typeface="Courier New"/>
+              </a:rPr>
+              <a:t>(1</a:t>
+            </a:r>
+            <a:r>
+              <a:rPr lang="en-US" sz="1600" dirty="0" smtClean="0">
+                <a:solidFill>
+                  <a:srgbClr val="000090"/>
+                </a:solidFill>
+                <a:latin typeface="Courier New"/>
+                <a:cs typeface="Courier New"/>
+              </a:rPr>
+              <a:t>, 2, 3,.</a:t>
+            </a:r>
+            <a:r>
+              <a:rPr lang="en-US" sz="1600" dirty="0">
+                <a:solidFill>
+                  <a:srgbClr val="000090"/>
+                </a:solidFill>
+                <a:latin typeface="Courier New"/>
+                <a:cs typeface="Courier New"/>
+              </a:rPr>
+              <a:t>.</a:t>
+            </a:r>
+            <a:r>
+              <a:rPr lang="en-US" sz="1600" dirty="0" smtClean="0">
+                <a:solidFill>
+                  <a:srgbClr val="000090"/>
+                </a:solidFill>
+                <a:latin typeface="Courier New"/>
+                <a:cs typeface="Courier New"/>
+              </a:rPr>
+              <a:t>.</a:t>
+            </a:r>
+          </a:p>
+          <a:p>
+            <a:endParaRPr lang="en-US" sz="1600" dirty="0">
+              <a:solidFill>
+                <a:srgbClr val="000090"/>
+              </a:solidFill>
+              <a:latin typeface="Courier New"/>
+              <a:cs typeface="Courier New"/>
+            </a:endParaRPr>
+          </a:p>
+          <a:p>
+            <a:r>
+              <a:rPr lang="en-US" sz="1600" dirty="0" err="1">
+                <a:solidFill>
+                  <a:srgbClr val="000090"/>
+                </a:solidFill>
+                <a:latin typeface="Courier New"/>
+                <a:cs typeface="Courier New"/>
+              </a:rPr>
               <a:t>scala</a:t>
             </a:r>
             <a:r>
@@ -13302,7 +13145,27 @@
                 <a:latin typeface="Courier New"/>
                 <a:cs typeface="Courier New"/>
               </a:rPr>
-              <a:t>&gt; res5 map(_ + 1)</a:t>
+              <a:t>&gt; </a:t>
+            </a:r>
+            <a:r>
+              <a:rPr lang="en-US" sz="1600" dirty="0" smtClean="0">
+                <a:solidFill>
+                  <a:srgbClr val="000090"/>
+                </a:solidFill>
+                <a:latin typeface="Courier New"/>
+                <a:cs typeface="Courier New"/>
+              </a:rPr>
+              <a:t>res1 </a:t>
+            </a:r>
+            <a:r>
+              <a:rPr lang="en-US" sz="1600" dirty="0">
+                <a:solidFill>
+                  <a:srgbClr val="000090"/>
+                </a:solidFill>
+                <a:latin typeface="Courier New"/>
+                <a:cs typeface="Courier New"/>
+              </a:rPr>
+              <a:t>map(_ + 1)</a:t>
             </a:r>
           </a:p>
           <a:p>
@@ -13435,10 +13298,8 @@
                 <a:latin typeface="Courier New"/>
                 <a:cs typeface="Courier New"/>
               </a:rPr>
-              <a:t>&gt; res5.seq</a:t>
-            </a:r>
-          </a:p>
-          <a:p>
+              <a:t>&gt; </a:t>
+            </a:r>
             <a:r>
               <a:rPr lang="en-US" sz="1600" dirty="0" smtClean="0">
                 <a:solidFill>
@@ -13447,6 +13308,25 @@
                 <a:latin typeface="Courier New"/>
                 <a:cs typeface="Courier New"/>
               </a:rPr>
+              <a:t>res2.seq</a:t>
+            </a:r>
+            <a:endParaRPr lang="en-US" sz="1600" dirty="0">
+              <a:solidFill>
+                <a:srgbClr val="000090"/>
+              </a:solidFill>
+              <a:latin typeface="Courier New"/>
+              <a:cs typeface="Courier New"/>
+            </a:endParaRPr>
+          </a:p>
+          <a:p>
+            <a:r>
+              <a:rPr lang="en-US" sz="1600" dirty="0" smtClean="0">
+                <a:solidFill>
+                  <a:srgbClr val="000090"/>
+                </a:solidFill>
+                <a:latin typeface="Courier New"/>
+                <a:cs typeface="Courier New"/>
+              </a:rPr>
               <a:t>res3: </a:t>
             </a:r>
             <a:r>
@@ -13477,7 +13357,47 @@
                 <a:latin typeface="Courier New"/>
                 <a:cs typeface="Courier New"/>
               </a:rPr>
-              <a:t>= Range(1, 2, 3</a:t>
+              <a:t>= Range</a:t>
+            </a:r>
+            <a:r>
+              <a:rPr lang="en-US" sz="1600" dirty="0" smtClean="0">
+                <a:solidFill>
+                  <a:srgbClr val="000090"/>
+                </a:solidFill>
+                <a:latin typeface="Courier New"/>
+                <a:cs typeface="Courier New"/>
+              </a:rPr>
+              <a:t>(2, </a:t>
+            </a:r>
+            <a:r>
+              <a:rPr lang="en-US" sz="1600" dirty="0">
+                <a:solidFill>
+                  <a:srgbClr val="000090"/>
+                </a:solidFill>
+                <a:latin typeface="Courier New"/>
+                <a:cs typeface="Courier New"/>
+              </a:rPr>
+              <a:t>3</a:t>
+            </a:r>
+            <a:r>
+              <a:rPr lang="en-US" sz="1600" dirty="0" smtClean="0">
+                <a:solidFill>
+                  <a:srgbClr val="000090"/>
+                </a:solidFill>
+                <a:latin typeface="Courier New"/>
+                <a:cs typeface="Courier New"/>
+              </a:rPr>
+              <a:t>, </a:t>
+            </a:r>
+            <a:r>
+              <a:rPr lang="en-US" sz="1600" dirty="0">
+                <a:solidFill>
+                  <a:srgbClr val="000090"/>
+                </a:solidFill>
+                <a:latin typeface="Courier New"/>
+                <a:cs typeface="Courier New"/>
+              </a:rPr>
+              <a:t>4</a:t>
             </a:r>
             <a:r>
               <a:rPr lang="en-US" sz="1600" dirty="0" smtClean="0">
@@ -14467,7 +14387,7 @@
             </a:pPr>
             <a:r>
               <a:rPr lang="en-US" sz="6400" b="1" dirty="0" smtClean="0"/>
-              <a:t>Type Theory</a:t>
+              <a:t>Actors</a:t>
             </a:r>
             <a:endParaRPr lang="en-US" sz="6400" b="1" dirty="0"/>
           </a:p>
@@ -14476,7 +14396,7 @@
     </p:spTree>
     <p:extLst>
       <p:ext uri="{BB962C8B-B14F-4D97-AF65-F5344CB8AC3E}">
-        <p14:creationId xmlns:p14="http://schemas.microsoft.com/office/powerpoint/2010/main" val="420033538"/>
+        <p14:creationId xmlns:p14="http://schemas.microsoft.com/office/powerpoint/2010/main" val="2810334933"/>
       </p:ext>
     </p:extLst>
   </p:cSld>
@@ -14522,29 +14442,6 @@
         </p:nvSpPr>
         <p:spPr/>
         <p:txBody>
-          <a:bodyPr/>
-          <a:lstStyle/>
-          <a:p>
-            <a:r>
-              <a:rPr lang="en-US" dirty="0" smtClean="0"/>
-              <a:t>Type Inference</a:t>
-            </a:r>
-            <a:endParaRPr lang="en-US" dirty="0"/>
-          </a:p>
-        </p:txBody>
-      </p:sp>
-      <p:sp>
-        <p:nvSpPr>
-          <p:cNvPr id="3" name="Content Placeholder 2"/>
-          <p:cNvSpPr>
-            <a:spLocks noGrp="1"/>
-          </p:cNvSpPr>
-          <p:nvPr>
-            <p:ph idx="1"/>
-          </p:nvPr>
-        </p:nvSpPr>
-        <p:spPr/>
-        <p:txBody>
           <a:bodyPr>
             <a:normAutofit/>
           </a:bodyPr>
@@ -14552,41 +14449,290 @@
           <a:p>
             <a:r>
               <a:rPr lang="en-US" dirty="0" smtClean="0"/>
-              <a:t>Declaring a variable/value</a:t>
-            </a:r>
-          </a:p>
-          <a:p>
-            <a:r>
-              <a:rPr lang="en-US" dirty="0" smtClean="0"/>
-              <a:t>Return types of methods/functions</a:t>
-            </a:r>
-          </a:p>
-          <a:p>
-            <a:r>
-              <a:rPr lang="en-US" dirty="0" smtClean="0"/>
-              <a:t>Local versus Global (see </a:t>
-            </a:r>
-            <a:r>
-              <a:rPr lang="en-US" dirty="0" smtClean="0">
-                <a:hlinkClick r:id="rId3"/>
-              </a:rPr>
-              <a:t>Daniel Spiewak's Philly ETE 2011 talk</a:t>
-            </a:r>
-            <a:r>
-              <a:rPr lang="en-US" dirty="0" smtClean="0"/>
-              <a:t>) </a:t>
-            </a:r>
-          </a:p>
-          <a:p>
-            <a:r>
-              <a:rPr lang="en-US" dirty="0" smtClean="0"/>
-              <a:t>Good idea to show types on public interfaces</a:t>
-            </a:r>
-          </a:p>
-          <a:p>
-            <a:r>
-              <a:rPr lang="en-US" dirty="0" smtClean="0"/>
-              <a:t>Specify types when you want to type certainty</a:t>
+              <a:t>Actors</a:t>
+            </a:r>
+            <a:endParaRPr lang="en-US" dirty="0"/>
+          </a:p>
+        </p:txBody>
+      </p:sp>
+      <p:sp>
+        <p:nvSpPr>
+          <p:cNvPr id="4" name="TextBox 3"/>
+          <p:cNvSpPr txBox="1"/>
+          <p:nvPr/>
+        </p:nvSpPr>
+        <p:spPr>
+          <a:xfrm>
+            <a:off x="317500" y="1288122"/>
+            <a:ext cx="8509000" cy="1815882"/>
+          </a:xfrm>
+          <a:prstGeom prst="rect">
+            <a:avLst/>
+          </a:prstGeom>
+          <a:noFill/>
+        </p:spPr>
+        <p:txBody>
+          <a:bodyPr wrap="square" rtlCol="0">
+            <a:spAutoFit/>
+          </a:bodyPr>
+          <a:lstStyle/>
+          <a:p>
+            <a:r>
+              <a:rPr lang="ro-RO" sz="1600" b="1" dirty="0" smtClean="0">
+                <a:solidFill>
+                  <a:srgbClr val="000090"/>
+                </a:solidFill>
+                <a:latin typeface="Courier New"/>
+                <a:cs typeface="Courier New"/>
+              </a:rPr>
+              <a:t>import</a:t>
+            </a:r>
+            <a:r>
+              <a:rPr lang="ro-RO" sz="1600" dirty="0" smtClean="0">
+                <a:solidFill>
+                  <a:srgbClr val="000090"/>
+                </a:solidFill>
+                <a:latin typeface="Courier New"/>
+                <a:cs typeface="Courier New"/>
+              </a:rPr>
+              <a:t> akka.actor._</a:t>
+            </a:r>
+          </a:p>
+          <a:p>
+            <a:endParaRPr lang="ro-RO" sz="1600" dirty="0">
+              <a:solidFill>
+                <a:srgbClr val="000090"/>
+              </a:solidFill>
+              <a:latin typeface="Courier New"/>
+              <a:cs typeface="Courier New"/>
+            </a:endParaRPr>
+          </a:p>
+          <a:p>
+            <a:r>
+              <a:rPr lang="ro-RO" sz="1600" b="1" dirty="0" smtClean="0">
+                <a:solidFill>
+                  <a:srgbClr val="000090"/>
+                </a:solidFill>
+                <a:latin typeface="Courier New"/>
+                <a:cs typeface="Courier New"/>
+              </a:rPr>
+              <a:t>class</a:t>
+            </a:r>
+            <a:r>
+              <a:rPr lang="ro-RO" sz="1600" dirty="0" smtClean="0">
+                <a:solidFill>
+                  <a:srgbClr val="000090"/>
+                </a:solidFill>
+                <a:latin typeface="Courier New"/>
+                <a:cs typeface="Courier New"/>
+              </a:rPr>
+              <a:t> MyActor </a:t>
+            </a:r>
+            <a:r>
+              <a:rPr lang="ro-RO" sz="1600" b="1" dirty="0" smtClean="0">
+                <a:solidFill>
+                  <a:srgbClr val="000090"/>
+                </a:solidFill>
+                <a:latin typeface="Courier New"/>
+                <a:cs typeface="Courier New"/>
+              </a:rPr>
+              <a:t>extends</a:t>
+            </a:r>
+            <a:r>
+              <a:rPr lang="ro-RO" sz="1600" dirty="0" smtClean="0">
+                <a:solidFill>
+                  <a:srgbClr val="000090"/>
+                </a:solidFill>
+                <a:latin typeface="Courier New"/>
+                <a:cs typeface="Courier New"/>
+              </a:rPr>
+              <a:t> Actor {</a:t>
+            </a:r>
+          </a:p>
+          <a:p>
+            <a:r>
+              <a:rPr lang="ro-RO" sz="1600" dirty="0">
+                <a:solidFill>
+                  <a:srgbClr val="000090"/>
+                </a:solidFill>
+                <a:latin typeface="Courier New"/>
+                <a:cs typeface="Courier New"/>
+              </a:rPr>
+              <a:t> </a:t>
+            </a:r>
+            <a:r>
+              <a:rPr lang="ro-RO" sz="1600" dirty="0" smtClean="0">
+                <a:solidFill>
+                  <a:srgbClr val="000090"/>
+                </a:solidFill>
+                <a:latin typeface="Courier New"/>
+                <a:cs typeface="Courier New"/>
+              </a:rPr>
+              <a:t> </a:t>
+            </a:r>
+            <a:r>
+              <a:rPr lang="ro-RO" sz="1600" b="1" dirty="0" smtClean="0">
+                <a:solidFill>
+                  <a:srgbClr val="000090"/>
+                </a:solidFill>
+                <a:latin typeface="Courier New"/>
+                <a:cs typeface="Courier New"/>
+              </a:rPr>
+              <a:t>def</a:t>
+            </a:r>
+            <a:r>
+              <a:rPr lang="ro-RO" sz="1600" dirty="0" smtClean="0">
+                <a:solidFill>
+                  <a:srgbClr val="000090"/>
+                </a:solidFill>
+                <a:latin typeface="Courier New"/>
+                <a:cs typeface="Courier New"/>
+              </a:rPr>
+              <a:t> receive = {</a:t>
+            </a:r>
+          </a:p>
+          <a:p>
+            <a:r>
+              <a:rPr lang="ro-RO" sz="1600" dirty="0">
+                <a:solidFill>
+                  <a:srgbClr val="000090"/>
+                </a:solidFill>
+                <a:latin typeface="Courier New"/>
+                <a:cs typeface="Courier New"/>
+              </a:rPr>
+              <a:t> </a:t>
+            </a:r>
+            <a:r>
+              <a:rPr lang="ro-RO" sz="1600" dirty="0" smtClean="0">
+                <a:solidFill>
+                  <a:srgbClr val="000090"/>
+                </a:solidFill>
+                <a:latin typeface="Courier New"/>
+                <a:cs typeface="Courier New"/>
+              </a:rPr>
+              <a:t>    </a:t>
+            </a:r>
+            <a:r>
+              <a:rPr lang="ro-RO" sz="1600" b="1" dirty="0" smtClean="0">
+                <a:solidFill>
+                  <a:srgbClr val="000090"/>
+                </a:solidFill>
+                <a:latin typeface="Courier New"/>
+                <a:cs typeface="Courier New"/>
+              </a:rPr>
+              <a:t>case</a:t>
+            </a:r>
+            <a:r>
+              <a:rPr lang="ro-RO" sz="1600" dirty="0" smtClean="0">
+                <a:solidFill>
+                  <a:srgbClr val="000090"/>
+                </a:solidFill>
+                <a:latin typeface="Courier New"/>
+                <a:cs typeface="Courier New"/>
+              </a:rPr>
+              <a:t> x =&gt; println(“Got value: “ + x)</a:t>
+            </a:r>
+          </a:p>
+          <a:p>
+            <a:r>
+              <a:rPr lang="ro-RO" sz="1600" dirty="0">
+                <a:solidFill>
+                  <a:srgbClr val="000090"/>
+                </a:solidFill>
+                <a:latin typeface="Courier New"/>
+                <a:cs typeface="Courier New"/>
+              </a:rPr>
+              <a:t> </a:t>
+            </a:r>
+            <a:r>
+              <a:rPr lang="ro-RO" sz="1600" dirty="0" smtClean="0">
+                <a:solidFill>
+                  <a:srgbClr val="000090"/>
+                </a:solidFill>
+                <a:latin typeface="Courier New"/>
+                <a:cs typeface="Courier New"/>
+              </a:rPr>
+              <a:t> }</a:t>
+            </a:r>
+          </a:p>
+          <a:p>
+            <a:r>
+              <a:rPr lang="ro-RO" sz="1600" dirty="0">
+                <a:solidFill>
+                  <a:srgbClr val="000090"/>
+                </a:solidFill>
+                <a:latin typeface="Courier New"/>
+                <a:cs typeface="Courier New"/>
+              </a:rPr>
+              <a:t>}</a:t>
+            </a:r>
+            <a:endParaRPr lang="ro-RO" sz="1600" dirty="0" smtClean="0">
+              <a:solidFill>
+                <a:srgbClr val="000090"/>
+              </a:solidFill>
+              <a:latin typeface="Courier New"/>
+              <a:cs typeface="Courier New"/>
+            </a:endParaRPr>
+          </a:p>
+        </p:txBody>
+      </p:sp>
+      <p:sp>
+        <p:nvSpPr>
+          <p:cNvPr id="6" name="Content Placeholder 2"/>
+          <p:cNvSpPr>
+            <a:spLocks noGrp="1"/>
+          </p:cNvSpPr>
+          <p:nvPr>
+            <p:ph idx="1"/>
+          </p:nvPr>
+        </p:nvSpPr>
+        <p:spPr>
+          <a:xfrm>
+            <a:off x="457200" y="3104004"/>
+            <a:ext cx="8229600" cy="2903096"/>
+          </a:xfrm>
+        </p:spPr>
+        <p:txBody>
+          <a:bodyPr>
+            <a:normAutofit/>
+          </a:bodyPr>
+          <a:lstStyle/>
+          <a:p>
+            <a:r>
+              <a:rPr lang="en-US" dirty="0" smtClean="0"/>
+              <a:t>Based on concepts from </a:t>
+            </a:r>
+            <a:r>
+              <a:rPr lang="en-US" dirty="0" err="1" smtClean="0"/>
+              <a:t>Erlang</a:t>
+            </a:r>
+            <a:r>
+              <a:rPr lang="en-US" dirty="0" smtClean="0"/>
+              <a:t>/OTP</a:t>
+            </a:r>
+          </a:p>
+          <a:p>
+            <a:r>
+              <a:rPr lang="en-US" dirty="0" err="1" smtClean="0"/>
+              <a:t>Akka</a:t>
+            </a:r>
+            <a:r>
+              <a:rPr lang="en-US" dirty="0" smtClean="0"/>
+              <a:t> is replacing the core language actors</a:t>
+            </a:r>
+          </a:p>
+          <a:p>
+            <a:r>
+              <a:rPr lang="en-US" dirty="0" smtClean="0"/>
+              <a:t>Concurrency paradigm using networks of independent objects that </a:t>
+            </a:r>
+            <a:r>
+              <a:rPr lang="en-US" dirty="0" smtClean="0"/>
+              <a:t>only </a:t>
+            </a:r>
+            <a:r>
+              <a:rPr lang="en-US" dirty="0" smtClean="0"/>
+              <a:t>communicate via messaging and mailboxes</a:t>
             </a:r>
           </a:p>
         </p:txBody>
@@ -14594,7 +14740,7 @@
     </p:spTree>
     <p:extLst>
       <p:ext uri="{BB962C8B-B14F-4D97-AF65-F5344CB8AC3E}">
-        <p14:creationId xmlns:p14="http://schemas.microsoft.com/office/powerpoint/2010/main" val="375188971"/>
+        <p14:creationId xmlns:p14="http://schemas.microsoft.com/office/powerpoint/2010/main" val="2589091355"/>
       </p:ext>
     </p:extLst>
   </p:cSld>
@@ -14630,29 +14776,6 @@
       </p:grpSpPr>
       <p:sp>
         <p:nvSpPr>
-          <p:cNvPr id="2" name="Title 1"/>
-          <p:cNvSpPr>
-            <a:spLocks noGrp="1"/>
-          </p:cNvSpPr>
-          <p:nvPr>
-            <p:ph type="title"/>
-          </p:nvPr>
-        </p:nvSpPr>
-        <p:spPr/>
-        <p:txBody>
-          <a:bodyPr/>
-          <a:lstStyle/>
-          <a:p>
-            <a:r>
-              <a:rPr lang="en-US" dirty="0" smtClean="0"/>
-              <a:t>Type Classes I</a:t>
-            </a:r>
-            <a:endParaRPr lang="en-US" dirty="0"/>
-          </a:p>
-        </p:txBody>
-      </p:sp>
-      <p:sp>
-        <p:nvSpPr>
           <p:cNvPr id="3" name="Content Placeholder 2"/>
           <p:cNvSpPr>
             <a:spLocks noGrp="1"/>
@@ -14663,314 +14786,31 @@
         </p:nvSpPr>
         <p:spPr>
           <a:xfrm>
-            <a:off x="457200" y="4335110"/>
-            <a:ext cx="8229600" cy="1791053"/>
+            <a:off x="457200" y="1600200"/>
+            <a:ext cx="8229600" cy="1149163"/>
           </a:xfrm>
         </p:spPr>
         <p:txBody>
           <a:bodyPr>
-            <a:normAutofit/>
+            <a:noAutofit/>
           </a:bodyPr>
           <a:lstStyle/>
           <a:p>
-            <a:r>
-              <a:rPr lang="en-US" dirty="0" smtClean="0"/>
-              <a:t>Allow you to layer in varying implementations of behavior without changing an existing inheritance structure</a:t>
-            </a:r>
-          </a:p>
-        </p:txBody>
-      </p:sp>
-      <p:sp>
-        <p:nvSpPr>
-          <p:cNvPr id="4" name="TextBox 3"/>
-          <p:cNvSpPr txBox="1"/>
-          <p:nvPr/>
-        </p:nvSpPr>
-        <p:spPr>
-          <a:xfrm>
-            <a:off x="317500" y="1288122"/>
-            <a:ext cx="8509000" cy="3046988"/>
-          </a:xfrm>
-          <a:prstGeom prst="rect">
-            <a:avLst/>
-          </a:prstGeom>
-          <a:noFill/>
-        </p:spPr>
-        <p:txBody>
-          <a:bodyPr wrap="square" rtlCol="0">
-            <a:spAutoFit/>
-          </a:bodyPr>
-          <a:lstStyle/>
-          <a:p>
-            <a:r>
-              <a:rPr lang="ro-RO" sz="1600" b="1" dirty="0" smtClean="0">
-                <a:solidFill>
-                  <a:srgbClr val="000090"/>
-                </a:solidFill>
-                <a:latin typeface="Courier New"/>
-                <a:cs typeface="Courier New"/>
-              </a:rPr>
-              <a:t>case class</a:t>
-            </a:r>
-            <a:r>
-              <a:rPr lang="ro-RO" sz="1600" dirty="0" smtClean="0">
-                <a:solidFill>
-                  <a:srgbClr val="000090"/>
-                </a:solidFill>
-                <a:latin typeface="Courier New"/>
-                <a:cs typeface="Courier New"/>
-              </a:rPr>
-              <a:t> Customer(id: Long, firstName: String, lastName: String)</a:t>
-            </a:r>
-          </a:p>
-          <a:p>
-            <a:endParaRPr lang="ro-RO" sz="1600" dirty="0" smtClean="0">
-              <a:solidFill>
-                <a:srgbClr val="000090"/>
-              </a:solidFill>
-              <a:latin typeface="Courier New"/>
-              <a:cs typeface="Courier New"/>
-            </a:endParaRPr>
-          </a:p>
-          <a:p>
-            <a:r>
-              <a:rPr lang="ro-RO" sz="1600" b="1" dirty="0" smtClean="0">
-                <a:solidFill>
-                  <a:srgbClr val="000090"/>
-                </a:solidFill>
-                <a:latin typeface="Courier New"/>
-                <a:cs typeface="Courier New"/>
-              </a:rPr>
-              <a:t>trait </a:t>
-            </a:r>
-            <a:r>
-              <a:rPr lang="ro-RO" sz="1600" dirty="0" smtClean="0">
-                <a:solidFill>
-                  <a:srgbClr val="000090"/>
-                </a:solidFill>
-                <a:latin typeface="Courier New"/>
-                <a:cs typeface="Courier New"/>
-              </a:rPr>
-              <a:t>CustomerOrderById </a:t>
-            </a:r>
-            <a:r>
-              <a:rPr lang="ro-RO" sz="1600" b="1" dirty="0" smtClean="0">
-                <a:solidFill>
-                  <a:srgbClr val="000090"/>
-                </a:solidFill>
-                <a:latin typeface="Courier New"/>
-                <a:cs typeface="Courier New"/>
-              </a:rPr>
-              <a:t>extends </a:t>
-            </a:r>
-            <a:r>
-              <a:rPr lang="ro-RO" sz="1600" dirty="0" smtClean="0">
-                <a:solidFill>
-                  <a:srgbClr val="000090"/>
-                </a:solidFill>
-                <a:latin typeface="Courier New"/>
-                <a:cs typeface="Courier New"/>
-              </a:rPr>
-              <a:t>Ordering[Customer] {</a:t>
-            </a:r>
-          </a:p>
-          <a:p>
-            <a:r>
-              <a:rPr lang="ro-RO" sz="1600" dirty="0">
-                <a:solidFill>
-                  <a:srgbClr val="000090"/>
-                </a:solidFill>
-                <a:latin typeface="Courier New"/>
-                <a:cs typeface="Courier New"/>
-              </a:rPr>
-              <a:t> </a:t>
-            </a:r>
-            <a:r>
-              <a:rPr lang="ro-RO" sz="1600" dirty="0" smtClean="0">
-                <a:solidFill>
-                  <a:srgbClr val="000090"/>
-                </a:solidFill>
-                <a:latin typeface="Courier New"/>
-                <a:cs typeface="Courier New"/>
-              </a:rPr>
-              <a:t> </a:t>
-            </a:r>
-            <a:r>
-              <a:rPr lang="ro-RO" sz="1600" b="1" dirty="0" smtClean="0">
-                <a:solidFill>
-                  <a:srgbClr val="000090"/>
-                </a:solidFill>
-                <a:latin typeface="Courier New"/>
-                <a:cs typeface="Courier New"/>
-              </a:rPr>
-              <a:t>def </a:t>
-            </a:r>
-            <a:r>
-              <a:rPr lang="ro-RO" sz="1600" dirty="0" smtClean="0">
-                <a:solidFill>
-                  <a:srgbClr val="000090"/>
-                </a:solidFill>
-                <a:latin typeface="Courier New"/>
-                <a:cs typeface="Courier New"/>
-              </a:rPr>
-              <a:t>compare(x: Customer, y: Customer): Int = { ... }</a:t>
-            </a:r>
-          </a:p>
-          <a:p>
-            <a:r>
-              <a:rPr lang="ro-RO" sz="1600" dirty="0" smtClean="0">
-                <a:solidFill>
-                  <a:srgbClr val="000090"/>
-                </a:solidFill>
-                <a:latin typeface="Courier New"/>
-                <a:cs typeface="Courier New"/>
-              </a:rPr>
-              <a:t>}</a:t>
-            </a:r>
-          </a:p>
-          <a:p>
-            <a:r>
-              <a:rPr lang="ro-RO" sz="1600" b="1" dirty="0" smtClean="0">
-                <a:solidFill>
-                  <a:srgbClr val="000090"/>
-                </a:solidFill>
-                <a:latin typeface="Courier New"/>
-                <a:cs typeface="Courier New"/>
-              </a:rPr>
-              <a:t>implicit object </a:t>
-            </a:r>
-            <a:r>
-              <a:rPr lang="ro-RO" sz="1600" dirty="0" smtClean="0">
-                <a:solidFill>
-                  <a:srgbClr val="000090"/>
-                </a:solidFill>
-                <a:latin typeface="Courier New"/>
-                <a:cs typeface="Courier New"/>
-              </a:rPr>
-              <a:t>CustomerIdSort </a:t>
-            </a:r>
-            <a:r>
-              <a:rPr lang="ro-RO" sz="1600" b="1" dirty="0" smtClean="0">
-                <a:solidFill>
-                  <a:srgbClr val="000090"/>
-                </a:solidFill>
-                <a:latin typeface="Courier New"/>
-                <a:cs typeface="Courier New"/>
-              </a:rPr>
-              <a:t>extends</a:t>
-            </a:r>
-            <a:r>
-              <a:rPr lang="ro-RO" sz="1600" dirty="0" smtClean="0">
-                <a:solidFill>
-                  <a:srgbClr val="000090"/>
-                </a:solidFill>
-                <a:latin typeface="Courier New"/>
-                <a:cs typeface="Courier New"/>
-              </a:rPr>
-              <a:t> CustomerOrderById</a:t>
-            </a:r>
-          </a:p>
-          <a:p>
-            <a:endParaRPr lang="ro-RO" sz="1600" dirty="0">
-              <a:solidFill>
-                <a:srgbClr val="000090"/>
-              </a:solidFill>
-              <a:latin typeface="Courier New"/>
-              <a:cs typeface="Courier New"/>
-            </a:endParaRPr>
-          </a:p>
-          <a:p>
-            <a:r>
-              <a:rPr lang="ro-RO" sz="1600" b="1" dirty="0" smtClean="0">
-                <a:solidFill>
-                  <a:srgbClr val="000090"/>
-                </a:solidFill>
-                <a:latin typeface="Courier New"/>
-                <a:cs typeface="Courier New"/>
-              </a:rPr>
-              <a:t>val </a:t>
-            </a:r>
-            <a:r>
-              <a:rPr lang="ro-RO" sz="1600" dirty="0" smtClean="0">
-                <a:solidFill>
-                  <a:srgbClr val="000090"/>
-                </a:solidFill>
-                <a:latin typeface="Courier New"/>
-                <a:cs typeface="Courier New"/>
-              </a:rPr>
-              <a:t>customers = List</a:t>
-            </a:r>
-            <a:r>
-              <a:rPr lang="ro-RO" sz="1600" dirty="0">
-                <a:solidFill>
-                  <a:srgbClr val="000090"/>
-                </a:solidFill>
-                <a:latin typeface="Courier New"/>
-                <a:cs typeface="Courier New"/>
-              </a:rPr>
-              <a:t>(Customer(1, "Jamie", "Allen"), Customer(5, "John", "Doe"), Customer(2, "Jane", "Smith")</a:t>
-            </a:r>
-            <a:r>
-              <a:rPr lang="ro-RO" sz="1600" dirty="0" smtClean="0">
-                <a:solidFill>
-                  <a:srgbClr val="000090"/>
-                </a:solidFill>
-                <a:latin typeface="Courier New"/>
-                <a:cs typeface="Courier New"/>
-              </a:rPr>
-              <a:t>)</a:t>
-            </a:r>
-          </a:p>
-          <a:p>
-            <a:r>
-              <a:rPr lang="ro-RO" sz="1600" b="1" dirty="0" smtClean="0">
-                <a:solidFill>
-                  <a:srgbClr val="000090"/>
-                </a:solidFill>
-                <a:latin typeface="Courier New"/>
-                <a:cs typeface="Courier New"/>
-              </a:rPr>
-              <a:t>val </a:t>
-            </a:r>
-            <a:r>
-              <a:rPr lang="ro-RO" sz="1600" dirty="0" smtClean="0">
-                <a:solidFill>
-                  <a:srgbClr val="000090"/>
-                </a:solidFill>
-                <a:latin typeface="Courier New"/>
-                <a:cs typeface="Courier New"/>
-              </a:rPr>
-              <a:t>sortedCustomers = customers.sorted(CustomerIdSort)</a:t>
-            </a:r>
-          </a:p>
-          <a:p>
-            <a:r>
-              <a:rPr lang="ro-RO" sz="1600" dirty="0" smtClean="0">
-                <a:solidFill>
-                  <a:srgbClr val="000090"/>
-                </a:solidFill>
-                <a:latin typeface="Courier New"/>
-                <a:cs typeface="Courier New"/>
-              </a:rPr>
-              <a:t>sortedCustomers: </a:t>
-            </a:r>
-            <a:r>
-              <a:rPr lang="ro-RO" sz="1600" dirty="0">
-                <a:solidFill>
-                  <a:srgbClr val="000090"/>
-                </a:solidFill>
-                <a:latin typeface="Courier New"/>
-                <a:cs typeface="Courier New"/>
-              </a:rPr>
-              <a:t>List[Customer] = List(Customer(1,Jamie,Allen), Customer(2,Jane,Smith), Customer(5,John,Doe))</a:t>
-            </a:r>
+            <a:pPr marL="0" indent="0" algn="ctr">
+              <a:buNone/>
+            </a:pPr>
+            <a:r>
+              <a:rPr lang="en-US" sz="6400" b="1" dirty="0" smtClean="0"/>
+              <a:t>Futures</a:t>
+            </a:r>
+            <a:endParaRPr lang="en-US" sz="6400" b="1" dirty="0"/>
           </a:p>
         </p:txBody>
       </p:sp>
     </p:spTree>
     <p:extLst>
       <p:ext uri="{BB962C8B-B14F-4D97-AF65-F5344CB8AC3E}">
-        <p14:creationId xmlns:p14="http://schemas.microsoft.com/office/powerpoint/2010/main" val="2399390320"/>
+        <p14:creationId xmlns:p14="http://schemas.microsoft.com/office/powerpoint/2010/main" val="97176477"/>
       </p:ext>
     </p:extLst>
   </p:cSld>
@@ -15016,34 +14856,6 @@
         </p:nvSpPr>
         <p:spPr/>
         <p:txBody>
-          <a:bodyPr/>
-          <a:lstStyle/>
-          <a:p>
-            <a:r>
-              <a:rPr lang="en-US" dirty="0" smtClean="0"/>
-              <a:t>Type Classes II</a:t>
-            </a:r>
-            <a:endParaRPr lang="en-US" dirty="0"/>
-          </a:p>
-        </p:txBody>
-      </p:sp>
-      <p:sp>
-        <p:nvSpPr>
-          <p:cNvPr id="3" name="Content Placeholder 2"/>
-          <p:cNvSpPr>
-            <a:spLocks noGrp="1"/>
-          </p:cNvSpPr>
-          <p:nvPr>
-            <p:ph idx="1"/>
-          </p:nvPr>
-        </p:nvSpPr>
-        <p:spPr>
-          <a:xfrm>
-            <a:off x="457200" y="4335110"/>
-            <a:ext cx="8229600" cy="1791053"/>
-          </a:xfrm>
-        </p:spPr>
-        <p:txBody>
           <a:bodyPr>
             <a:normAutofit/>
           </a:bodyPr>
@@ -15051,21 +14863,22 @@
           <a:p>
             <a:r>
               <a:rPr lang="en-US" dirty="0" smtClean="0"/>
-              <a:t>Allows you to generalize types that are acceptable parameters for methods</a:t>
-            </a:r>
-          </a:p>
-        </p:txBody>
-      </p:sp>
-      <p:sp>
-        <p:nvSpPr>
-          <p:cNvPr id="6" name="TextBox 5"/>
+              <a:t>Futures</a:t>
+            </a:r>
+            <a:endParaRPr lang="en-US" dirty="0"/>
+          </a:p>
+        </p:txBody>
+      </p:sp>
+      <p:sp>
+        <p:nvSpPr>
+          <p:cNvPr id="4" name="TextBox 3"/>
           <p:cNvSpPr txBox="1"/>
           <p:nvPr/>
         </p:nvSpPr>
         <p:spPr>
           <a:xfrm>
             <a:off x="317500" y="1288122"/>
-            <a:ext cx="8509000" cy="3046988"/>
+            <a:ext cx="8509000" cy="1815882"/>
           </a:xfrm>
           <a:prstGeom prst="rect">
             <a:avLst/>
@@ -15086,7 +14899,7 @@
                 <a:latin typeface="Courier New"/>
                 <a:cs typeface="Courier New"/>
               </a:rPr>
-              <a:t>case class </a:t>
+              <a:t>import</a:t>
             </a:r>
             <a:r>
               <a:rPr lang="ro-RO" sz="1600" dirty="0" smtClean="0">
@@ -15096,113 +14909,10 @@
                 <a:latin typeface="Courier New"/>
                 <a:cs typeface="Courier New"/>
               </a:rPr>
-              <a:t>Dog(name: String)</a:t>
-            </a:r>
-          </a:p>
-          <a:p>
-            <a:r>
-              <a:rPr lang="ro-RO" sz="1600" b="1" dirty="0" smtClean="0">
-                <a:solidFill>
-                  <a:srgbClr val="000090"/>
-                </a:solidFill>
-                <a:latin typeface="Courier New"/>
-                <a:cs typeface="Courier New"/>
-              </a:rPr>
-              <a:t>case class </a:t>
-            </a:r>
-            <a:r>
-              <a:rPr lang="ro-RO" sz="1600" dirty="0" smtClean="0">
-                <a:solidFill>
-                  <a:srgbClr val="000090"/>
-                </a:solidFill>
-                <a:latin typeface="Courier New"/>
-                <a:cs typeface="Courier New"/>
-              </a:rPr>
-              <a:t>Ferret(name: String)</a:t>
-            </a:r>
-          </a:p>
-          <a:p>
-            <a:r>
-              <a:rPr lang="ro-RO" sz="1600" b="1" dirty="0" smtClean="0">
-                <a:solidFill>
-                  <a:srgbClr val="000090"/>
-                </a:solidFill>
-                <a:latin typeface="Courier New"/>
-                <a:cs typeface="Courier New"/>
-              </a:rPr>
-              <a:t>case class </a:t>
-            </a:r>
-            <a:r>
-              <a:rPr lang="ro-RO" sz="1600" dirty="0" smtClean="0">
-                <a:solidFill>
-                  <a:srgbClr val="000090"/>
-                </a:solidFill>
-                <a:latin typeface="Courier New"/>
-                <a:cs typeface="Courier New"/>
-              </a:rPr>
-              <a:t>Cat(name: String)</a:t>
-            </a:r>
-          </a:p>
-          <a:p>
-            <a:r>
-              <a:rPr lang="ro-RO" sz="1600" b="1" dirty="0" smtClean="0">
-                <a:solidFill>
-                  <a:srgbClr val="000090"/>
-                </a:solidFill>
-                <a:latin typeface="Courier New"/>
-                <a:cs typeface="Courier New"/>
-              </a:rPr>
-              <a:t>abstract class </a:t>
-            </a:r>
-            <a:r>
-              <a:rPr lang="ro-RO" sz="1600" dirty="0" smtClean="0">
-                <a:solidFill>
-                  <a:srgbClr val="000090"/>
-                </a:solidFill>
-                <a:latin typeface="Courier New"/>
-                <a:cs typeface="Courier New"/>
-              </a:rPr>
-              <a:t>OkayPets[T]</a:t>
-            </a:r>
-            <a:br>
-              <a:rPr lang="ro-RO" sz="1600" dirty="0" smtClean="0">
-                <a:solidFill>
-                  <a:srgbClr val="000090"/>
-                </a:solidFill>
-                <a:latin typeface="Courier New"/>
-                <a:cs typeface="Courier New"/>
-              </a:rPr>
-            </a:br>
-            <a:r>
-              <a:rPr lang="ro-RO" sz="1600" b="1" dirty="0">
-                <a:solidFill>
-                  <a:srgbClr val="000090"/>
-                </a:solidFill>
-                <a:latin typeface="Courier New"/>
-                <a:cs typeface="Courier New"/>
-              </a:rPr>
-              <a:t>object </a:t>
-            </a:r>
-            <a:r>
-              <a:rPr lang="ro-RO" sz="1600" dirty="0" smtClean="0">
-                <a:solidFill>
-                  <a:srgbClr val="000090"/>
-                </a:solidFill>
-                <a:latin typeface="Courier New"/>
-                <a:cs typeface="Courier New"/>
-              </a:rPr>
-              <a:t>OkayPets </a:t>
-            </a:r>
-            <a:r>
-              <a:rPr lang="ro-RO" sz="1600" dirty="0">
-                <a:solidFill>
-                  <a:srgbClr val="000090"/>
-                </a:solidFill>
-                <a:latin typeface="Courier New"/>
-                <a:cs typeface="Courier New"/>
-              </a:rPr>
-              <a:t>{</a:t>
-            </a:r>
+              <a:t> scala.concurrent._</a:t>
+            </a:r>
+          </a:p>
+          <a:p>
             <a:endParaRPr lang="ro-RO" sz="1600" dirty="0" smtClean="0">
               <a:solidFill>
                 <a:srgbClr val="000090"/>
@@ -15213,16 +14923,6 @@
           </a:p>
           <a:p>
             <a:r>
-              <a:rPr lang="ro-RO" sz="1600" dirty="0">
-                <a:solidFill>
-                  <a:srgbClr val="000090"/>
-                </a:solidFill>
-                <a:latin typeface="Courier New"/>
-                <a:cs typeface="Courier New"/>
-              </a:rPr>
-              <a:t> </a:t>
-            </a:r>
-            <a:r>
               <a:rPr lang="ro-RO" sz="1600" dirty="0" smtClean="0">
                 <a:solidFill>
                   <a:srgbClr val="000090"/>
@@ -15230,18 +14930,10 @@
                 <a:latin typeface="Courier New"/>
                 <a:cs typeface="Courier New"/>
               </a:rPr>
-              <a:t> </a:t>
-            </a:r>
-            <a:r>
-              <a:rPr lang="ro-RO" sz="1600" b="1" dirty="0" smtClean="0">
-                <a:solidFill>
-                  <a:srgbClr val="000090"/>
-                </a:solidFill>
-                <a:latin typeface="Courier New"/>
-                <a:cs typeface="Courier New"/>
-              </a:rPr>
-              <a:t>implicit object </a:t>
-            </a:r>
+              <a:t>val costInDollars = Future {</a:t>
+            </a:r>
+          </a:p>
+          <a:p>
             <a:r>
               <a:rPr lang="ro-RO" sz="1600" dirty="0" smtClean="0">
                 <a:solidFill>
@@ -15250,18 +14942,10 @@
                 <a:latin typeface="Courier New"/>
                 <a:cs typeface="Courier New"/>
               </a:rPr>
-              <a:t>OkayDog </a:t>
-            </a:r>
-            <a:r>
-              <a:rPr lang="ro-RO" sz="1600" b="1" dirty="0" smtClean="0">
-                <a:solidFill>
-                  <a:srgbClr val="000090"/>
-                </a:solidFill>
-                <a:latin typeface="Courier New"/>
-                <a:cs typeface="Courier New"/>
-              </a:rPr>
-              <a:t>extends </a:t>
-            </a:r>
+              <a:t>  webServiceProxy.getCostInDollars.mapTo[Int]</a:t>
+            </a:r>
+          </a:p>
+          <a:p>
             <a:r>
               <a:rPr lang="ro-RO" sz="1600" dirty="0" smtClean="0">
                 <a:solidFill>
@@ -15270,123 +14954,7 @@
                 <a:latin typeface="Courier New"/>
                 <a:cs typeface="Courier New"/>
               </a:rPr>
-              <a:t>OkayPets[Dog]</a:t>
-            </a:r>
-          </a:p>
-          <a:p>
-            <a:r>
-              <a:rPr lang="ro-RO" sz="1600" dirty="0">
-                <a:solidFill>
-                  <a:srgbClr val="000090"/>
-                </a:solidFill>
-                <a:latin typeface="Courier New"/>
-                <a:cs typeface="Courier New"/>
-              </a:rPr>
-              <a:t> </a:t>
-            </a:r>
-            <a:r>
-              <a:rPr lang="ro-RO" sz="1600" dirty="0" smtClean="0">
-                <a:solidFill>
-                  <a:srgbClr val="000090"/>
-                </a:solidFill>
-                <a:latin typeface="Courier New"/>
-                <a:cs typeface="Courier New"/>
-              </a:rPr>
-              <a:t> </a:t>
-            </a:r>
-            <a:r>
-              <a:rPr lang="ro-RO" sz="1600" b="1" dirty="0" smtClean="0">
-                <a:solidFill>
-                  <a:srgbClr val="000090"/>
-                </a:solidFill>
-                <a:latin typeface="Courier New"/>
-                <a:cs typeface="Courier New"/>
-              </a:rPr>
-              <a:t>implicit object </a:t>
-            </a:r>
-            <a:r>
-              <a:rPr lang="ro-RO" sz="1600" dirty="0" smtClean="0">
-                <a:solidFill>
-                  <a:srgbClr val="000090"/>
-                </a:solidFill>
-                <a:latin typeface="Courier New"/>
-                <a:cs typeface="Courier New"/>
-              </a:rPr>
-              <a:t>OkayFerret </a:t>
-            </a:r>
-            <a:r>
-              <a:rPr lang="ro-RO" sz="1600" b="1" dirty="0">
-                <a:solidFill>
-                  <a:srgbClr val="000090"/>
-                </a:solidFill>
-                <a:latin typeface="Courier New"/>
-                <a:cs typeface="Courier New"/>
-              </a:rPr>
-              <a:t>extends </a:t>
-            </a:r>
-            <a:r>
-              <a:rPr lang="ro-RO" sz="1600" dirty="0" smtClean="0">
-                <a:solidFill>
-                  <a:srgbClr val="000090"/>
-                </a:solidFill>
-                <a:latin typeface="Courier New"/>
-                <a:cs typeface="Courier New"/>
-              </a:rPr>
-              <a:t>OkayPets[Ferret]</a:t>
-            </a:r>
-          </a:p>
-          <a:p>
-            <a:r>
-              <a:rPr lang="ro-RO" sz="1600" dirty="0" smtClean="0">
-                <a:solidFill>
-                  <a:srgbClr val="000090"/>
-                </a:solidFill>
-                <a:latin typeface="Courier New"/>
-                <a:cs typeface="Courier New"/>
-              </a:rPr>
               <a:t>}</a:t>
-            </a:r>
-          </a:p>
-          <a:p>
-            <a:r>
-              <a:rPr lang="ro-RO" sz="1600" b="1" dirty="0" smtClean="0">
-                <a:solidFill>
-                  <a:srgbClr val="000090"/>
-                </a:solidFill>
-                <a:latin typeface="Courier New"/>
-                <a:cs typeface="Courier New"/>
-              </a:rPr>
-              <a:t>def </a:t>
-            </a:r>
-            <a:r>
-              <a:rPr lang="ro-RO" sz="1600" dirty="0" smtClean="0">
-                <a:solidFill>
-                  <a:srgbClr val="000090"/>
-                </a:solidFill>
-                <a:latin typeface="Courier New"/>
-                <a:cs typeface="Courier New"/>
-              </a:rPr>
-              <a:t>getPet[T](t: T)(</a:t>
-            </a:r>
-            <a:r>
-              <a:rPr lang="ro-RO" sz="1600" b="1" dirty="0" smtClean="0">
-                <a:solidFill>
-                  <a:srgbClr val="000090"/>
-                </a:solidFill>
-                <a:latin typeface="Courier New"/>
-                <a:cs typeface="Courier New"/>
-              </a:rPr>
-              <a:t>implicit </a:t>
-            </a:r>
-            <a:r>
-              <a:rPr lang="ro-RO" sz="1600" dirty="0" smtClean="0">
-                <a:solidFill>
-                  <a:srgbClr val="000090"/>
-                </a:solidFill>
-                <a:latin typeface="Courier New"/>
-                <a:cs typeface="Courier New"/>
-              </a:rPr>
-              <a:t>p: OkayPets[T]) = t</a:t>
             </a:r>
           </a:p>
           <a:p>
@@ -15400,16 +14968,6 @@
           </a:p>
           <a:p>
             <a:r>
-              <a:rPr lang="ro-RO" sz="1600" b="1" dirty="0" smtClean="0">
-                <a:solidFill>
-                  <a:srgbClr val="000090"/>
-                </a:solidFill>
-                <a:latin typeface="Courier New"/>
-                <a:cs typeface="Courier New"/>
-              </a:rPr>
-              <a:t>val </a:t>
-            </a:r>
-            <a:r>
               <a:rPr lang="ro-RO" sz="1600" dirty="0" smtClean="0">
                 <a:solidFill>
                   <a:srgbClr val="000090"/>
@@ -15417,49 +14975,7 @@
                 <a:latin typeface="Courier New"/>
                 <a:cs typeface="Courier New"/>
               </a:rPr>
-              <a:t>myDog = </a:t>
-            </a:r>
-            <a:r>
-              <a:rPr lang="ro-RO" sz="1600" dirty="0">
-                <a:solidFill>
-                  <a:srgbClr val="000090"/>
-                </a:solidFill>
-                <a:latin typeface="Courier New"/>
-                <a:cs typeface="Courier New"/>
-              </a:rPr>
-              <a:t>getPet(Dog("Sparky")</a:t>
-            </a:r>
-            <a:r>
-              <a:rPr lang="ro-RO" sz="1600" dirty="0" smtClean="0">
-                <a:solidFill>
-                  <a:srgbClr val="000090"/>
-                </a:solidFill>
-                <a:latin typeface="Courier New"/>
-                <a:cs typeface="Courier New"/>
-              </a:rPr>
-              <a:t>) // Works</a:t>
-            </a:r>
-          </a:p>
-          <a:p>
-            <a:r>
-              <a:rPr lang="ro-RO" sz="1600" b="1" dirty="0" smtClean="0">
-                <a:solidFill>
-                  <a:srgbClr val="000090"/>
-                </a:solidFill>
-                <a:latin typeface="Courier New"/>
-                <a:cs typeface="Courier New"/>
-              </a:rPr>
-              <a:t>val </a:t>
-            </a:r>
-            <a:r>
-              <a:rPr lang="ro-RO" sz="1600" dirty="0" smtClean="0">
-                <a:solidFill>
-                  <a:srgbClr val="000090"/>
-                </a:solidFill>
-                <a:latin typeface="Courier New"/>
-                <a:cs typeface="Courier New"/>
-              </a:rPr>
-              <a:t>myCat = getPet(Cat("Sneezy")) // Fails at compile time</a:t>
+              <a:t>costInDollars map (myPurchase.setCostInDollars(_))</a:t>
             </a:r>
             <a:endParaRPr lang="ro-RO" sz="1600" dirty="0">
               <a:solidFill>
@@ -15471,10 +14987,75 @@
           </a:p>
         </p:txBody>
       </p:sp>
+      <p:sp>
+        <p:nvSpPr>
+          <p:cNvPr id="6" name="Content Placeholder 2"/>
+          <p:cNvSpPr>
+            <a:spLocks noGrp="1"/>
+          </p:cNvSpPr>
+          <p:nvPr>
+            <p:ph idx="1"/>
+          </p:nvPr>
+        </p:nvSpPr>
+        <p:spPr>
+          <a:xfrm>
+            <a:off x="457200" y="3501570"/>
+            <a:ext cx="8229600" cy="2505529"/>
+          </a:xfrm>
+        </p:spPr>
+        <p:txBody>
+          <a:bodyPr>
+            <a:normAutofit/>
+          </a:bodyPr>
+          <a:lstStyle/>
+          <a:p>
+            <a:r>
+              <a:rPr lang="en-US" dirty="0" smtClean="0"/>
+              <a:t>Allows </a:t>
+            </a:r>
+            <a:r>
+              <a:rPr lang="en-US" dirty="0" smtClean="0"/>
+              <a:t>you to write asynchronous code, which </a:t>
+            </a:r>
+            <a:r>
+              <a:rPr lang="en-US" dirty="0" smtClean="0"/>
+              <a:t>can be more </a:t>
+            </a:r>
+            <a:r>
+              <a:rPr lang="en-US" dirty="0" err="1" smtClean="0"/>
+              <a:t>performant</a:t>
+            </a:r>
+            <a:r>
+              <a:rPr lang="en-US" dirty="0" smtClean="0"/>
+              <a:t> than blocking</a:t>
+            </a:r>
+          </a:p>
+          <a:p>
+            <a:r>
+              <a:rPr lang="en-US" dirty="0" smtClean="0"/>
+              <a:t>Are not typed, hence the </a:t>
+            </a:r>
+            <a:r>
+              <a:rPr lang="en-US" b="1" dirty="0" err="1" smtClean="0">
+                <a:latin typeface="Courier New"/>
+                <a:cs typeface="Courier New"/>
+              </a:rPr>
+              <a:t>mapTo</a:t>
+            </a:r>
+            <a:r>
+              <a:rPr lang="en-US" dirty="0" smtClean="0"/>
+              <a:t> call above</a:t>
+            </a:r>
+          </a:p>
+          <a:p>
+            <a:endParaRPr lang="en-US" dirty="0" smtClean="0"/>
+          </a:p>
+        </p:txBody>
+      </p:sp>
     </p:spTree>
     <p:extLst>
       <p:ext uri="{BB962C8B-B14F-4D97-AF65-F5344CB8AC3E}">
-        <p14:creationId xmlns:p14="http://schemas.microsoft.com/office/powerpoint/2010/main" val="3425135067"/>
+        <p14:creationId xmlns:p14="http://schemas.microsoft.com/office/powerpoint/2010/main" val="169925270"/>
       </p:ext>
     </p:extLst>
   </p:cSld>
@@ -15618,15 +15199,7 @@
           <a:p>
             <a:r>
               <a:rPr lang="en-US" dirty="0" smtClean="0"/>
-              <a:t>Higher </a:t>
-            </a:r>
-            <a:r>
-              <a:rPr lang="en-US" dirty="0" err="1" smtClean="0"/>
-              <a:t>Kinded</a:t>
-            </a:r>
-            <a:r>
-              <a:rPr lang="en-US" dirty="0" smtClean="0"/>
-              <a:t> Types</a:t>
+              <a:t>Futures in Sequence</a:t>
             </a:r>
             <a:endParaRPr lang="en-US" dirty="0"/>
           </a:p>
@@ -15641,7 +15214,7 @@
         <p:spPr>
           <a:xfrm>
             <a:off x="317500" y="1288122"/>
-            <a:ext cx="8509000" cy="830997"/>
+            <a:ext cx="8509000" cy="1077218"/>
           </a:xfrm>
           <a:prstGeom prst="rect">
             <a:avLst/>
@@ -15655,6 +15228,16 @@
           <a:lstStyle/>
           <a:p>
             <a:r>
+              <a:rPr lang="ro-RO" sz="1600" b="1" dirty="0" smtClean="0">
+                <a:solidFill>
+                  <a:srgbClr val="000090"/>
+                </a:solidFill>
+                <a:latin typeface="Courier New"/>
+                <a:cs typeface="Courier New"/>
+              </a:rPr>
+              <a:t>val </a:t>
+            </a:r>
+            <a:r>
               <a:rPr lang="ro-RO" sz="1600" dirty="0" smtClean="0">
                 <a:solidFill>
                   <a:srgbClr val="000090"/>
@@ -15662,19 +15245,8 @@
                 <a:latin typeface="Courier New"/>
                 <a:cs typeface="Courier New"/>
               </a:rPr>
-              <a:t>Map[A, B] // Type constructor, not a type!</a:t>
-            </a:r>
-          </a:p>
-          <a:p>
-            <a:endParaRPr lang="ro-RO" sz="1600" dirty="0" smtClean="0">
-              <a:solidFill>
-                <a:srgbClr val="000090"/>
-              </a:solidFill>
-              <a:latin typeface="Courier New"/>
-              <a:cs typeface="Courier New"/>
-            </a:endParaRPr>
-          </a:p>
-          <a:p>
+              <a:t>customerPurchases = </a:t>
+            </a:r>
             <a:r>
               <a:rPr lang="ro-RO" sz="1600" b="1" dirty="0" smtClean="0">
                 <a:solidFill>
@@ -15683,7 +15255,7 @@
                 <a:latin typeface="Courier New"/>
                 <a:cs typeface="Courier New"/>
               </a:rPr>
-              <a:t>val</a:t>
+              <a:t>for</a:t>
             </a:r>
             <a:r>
               <a:rPr lang="ro-RO" sz="1600" dirty="0" smtClean="0">
@@ -15693,7 +15265,123 @@
                 <a:latin typeface="Courier New"/>
                 <a:cs typeface="Courier New"/>
               </a:rPr>
-              <a:t> myMap = Map[Int, String]() // Now it’s a type!</a:t>
+              <a:t> (</a:t>
+            </a:r>
+          </a:p>
+          <a:p>
+            <a:r>
+              <a:rPr lang="ro-RO" sz="1600" dirty="0">
+                <a:solidFill>
+                  <a:srgbClr val="000090"/>
+                </a:solidFill>
+                <a:latin typeface="Courier New"/>
+                <a:cs typeface="Courier New"/>
+              </a:rPr>
+              <a:t> </a:t>
+            </a:r>
+            <a:r>
+              <a:rPr lang="ro-RO" sz="1600" dirty="0" smtClean="0">
+                <a:solidFill>
+                  <a:srgbClr val="000090"/>
+                </a:solidFill>
+                <a:latin typeface="Courier New"/>
+                <a:cs typeface="Courier New"/>
+              </a:rPr>
+              <a:t> costUSD &lt;- Future</a:t>
+            </a:r>
+            <a:r>
+              <a:rPr lang="ro-RO" sz="1600" dirty="0" smtClean="0">
+                <a:solidFill>
+                  <a:srgbClr val="000090"/>
+                </a:solidFill>
+                <a:latin typeface="Courier New"/>
+                <a:cs typeface="Courier New"/>
+              </a:rPr>
+              <a:t>{ proxy.getCostInDollars.mapTo</a:t>
+            </a:r>
+            <a:r>
+              <a:rPr lang="ro-RO" sz="1600" dirty="0" smtClean="0">
+                <a:solidFill>
+                  <a:srgbClr val="000090"/>
+                </a:solidFill>
+                <a:latin typeface="Courier New"/>
+                <a:cs typeface="Courier New"/>
+              </a:rPr>
+              <a:t>[Int]}</a:t>
+            </a:r>
+          </a:p>
+          <a:p>
+            <a:r>
+              <a:rPr lang="ro-RO" sz="1600" dirty="0">
+                <a:solidFill>
+                  <a:srgbClr val="000090"/>
+                </a:solidFill>
+                <a:latin typeface="Courier New"/>
+                <a:cs typeface="Courier New"/>
+              </a:rPr>
+              <a:t> </a:t>
+            </a:r>
+            <a:r>
+              <a:rPr lang="ro-RO" sz="1600" dirty="0" smtClean="0">
+                <a:solidFill>
+                  <a:srgbClr val="000090"/>
+                </a:solidFill>
+                <a:latin typeface="Courier New"/>
+                <a:cs typeface="Courier New"/>
+              </a:rPr>
+              <a:t> totalPurchase &lt;- Future</a:t>
+            </a:r>
+            <a:r>
+              <a:rPr lang="ro-RO" sz="1600" dirty="0" smtClean="0">
+                <a:solidFill>
+                  <a:srgbClr val="000090"/>
+                </a:solidFill>
+                <a:latin typeface="Courier New"/>
+                <a:cs typeface="Courier New"/>
+              </a:rPr>
+              <a:t>{ proxy.addToTotal</a:t>
+            </a:r>
+            <a:r>
+              <a:rPr lang="ro-RO" sz="1600" dirty="0" smtClean="0">
+                <a:solidFill>
+                  <a:srgbClr val="000090"/>
+                </a:solidFill>
+                <a:latin typeface="Courier New"/>
+                <a:cs typeface="Courier New"/>
+              </a:rPr>
+              <a:t>(costUSD).mapTo[Int]}</a:t>
+            </a:r>
+          </a:p>
+          <a:p>
+            <a:r>
+              <a:rPr lang="ro-RO" sz="1600" dirty="0" smtClean="0">
+                <a:solidFill>
+                  <a:srgbClr val="000090"/>
+                </a:solidFill>
+                <a:latin typeface="Courier New"/>
+                <a:cs typeface="Courier New"/>
+              </a:rPr>
+              <a:t>} </a:t>
+            </a:r>
+            <a:r>
+              <a:rPr lang="ro-RO" sz="1600" b="1" dirty="0" smtClean="0">
+                <a:solidFill>
+                  <a:srgbClr val="000090"/>
+                </a:solidFill>
+                <a:latin typeface="Courier New"/>
+                <a:cs typeface="Courier New"/>
+              </a:rPr>
+              <a:t>yield</a:t>
+            </a:r>
+            <a:r>
+              <a:rPr lang="ro-RO" sz="1600" dirty="0" smtClean="0">
+                <a:solidFill>
+                  <a:srgbClr val="000090"/>
+                </a:solidFill>
+                <a:latin typeface="Courier New"/>
+                <a:cs typeface="Courier New"/>
+              </a:rPr>
+              <a:t> ((customerId -&gt; totalPurchase))</a:t>
             </a:r>
           </a:p>
         </p:txBody>
@@ -15710,8 +15398,8 @@
         </p:nvSpPr>
         <p:spPr>
           <a:xfrm>
-            <a:off x="457200" y="3038928"/>
-            <a:ext cx="8229600" cy="2968171"/>
+            <a:off x="457200" y="2365340"/>
+            <a:ext cx="8229600" cy="3641760"/>
           </a:xfrm>
         </p:spPr>
         <p:txBody>
@@ -15721,18 +15409,34 @@
           <a:lstStyle/>
           <a:p>
             <a:r>
-              <a:rPr lang="en-US" dirty="0" smtClean="0"/>
-              <a:t>Use </a:t>
-            </a:r>
-            <a:r>
-              <a:rPr lang="en-US" dirty="0" smtClean="0"/>
-              <a:t>other types to construct a new type</a:t>
-            </a:r>
-          </a:p>
-          <a:p>
-            <a:r>
-              <a:rPr lang="en-US" dirty="0" smtClean="0"/>
-              <a:t>Also called type constructors </a:t>
+              <a:rPr lang="en-US" dirty="0" err="1" smtClean="0"/>
+              <a:t>Scala’s</a:t>
+            </a:r>
+            <a:r>
+              <a:rPr lang="en-US" dirty="0" smtClean="0"/>
+              <a:t> for </a:t>
+            </a:r>
+            <a:r>
+              <a:rPr lang="en-US" dirty="0"/>
+              <a:t>c</a:t>
+            </a:r>
+            <a:r>
+              <a:rPr lang="en-US" dirty="0" smtClean="0"/>
+              <a:t>omprehensions allow you to compose higher-order functions, including Futures</a:t>
+            </a:r>
+          </a:p>
+          <a:p>
+            <a:r>
+              <a:rPr lang="en-US" dirty="0" smtClean="0"/>
+              <a:t>By sequencing </a:t>
+            </a:r>
+            <a:r>
+              <a:rPr lang="en-US" dirty="0" smtClean="0"/>
+              <a:t>the expressions on multiple lines, </a:t>
+            </a:r>
+            <a:r>
+              <a:rPr lang="en-US" dirty="0" smtClean="0"/>
+              <a:t>you can order dependencies</a:t>
             </a:r>
           </a:p>
         </p:txBody>
@@ -15740,7 +15444,7 @@
     </p:spTree>
     <p:extLst>
       <p:ext uri="{BB962C8B-B14F-4D97-AF65-F5344CB8AC3E}">
-        <p14:creationId xmlns:p14="http://schemas.microsoft.com/office/powerpoint/2010/main" val="1907729292"/>
+        <p14:creationId xmlns:p14="http://schemas.microsoft.com/office/powerpoint/2010/main" val="2782205493"/>
       </p:ext>
     </p:extLst>
   </p:cSld>
@@ -15793,7 +15497,7 @@
           <a:p>
             <a:r>
               <a:rPr lang="en-US" dirty="0" smtClean="0"/>
-              <a:t>Algebraic Data Types</a:t>
+              <a:t>Futures in Parallel</a:t>
             </a:r>
             <a:endParaRPr lang="en-US" dirty="0"/>
           </a:p>
@@ -15808,7 +15512,7 @@
         <p:spPr>
           <a:xfrm>
             <a:off x="317500" y="1288122"/>
-            <a:ext cx="8509000" cy="3293209"/>
+            <a:ext cx="8509000" cy="3046988"/>
           </a:xfrm>
           <a:prstGeom prst="rect">
             <a:avLst/>
@@ -15829,7 +15533,7 @@
                 <a:latin typeface="Courier New"/>
                 <a:cs typeface="Courier New"/>
               </a:rPr>
-              <a:t>sealed abstract class </a:t>
+              <a:t>val </a:t>
             </a:r>
             <a:r>
               <a:rPr lang="ro-RO" sz="1600" dirty="0" smtClean="0">
@@ -15839,7 +15543,7 @@
                 <a:latin typeface="Courier New"/>
                 <a:cs typeface="Courier New"/>
               </a:rPr>
-              <a:t>DayOfTheWeek</a:t>
+              <a:t>costUSD = Future{proxy.getCostInUSD(cost).mapTo[Int]}</a:t>
             </a:r>
           </a:p>
           <a:p>
@@ -15851,7 +15555,7 @@
                 <a:latin typeface="Courier New"/>
                 <a:cs typeface="Courier New"/>
               </a:rPr>
-              <a:t>case object </a:t>
+              <a:t>val </a:t>
             </a:r>
             <a:r>
               <a:rPr lang="ro-RO" sz="1600" dirty="0" smtClean="0">
@@ -15861,8 +15565,10 @@
                 <a:latin typeface="Courier New"/>
                 <a:cs typeface="Courier New"/>
               </a:rPr>
-              <a:t>Sunday </a:t>
-            </a:r>
+              <a:t>costCAD = Future{proxy.getCostInCAD(cost).mapTo[Int]}</a:t>
+            </a:r>
+          </a:p>
+          <a:p>
             <a:r>
               <a:rPr lang="ro-RO" sz="1600" b="1" dirty="0" smtClean="0">
                 <a:solidFill>
@@ -15871,7 +15577,7 @@
                 <a:latin typeface="Courier New"/>
                 <a:cs typeface="Courier New"/>
               </a:rPr>
-              <a:t>extends </a:t>
+              <a:t>val </a:t>
             </a:r>
             <a:r>
               <a:rPr lang="ro-RO" sz="1600" dirty="0" smtClean="0">
@@ -15881,10 +15587,8 @@
                 <a:latin typeface="Courier New"/>
                 <a:cs typeface="Courier New"/>
               </a:rPr>
-              <a:t>DayOfTheWeek</a:t>
-            </a:r>
-          </a:p>
-          <a:p>
+              <a:t>combinedCosts = </a:t>
+            </a:r>
             <a:r>
               <a:rPr lang="ro-RO" sz="1600" b="1" dirty="0" smtClean="0">
                 <a:solidFill>
@@ -15893,7 +15597,7 @@
                 <a:latin typeface="Courier New"/>
                 <a:cs typeface="Courier New"/>
               </a:rPr>
-              <a:t>case object </a:t>
+              <a:t>for</a:t>
             </a:r>
             <a:r>
               <a:rPr lang="ro-RO" sz="1600" dirty="0" smtClean="0">
@@ -15903,7 +15607,19 @@
                 <a:latin typeface="Courier New"/>
                 <a:cs typeface="Courier New"/>
               </a:rPr>
-              <a:t>Monday </a:t>
+              <a:t> {</a:t>
+            </a:r>
+          </a:p>
+          <a:p>
+            <a:r>
+              <a:rPr lang="ro-RO" sz="1600" b="1" dirty="0">
+                <a:solidFill>
+                  <a:srgbClr val="000090"/>
+                </a:solidFill>
+                <a:latin typeface="Courier New"/>
+                <a:cs typeface="Courier New"/>
+              </a:rPr>
+              <a:t> </a:t>
             </a:r>
             <a:r>
               <a:rPr lang="ro-RO" sz="1600" b="1" dirty="0" smtClean="0">
@@ -15913,7 +15629,7 @@
                 <a:latin typeface="Courier New"/>
                 <a:cs typeface="Courier New"/>
               </a:rPr>
-              <a:t>extends </a:t>
+              <a:t> </a:t>
             </a:r>
             <a:r>
               <a:rPr lang="ro-RO" sz="1600" dirty="0" smtClean="0">
@@ -15923,10 +15639,30 @@
                 <a:latin typeface="Courier New"/>
                 <a:cs typeface="Courier New"/>
               </a:rPr>
-              <a:t>DayOfTheWeek</a:t>
-            </a:r>
-          </a:p>
-          <a:p>
+              <a:t>cUSD &lt;- costUSD</a:t>
+            </a:r>
+          </a:p>
+          <a:p>
+            <a:r>
+              <a:rPr lang="ro-RO" sz="1600" b="1" dirty="0">
+                <a:solidFill>
+                  <a:srgbClr val="000090"/>
+                </a:solidFill>
+                <a:latin typeface="Courier New"/>
+                <a:cs typeface="Courier New"/>
+              </a:rPr>
+              <a:t> </a:t>
+            </a:r>
+            <a:r>
+              <a:rPr lang="ro-RO" sz="1600" b="1" dirty="0" smtClean="0">
+                <a:solidFill>
+                  <a:srgbClr val="000090"/>
+                </a:solidFill>
+                <a:latin typeface="Courier New"/>
+                <a:cs typeface="Courier New"/>
+              </a:rPr>
+              <a:t> </a:t>
+            </a:r>
             <a:r>
               <a:rPr lang="ro-RO" sz="1600" dirty="0" smtClean="0">
                 <a:solidFill>
@@ -15935,20 +15671,10 @@
                 <a:latin typeface="Courier New"/>
                 <a:cs typeface="Courier New"/>
               </a:rPr>
-              <a:t>  ...</a:t>
-            </a:r>
-          </a:p>
-          <a:p>
-            <a:r>
-              <a:rPr lang="ro-RO" sz="1600" b="1" dirty="0" smtClean="0">
-                <a:solidFill>
-                  <a:srgbClr val="000090"/>
-                </a:solidFill>
-                <a:latin typeface="Courier New"/>
-                <a:cs typeface="Courier New"/>
-              </a:rPr>
-              <a:t>case object </a:t>
-            </a:r>
+              <a:t>cCAD &lt;- costCAD</a:t>
+            </a:r>
+          </a:p>
+          <a:p>
             <a:r>
               <a:rPr lang="ro-RO" sz="1600" dirty="0" smtClean="0">
                 <a:solidFill>
@@ -15957,31 +15683,9 @@
                 <a:latin typeface="Courier New"/>
                 <a:cs typeface="Courier New"/>
               </a:rPr>
-              <a:t>Saturday </a:t>
-            </a:r>
-            <a:r>
-              <a:rPr lang="ro-RO" sz="1600" b="1" dirty="0" smtClean="0">
-                <a:solidFill>
-                  <a:srgbClr val="000090"/>
-                </a:solidFill>
-                <a:latin typeface="Courier New"/>
-                <a:cs typeface="Courier New"/>
-              </a:rPr>
-              <a:t>extends </a:t>
-            </a:r>
-            <a:r>
-              <a:rPr lang="ro-RO" sz="1600" dirty="0" smtClean="0">
-                <a:solidFill>
-                  <a:srgbClr val="000090"/>
-                </a:solidFill>
-                <a:latin typeface="Courier New"/>
-                <a:cs typeface="Courier New"/>
-              </a:rPr>
-              <a:t>DayOfTheWeek</a:t>
-            </a:r>
-          </a:p>
-          <a:p>
-            <a:endParaRPr lang="ro-RO" sz="1600" dirty="0" smtClean="0">
+              <a:t>} yield (cUSD, cCAD)</a:t>
+            </a:r>
+            <a:endParaRPr lang="ro-RO" sz="1600" dirty="0">
               <a:solidFill>
                 <a:srgbClr val="000090"/>
               </a:solidFill>
@@ -15990,6 +15694,15 @@
             </a:endParaRPr>
           </a:p>
           <a:p>
+            <a:endParaRPr lang="ro-RO" sz="1600" b="1" dirty="0" smtClean="0">
+              <a:solidFill>
+                <a:srgbClr val="000090"/>
+              </a:solidFill>
+              <a:latin typeface="Courier New"/>
+              <a:cs typeface="Courier New"/>
+            </a:endParaRPr>
+          </a:p>
+          <a:p>
             <a:r>
               <a:rPr lang="ro-RO" sz="1600" b="1" dirty="0" smtClean="0">
                 <a:solidFill>
@@ -15998,7 +15711,7 @@
                 <a:latin typeface="Courier New"/>
                 <a:cs typeface="Courier New"/>
               </a:rPr>
-              <a:t>val</a:t>
+              <a:t>val </a:t>
             </a:r>
             <a:r>
               <a:rPr lang="ro-RO" sz="1600" dirty="0" smtClean="0">
@@ -16008,8 +15721,30 @@
                 <a:latin typeface="Courier New"/>
                 <a:cs typeface="Courier New"/>
               </a:rPr>
-              <a:t> nextDay(d</a:t>
-            </a:r>
+              <a:t>costs = </a:t>
+            </a:r>
+            <a:r>
+              <a:rPr lang="ro-RO" sz="1600" b="1" dirty="0" smtClean="0">
+                <a:solidFill>
+                  <a:srgbClr val="000090"/>
+                </a:solidFill>
+                <a:latin typeface="Courier New"/>
+                <a:cs typeface="Courier New"/>
+              </a:rPr>
+              <a:t>for</a:t>
+            </a:r>
+            <a:r>
+              <a:rPr lang="ro-RO" sz="1600" dirty="0" smtClean="0">
+                <a:solidFill>
+                  <a:srgbClr val="000090"/>
+                </a:solidFill>
+                <a:latin typeface="Courier New"/>
+                <a:cs typeface="Courier New"/>
+              </a:rPr>
+              <a:t> (</a:t>
+            </a:r>
+          </a:p>
+          <a:p>
             <a:r>
               <a:rPr lang="ro-RO" sz="1600" dirty="0">
                 <a:solidFill>
@@ -16018,7 +15753,7 @@
                 <a:latin typeface="Courier New"/>
                 <a:cs typeface="Courier New"/>
               </a:rPr>
-              <a:t>: </a:t>
+              <a:t> </a:t>
             </a:r>
             <a:r>
               <a:rPr lang="ro-RO" sz="1600" dirty="0" smtClean="0">
@@ -16028,7 +15763,43 @@
                 <a:latin typeface="Courier New"/>
                 <a:cs typeface="Courier New"/>
               </a:rPr>
-              <a:t>DayOfTheWeek): DayOfTheWeek = d </a:t>
+              <a:t> (costUSD, costCAD) &lt;- </a:t>
+            </a:r>
+          </a:p>
+          <a:p>
+            <a:r>
+              <a:rPr lang="ro-RO" sz="1600" dirty="0" smtClean="0">
+                <a:solidFill>
+                  <a:srgbClr val="000090"/>
+                </a:solidFill>
+                <a:latin typeface="Courier New"/>
+                <a:cs typeface="Courier New"/>
+              </a:rPr>
+              <a:t>    Future{proxy.getCostInUSD(cost).mapTo[Int]} zip</a:t>
+            </a:r>
+          </a:p>
+          <a:p>
+            <a:r>
+              <a:rPr lang="ro-RO" sz="1600" dirty="0" smtClean="0">
+                <a:solidFill>
+                  <a:srgbClr val="000090"/>
+                </a:solidFill>
+                <a:latin typeface="Courier New"/>
+                <a:cs typeface="Courier New"/>
+              </a:rPr>
+              <a:t>    Future{proxy.getCostInCAD(cost).mapTo[Int]}</a:t>
+            </a:r>
+          </a:p>
+          <a:p>
+            <a:r>
+              <a:rPr lang="ro-RO" sz="1600" dirty="0" smtClean="0">
+                <a:solidFill>
+                  <a:srgbClr val="000090"/>
+                </a:solidFill>
+                <a:latin typeface="Courier New"/>
+                <a:cs typeface="Courier New"/>
+              </a:rPr>
+              <a:t>} </a:t>
             </a:r>
             <a:r>
               <a:rPr lang="ro-RO" sz="1600" b="1" dirty="0" smtClean="0">
@@ -16038,7 +15809,7 @@
                 <a:latin typeface="Courier New"/>
                 <a:cs typeface="Courier New"/>
               </a:rPr>
-              <a:t>match</a:t>
+              <a:t>yield</a:t>
             </a:r>
             <a:r>
               <a:rPr lang="ro-RO" sz="1600" dirty="0" smtClean="0">
@@ -16048,139 +15819,7 @@
                 <a:latin typeface="Courier New"/>
                 <a:cs typeface="Courier New"/>
               </a:rPr>
-              <a:t> {</a:t>
-            </a:r>
-          </a:p>
-          <a:p>
-            <a:r>
-              <a:rPr lang="ro-RO" sz="1600" dirty="0" smtClean="0">
-                <a:solidFill>
-                  <a:srgbClr val="000090"/>
-                </a:solidFill>
-                <a:latin typeface="Courier New"/>
-                <a:cs typeface="Courier New"/>
-              </a:rPr>
-              <a:t>    </a:t>
-            </a:r>
-            <a:r>
-              <a:rPr lang="ro-RO" sz="1600" b="1" dirty="0" smtClean="0">
-                <a:solidFill>
-                  <a:srgbClr val="000090"/>
-                </a:solidFill>
-                <a:latin typeface="Courier New"/>
-                <a:cs typeface="Courier New"/>
-              </a:rPr>
-              <a:t>case</a:t>
-            </a:r>
-            <a:r>
-              <a:rPr lang="ro-RO" sz="1600" dirty="0" smtClean="0">
-                <a:solidFill>
-                  <a:srgbClr val="000090"/>
-                </a:solidFill>
-                <a:latin typeface="Courier New"/>
-                <a:cs typeface="Courier New"/>
-              </a:rPr>
-              <a:t> Sunday =&gt; Monday</a:t>
-            </a:r>
-          </a:p>
-          <a:p>
-            <a:r>
-              <a:rPr lang="ro-RO" sz="1600" dirty="0" smtClean="0">
-                <a:solidFill>
-                  <a:srgbClr val="000090"/>
-                </a:solidFill>
-                <a:latin typeface="Courier New"/>
-                <a:cs typeface="Courier New"/>
-              </a:rPr>
-              <a:t>    </a:t>
-            </a:r>
-            <a:r>
-              <a:rPr lang="ro-RO" sz="1600" b="1" dirty="0" smtClean="0">
-                <a:solidFill>
-                  <a:srgbClr val="000090"/>
-                </a:solidFill>
-                <a:latin typeface="Courier New"/>
-                <a:cs typeface="Courier New"/>
-              </a:rPr>
-              <a:t>case</a:t>
-            </a:r>
-            <a:r>
-              <a:rPr lang="ro-RO" sz="1600" dirty="0" smtClean="0">
-                <a:solidFill>
-                  <a:srgbClr val="000090"/>
-                </a:solidFill>
-                <a:latin typeface="Courier New"/>
-                <a:cs typeface="Courier New"/>
-              </a:rPr>
-              <a:t> Monday =&gt; Tuesday</a:t>
-            </a:r>
-          </a:p>
-          <a:p>
-            <a:r>
-              <a:rPr lang="ro-RO" sz="1600" dirty="0" smtClean="0">
-                <a:solidFill>
-                  <a:srgbClr val="000090"/>
-                </a:solidFill>
-                <a:latin typeface="Courier New"/>
-                <a:cs typeface="Courier New"/>
-              </a:rPr>
-              <a:t>    ...</a:t>
-            </a:r>
-          </a:p>
-          <a:p>
-            <a:r>
-              <a:rPr lang="ro-RO" sz="1600" dirty="0" smtClean="0">
-                <a:solidFill>
-                  <a:srgbClr val="000090"/>
-                </a:solidFill>
-                <a:latin typeface="Courier New"/>
-                <a:cs typeface="Courier New"/>
-              </a:rPr>
-              <a:t>    </a:t>
-            </a:r>
-            <a:r>
-              <a:rPr lang="ro-RO" sz="1600" b="1" dirty="0" smtClean="0">
-                <a:solidFill>
-                  <a:srgbClr val="000090"/>
-                </a:solidFill>
-                <a:latin typeface="Courier New"/>
-                <a:cs typeface="Courier New"/>
-              </a:rPr>
-              <a:t>case</a:t>
-            </a:r>
-            <a:r>
-              <a:rPr lang="ro-RO" sz="1600" dirty="0" smtClean="0">
-                <a:solidFill>
-                  <a:srgbClr val="000090"/>
-                </a:solidFill>
-                <a:latin typeface="Courier New"/>
-                <a:cs typeface="Courier New"/>
-              </a:rPr>
-              <a:t> Saturday =&gt; Sunday</a:t>
-            </a:r>
-          </a:p>
-          <a:p>
-            <a:r>
-              <a:rPr lang="ro-RO" sz="1600" dirty="0" smtClean="0">
-                <a:solidFill>
-                  <a:srgbClr val="000090"/>
-                </a:solidFill>
-                <a:latin typeface="Courier New"/>
-                <a:cs typeface="Courier New"/>
-              </a:rPr>
-              <a:t>  }</a:t>
-            </a:r>
-          </a:p>
-          <a:p>
-            <a:r>
-              <a:rPr lang="ro-RO" sz="1600" dirty="0" smtClean="0">
-                <a:solidFill>
-                  <a:srgbClr val="000090"/>
-                </a:solidFill>
-                <a:latin typeface="Courier New"/>
-                <a:cs typeface="Courier New"/>
-              </a:rPr>
-              <a:t>}</a:t>
+              <a:t> (costUSD, costCAD)</a:t>
             </a:r>
           </a:p>
         </p:txBody>
@@ -16197,25 +15836,25 @@
         </p:nvSpPr>
         <p:spPr>
           <a:xfrm>
-            <a:off x="457200" y="4581331"/>
-            <a:ext cx="8229600" cy="1425768"/>
+            <a:off x="457200" y="4335110"/>
+            <a:ext cx="8229600" cy="1671989"/>
           </a:xfrm>
         </p:spPr>
         <p:txBody>
           <a:bodyPr>
-            <a:normAutofit fontScale="62500" lnSpcReduction="20000"/>
+            <a:normAutofit fontScale="92500" lnSpcReduction="20000"/>
           </a:bodyPr>
           <a:lstStyle/>
           <a:p>
             <a:r>
               <a:rPr lang="en-US" dirty="0" smtClean="0"/>
-              <a:t>Allow you to model the world in finite terms, such as enumerations, but also define behavior around them, with all of the power of case classes</a:t>
-            </a:r>
-          </a:p>
-          <a:p>
-            <a:r>
-              <a:rPr lang="en-US" dirty="0" smtClean="0"/>
-              <a:t>A finite number of possible subtypes, enforced by the "sealed" keyword (must be defined in the same source file)</a:t>
+              <a:t>Define the futures separately and then compose</a:t>
+            </a:r>
+          </a:p>
+          <a:p>
+            <a:r>
+              <a:rPr lang="en-US" dirty="0" smtClean="0"/>
+              <a:t>Alternatively, the zip method allows you to parallelize futures execution within a for comprehension</a:t>
             </a:r>
           </a:p>
         </p:txBody>
@@ -16223,7 +15862,7 @@
     </p:spTree>
     <p:extLst>
       <p:ext uri="{BB962C8B-B14F-4D97-AF65-F5344CB8AC3E}">
-        <p14:creationId xmlns:p14="http://schemas.microsoft.com/office/powerpoint/2010/main" val="3906121832"/>
+        <p14:creationId xmlns:p14="http://schemas.microsoft.com/office/powerpoint/2010/main" val="2179867736"/>
       </p:ext>
     </p:extLst>
   </p:cSld>
@@ -16283,8 +15922,8 @@
               <a:buNone/>
             </a:pPr>
             <a:r>
-              <a:rPr lang="en-US" sz="6400" b="1" dirty="0" smtClean="0"/>
-              <a:t>Actors</a:t>
+              <a:rPr lang="en-US" sz="6400" b="1" dirty="0" err="1" smtClean="0"/>
+              <a:t>Implicits</a:t>
             </a:r>
             <a:endParaRPr lang="en-US" sz="6400" b="1" dirty="0"/>
           </a:p>
@@ -16293,7 +15932,7 @@
     </p:spTree>
     <p:extLst>
       <p:ext uri="{BB962C8B-B14F-4D97-AF65-F5344CB8AC3E}">
-        <p14:creationId xmlns:p14="http://schemas.microsoft.com/office/powerpoint/2010/main" val="651531155"/>
+        <p14:creationId xmlns:p14="http://schemas.microsoft.com/office/powerpoint/2010/main" val="1803348485"/>
       </p:ext>
     </p:extLst>
   </p:cSld>
@@ -16346,298 +15985,46 @@
           <a:p>
             <a:r>
               <a:rPr lang="en-US" dirty="0" smtClean="0"/>
-              <a:t>Actors</a:t>
+              <a:t>Implicit Conversions</a:t>
             </a:r>
             <a:endParaRPr lang="en-US" dirty="0"/>
           </a:p>
         </p:txBody>
       </p:sp>
-      <p:sp>
-        <p:nvSpPr>
-          <p:cNvPr id="4" name="TextBox 3"/>
-          <p:cNvSpPr txBox="1"/>
+      <p:pic>
+        <p:nvPicPr>
+          <p:cNvPr id="3" name="Picture 2" descr="double_facepalm.jpg"/>
+          <p:cNvPicPr>
+            <a:picLocks noChangeAspect="1"/>
+          </p:cNvPicPr>
           <p:nvPr/>
-        </p:nvSpPr>
+        </p:nvPicPr>
+        <p:blipFill>
+          <a:blip r:embed="rId3">
+            <a:extLst>
+              <a:ext uri="{28A0092B-C50C-407E-A947-70E740481C1C}">
+                <a14:useLocalDpi xmlns:a14="http://schemas.microsoft.com/office/drawing/2010/main" val="0"/>
+              </a:ext>
+            </a:extLst>
+          </a:blip>
+          <a:stretch>
+            <a:fillRect/>
+          </a:stretch>
+        </p:blipFill>
         <p:spPr>
           <a:xfrm>
-            <a:off x="317500" y="1288122"/>
-            <a:ext cx="8509000" cy="1815882"/>
+            <a:off x="1765300" y="1417638"/>
+            <a:ext cx="5613400" cy="4490720"/>
           </a:xfrm>
           <a:prstGeom prst="rect">
             <a:avLst/>
           </a:prstGeom>
-          <a:noFill/>
         </p:spPr>
-        <p:txBody>
-          <a:bodyPr wrap="square" rtlCol="0">
-            <a:spAutoFit/>
-          </a:bodyPr>
-          <a:lstStyle/>
-          <a:p>
-            <a:r>
-              <a:rPr lang="ro-RO" sz="1600" b="1" dirty="0" smtClean="0">
-                <a:solidFill>
-                  <a:srgbClr val="000090"/>
-                </a:solidFill>
-                <a:latin typeface="Courier New"/>
-                <a:cs typeface="Courier New"/>
-              </a:rPr>
-              <a:t>import</a:t>
-            </a:r>
-            <a:r>
-              <a:rPr lang="ro-RO" sz="1600" dirty="0" smtClean="0">
-                <a:solidFill>
-                  <a:srgbClr val="000090"/>
-                </a:solidFill>
-                <a:latin typeface="Courier New"/>
-                <a:cs typeface="Courier New"/>
-              </a:rPr>
-              <a:t> akka.actor._</a:t>
-            </a:r>
-          </a:p>
-          <a:p>
-            <a:endParaRPr lang="ro-RO" sz="1600" dirty="0">
-              <a:solidFill>
-                <a:srgbClr val="000090"/>
-              </a:solidFill>
-              <a:latin typeface="Courier New"/>
-              <a:cs typeface="Courier New"/>
-            </a:endParaRPr>
-          </a:p>
-          <a:p>
-            <a:r>
-              <a:rPr lang="ro-RO" sz="1600" b="1" dirty="0" smtClean="0">
-                <a:solidFill>
-                  <a:srgbClr val="000090"/>
-                </a:solidFill>
-                <a:latin typeface="Courier New"/>
-                <a:cs typeface="Courier New"/>
-              </a:rPr>
-              <a:t>class</a:t>
-            </a:r>
-            <a:r>
-              <a:rPr lang="ro-RO" sz="1600" dirty="0" smtClean="0">
-                <a:solidFill>
-                  <a:srgbClr val="000090"/>
-                </a:solidFill>
-                <a:latin typeface="Courier New"/>
-                <a:cs typeface="Courier New"/>
-              </a:rPr>
-              <a:t> MyActor </a:t>
-            </a:r>
-            <a:r>
-              <a:rPr lang="ro-RO" sz="1600" b="1" dirty="0" smtClean="0">
-                <a:solidFill>
-                  <a:srgbClr val="000090"/>
-                </a:solidFill>
-                <a:latin typeface="Courier New"/>
-                <a:cs typeface="Courier New"/>
-              </a:rPr>
-              <a:t>extends</a:t>
-            </a:r>
-            <a:r>
-              <a:rPr lang="ro-RO" sz="1600" dirty="0" smtClean="0">
-                <a:solidFill>
-                  <a:srgbClr val="000090"/>
-                </a:solidFill>
-                <a:latin typeface="Courier New"/>
-                <a:cs typeface="Courier New"/>
-              </a:rPr>
-              <a:t> Actor {</a:t>
-            </a:r>
-          </a:p>
-          <a:p>
-            <a:r>
-              <a:rPr lang="ro-RO" sz="1600" dirty="0">
-                <a:solidFill>
-                  <a:srgbClr val="000090"/>
-                </a:solidFill>
-                <a:latin typeface="Courier New"/>
-                <a:cs typeface="Courier New"/>
-              </a:rPr>
-              <a:t> </a:t>
-            </a:r>
-            <a:r>
-              <a:rPr lang="ro-RO" sz="1600" dirty="0" smtClean="0">
-                <a:solidFill>
-                  <a:srgbClr val="000090"/>
-                </a:solidFill>
-                <a:latin typeface="Courier New"/>
-                <a:cs typeface="Courier New"/>
-              </a:rPr>
-              <a:t> </a:t>
-            </a:r>
-            <a:r>
-              <a:rPr lang="ro-RO" sz="1600" b="1" dirty="0" smtClean="0">
-                <a:solidFill>
-                  <a:srgbClr val="000090"/>
-                </a:solidFill>
-                <a:latin typeface="Courier New"/>
-                <a:cs typeface="Courier New"/>
-              </a:rPr>
-              <a:t>def</a:t>
-            </a:r>
-            <a:r>
-              <a:rPr lang="ro-RO" sz="1600" dirty="0" smtClean="0">
-                <a:solidFill>
-                  <a:srgbClr val="000090"/>
-                </a:solidFill>
-                <a:latin typeface="Courier New"/>
-                <a:cs typeface="Courier New"/>
-              </a:rPr>
-              <a:t> receive = {</a:t>
-            </a:r>
-          </a:p>
-          <a:p>
-            <a:r>
-              <a:rPr lang="ro-RO" sz="1600" dirty="0">
-                <a:solidFill>
-                  <a:srgbClr val="000090"/>
-                </a:solidFill>
-                <a:latin typeface="Courier New"/>
-                <a:cs typeface="Courier New"/>
-              </a:rPr>
-              <a:t> </a:t>
-            </a:r>
-            <a:r>
-              <a:rPr lang="ro-RO" sz="1600" dirty="0" smtClean="0">
-                <a:solidFill>
-                  <a:srgbClr val="000090"/>
-                </a:solidFill>
-                <a:latin typeface="Courier New"/>
-                <a:cs typeface="Courier New"/>
-              </a:rPr>
-              <a:t>    </a:t>
-            </a:r>
-            <a:r>
-              <a:rPr lang="ro-RO" sz="1600" b="1" dirty="0" smtClean="0">
-                <a:solidFill>
-                  <a:srgbClr val="000090"/>
-                </a:solidFill>
-                <a:latin typeface="Courier New"/>
-                <a:cs typeface="Courier New"/>
-              </a:rPr>
-              <a:t>case</a:t>
-            </a:r>
-            <a:r>
-              <a:rPr lang="ro-RO" sz="1600" dirty="0" smtClean="0">
-                <a:solidFill>
-                  <a:srgbClr val="000090"/>
-                </a:solidFill>
-                <a:latin typeface="Courier New"/>
-                <a:cs typeface="Courier New"/>
-              </a:rPr>
-              <a:t> x =&gt; println(“Got value: “ + x)</a:t>
-            </a:r>
-          </a:p>
-          <a:p>
-            <a:r>
-              <a:rPr lang="ro-RO" sz="1600" dirty="0">
-                <a:solidFill>
-                  <a:srgbClr val="000090"/>
-                </a:solidFill>
-                <a:latin typeface="Courier New"/>
-                <a:cs typeface="Courier New"/>
-              </a:rPr>
-              <a:t> </a:t>
-            </a:r>
-            <a:r>
-              <a:rPr lang="ro-RO" sz="1600" dirty="0" smtClean="0">
-                <a:solidFill>
-                  <a:srgbClr val="000090"/>
-                </a:solidFill>
-                <a:latin typeface="Courier New"/>
-                <a:cs typeface="Courier New"/>
-              </a:rPr>
-              <a:t> }</a:t>
-            </a:r>
-          </a:p>
-          <a:p>
-            <a:r>
-              <a:rPr lang="ro-RO" sz="1600" dirty="0">
-                <a:solidFill>
-                  <a:srgbClr val="000090"/>
-                </a:solidFill>
-                <a:latin typeface="Courier New"/>
-                <a:cs typeface="Courier New"/>
-              </a:rPr>
-              <a:t>}</a:t>
-            </a:r>
-            <a:endParaRPr lang="ro-RO" sz="1600" dirty="0" smtClean="0">
-              <a:solidFill>
-                <a:srgbClr val="000090"/>
-              </a:solidFill>
-              <a:latin typeface="Courier New"/>
-              <a:cs typeface="Courier New"/>
-            </a:endParaRPr>
-          </a:p>
-        </p:txBody>
-      </p:sp>
-      <p:sp>
-        <p:nvSpPr>
-          <p:cNvPr id="6" name="Content Placeholder 2"/>
-          <p:cNvSpPr>
-            <a:spLocks noGrp="1"/>
-          </p:cNvSpPr>
-          <p:nvPr>
-            <p:ph idx="1"/>
-          </p:nvPr>
-        </p:nvSpPr>
-        <p:spPr>
-          <a:xfrm>
-            <a:off x="457200" y="3104004"/>
-            <a:ext cx="8229600" cy="2903096"/>
-          </a:xfrm>
-        </p:spPr>
-        <p:txBody>
-          <a:bodyPr>
-            <a:normAutofit/>
-          </a:bodyPr>
-          <a:lstStyle/>
-          <a:p>
-            <a:r>
-              <a:rPr lang="en-US" dirty="0" smtClean="0"/>
-              <a:t>Based on concepts from </a:t>
-            </a:r>
-            <a:r>
-              <a:rPr lang="en-US" dirty="0" err="1" smtClean="0"/>
-              <a:t>Erlang</a:t>
-            </a:r>
-            <a:r>
-              <a:rPr lang="en-US" dirty="0" smtClean="0"/>
-              <a:t>/OTP</a:t>
-            </a:r>
-          </a:p>
-          <a:p>
-            <a:r>
-              <a:rPr lang="en-US" dirty="0" err="1" smtClean="0"/>
-              <a:t>Akka</a:t>
-            </a:r>
-            <a:r>
-              <a:rPr lang="en-US" dirty="0" smtClean="0"/>
-              <a:t> is replacing the core language actors</a:t>
-            </a:r>
-          </a:p>
-          <a:p>
-            <a:r>
-              <a:rPr lang="en-US" dirty="0" smtClean="0"/>
-              <a:t>Concurrency paradigm using networks of independent objects that </a:t>
-            </a:r>
-            <a:r>
-              <a:rPr lang="en-US" dirty="0" smtClean="0"/>
-              <a:t>only </a:t>
-            </a:r>
-            <a:r>
-              <a:rPr lang="en-US" dirty="0" smtClean="0"/>
-              <a:t>communicate via messaging and mailboxes</a:t>
-            </a:r>
-          </a:p>
-        </p:txBody>
-      </p:sp>
+      </p:pic>
     </p:spTree>
     <p:extLst>
       <p:ext uri="{BB962C8B-B14F-4D97-AF65-F5344CB8AC3E}">
-        <p14:creationId xmlns:p14="http://schemas.microsoft.com/office/powerpoint/2010/main" val="3031260819"/>
+        <p14:creationId xmlns:p14="http://schemas.microsoft.com/office/powerpoint/2010/main" val="892361117"/>
       </p:ext>
     </p:extLst>
   </p:cSld>
@@ -16673,41 +16060,268 @@
       </p:grpSpPr>
       <p:sp>
         <p:nvSpPr>
-          <p:cNvPr id="3" name="Content Placeholder 2"/>
-          <p:cNvSpPr>
-            <a:spLocks noGrp="1"/>
-          </p:cNvSpPr>
-          <p:nvPr>
-            <p:ph idx="1"/>
-          </p:nvPr>
+          <p:cNvPr id="2" name="Title 1"/>
+          <p:cNvSpPr>
+            <a:spLocks noGrp="1"/>
+          </p:cNvSpPr>
+          <p:nvPr>
+            <p:ph type="title"/>
+          </p:nvPr>
+        </p:nvSpPr>
+        <p:spPr/>
+        <p:txBody>
+          <a:bodyPr>
+            <a:normAutofit/>
+          </a:bodyPr>
+          <a:lstStyle/>
+          <a:p>
+            <a:r>
+              <a:rPr lang="en-US" dirty="0" smtClean="0"/>
+              <a:t>Implicit Conversions</a:t>
+            </a:r>
+            <a:endParaRPr lang="en-US" dirty="0"/>
+          </a:p>
+        </p:txBody>
+      </p:sp>
+      <p:sp>
+        <p:nvSpPr>
+          <p:cNvPr id="4" name="TextBox 3"/>
+          <p:cNvSpPr txBox="1"/>
+          <p:nvPr/>
         </p:nvSpPr>
         <p:spPr>
           <a:xfrm>
-            <a:off x="457200" y="1600200"/>
-            <a:ext cx="8229600" cy="1149163"/>
+            <a:off x="317500" y="1288122"/>
+            <a:ext cx="8509000" cy="1815882"/>
+          </a:xfrm>
+          <a:prstGeom prst="rect">
+            <a:avLst/>
+          </a:prstGeom>
+          <a:noFill/>
+        </p:spPr>
+        <p:txBody>
+          <a:bodyPr wrap="square" rtlCol="0">
+            <a:spAutoFit/>
+          </a:bodyPr>
+          <a:lstStyle/>
+          <a:p>
+            <a:r>
+              <a:rPr lang="ro-RO" sz="1600" b="1" dirty="0" smtClean="0">
+                <a:solidFill>
+                  <a:srgbClr val="000090"/>
+                </a:solidFill>
+                <a:latin typeface="Courier New"/>
+                <a:cs typeface="Courier New"/>
+              </a:rPr>
+              <a:t>case class </a:t>
+            </a:r>
+            <a:r>
+              <a:rPr lang="ro-RO" sz="1600" dirty="0" smtClean="0">
+                <a:solidFill>
+                  <a:srgbClr val="000090"/>
+                </a:solidFill>
+                <a:latin typeface="Courier New"/>
+                <a:cs typeface="Courier New"/>
+              </a:rPr>
+              <a:t>Person(firstName: String, lastName: String)</a:t>
+            </a:r>
+          </a:p>
+          <a:p>
+            <a:r>
+              <a:rPr lang="ro-RO" sz="1600" b="1" dirty="0" smtClean="0">
+                <a:solidFill>
+                  <a:srgbClr val="000090"/>
+                </a:solidFill>
+                <a:latin typeface="Courier New"/>
+                <a:cs typeface="Courier New"/>
+              </a:rPr>
+              <a:t>implicit def </a:t>
+            </a:r>
+            <a:r>
+              <a:rPr lang="ro-RO" sz="1600" dirty="0" smtClean="0">
+                <a:solidFill>
+                  <a:srgbClr val="000090"/>
+                </a:solidFill>
+                <a:latin typeface="Courier New"/>
+                <a:cs typeface="Courier New"/>
+              </a:rPr>
+              <a:t>PersonToInt(p: Person) = p.toString.head.toInt</a:t>
+            </a:r>
+            <a:endParaRPr lang="ro-RO" sz="1600" dirty="0">
+              <a:solidFill>
+                <a:srgbClr val="000090"/>
+              </a:solidFill>
+              <a:latin typeface="Courier New"/>
+              <a:cs typeface="Courier New"/>
+            </a:endParaRPr>
+          </a:p>
+          <a:p>
+            <a:endParaRPr lang="ro-RO" sz="1600" dirty="0" smtClean="0">
+              <a:solidFill>
+                <a:srgbClr val="000090"/>
+              </a:solidFill>
+              <a:latin typeface="Courier New"/>
+              <a:cs typeface="Courier New"/>
+            </a:endParaRPr>
+          </a:p>
+          <a:p>
+            <a:r>
+              <a:rPr lang="ro-RO" sz="1600" b="1" dirty="0" smtClean="0">
+                <a:solidFill>
+                  <a:srgbClr val="000090"/>
+                </a:solidFill>
+                <a:latin typeface="Courier New"/>
+                <a:cs typeface="Courier New"/>
+              </a:rPr>
+              <a:t>val </a:t>
+            </a:r>
+            <a:r>
+              <a:rPr lang="ro-RO" sz="1600" dirty="0" smtClean="0">
+                <a:solidFill>
+                  <a:srgbClr val="000090"/>
+                </a:solidFill>
+                <a:latin typeface="Courier New"/>
+                <a:cs typeface="Courier New"/>
+              </a:rPr>
+              <a:t>me = Person("Jamie", "Allen")</a:t>
+            </a:r>
+          </a:p>
+          <a:p>
+            <a:endParaRPr lang="ro-RO" sz="1600" dirty="0" smtClean="0">
+              <a:solidFill>
+                <a:srgbClr val="000090"/>
+              </a:solidFill>
+              <a:latin typeface="Courier New"/>
+              <a:cs typeface="Courier New"/>
+            </a:endParaRPr>
+          </a:p>
+          <a:p>
+            <a:r>
+              <a:rPr lang="ro-RO" sz="1600" b="1" dirty="0" smtClean="0">
+                <a:solidFill>
+                  <a:srgbClr val="000090"/>
+                </a:solidFill>
+                <a:latin typeface="Courier New"/>
+                <a:cs typeface="Courier New"/>
+              </a:rPr>
+              <a:t>val </a:t>
+            </a:r>
+            <a:r>
+              <a:rPr lang="ro-RO" sz="1600" dirty="0" smtClean="0">
+                <a:solidFill>
+                  <a:srgbClr val="000090"/>
+                </a:solidFill>
+                <a:latin typeface="Courier New"/>
+                <a:cs typeface="Courier New"/>
+              </a:rPr>
+              <a:t>weird = 1 + me </a:t>
+            </a:r>
+          </a:p>
+          <a:p>
+            <a:r>
+              <a:rPr lang="cs-CZ" sz="1600" dirty="0" smtClean="0">
+                <a:solidFill>
+                  <a:srgbClr val="000090"/>
+                </a:solidFill>
+                <a:latin typeface="Courier New"/>
+                <a:cs typeface="Courier New"/>
+              </a:rPr>
+              <a:t>res0: </a:t>
+            </a:r>
+            <a:r>
+              <a:rPr lang="cs-CZ" sz="1600" dirty="0" err="1" smtClean="0">
+                <a:solidFill>
+                  <a:srgbClr val="000090"/>
+                </a:solidFill>
+                <a:latin typeface="Courier New"/>
+                <a:cs typeface="Courier New"/>
+              </a:rPr>
+              <a:t>Int</a:t>
+            </a:r>
+            <a:r>
+              <a:rPr lang="cs-CZ" sz="1600" dirty="0" smtClean="0">
+                <a:solidFill>
+                  <a:srgbClr val="000090"/>
+                </a:solidFill>
+                <a:latin typeface="Courier New"/>
+                <a:cs typeface="Courier New"/>
+              </a:rPr>
+              <a:t> = 81</a:t>
+            </a:r>
+            <a:r>
+              <a:rPr lang="ro-RO" sz="1600" dirty="0" smtClean="0">
+                <a:solidFill>
+                  <a:srgbClr val="000090"/>
+                </a:solidFill>
+                <a:latin typeface="Courier New"/>
+                <a:cs typeface="Courier New"/>
+              </a:rPr>
+              <a:t> </a:t>
+            </a:r>
+          </a:p>
+        </p:txBody>
+      </p:sp>
+      <p:sp>
+        <p:nvSpPr>
+          <p:cNvPr id="6" name="Content Placeholder 2"/>
+          <p:cNvSpPr>
+            <a:spLocks noGrp="1"/>
+          </p:cNvSpPr>
+          <p:nvPr>
+            <p:ph idx="1"/>
+          </p:nvPr>
+        </p:nvSpPr>
+        <p:spPr>
+          <a:xfrm>
+            <a:off x="457200" y="3251200"/>
+            <a:ext cx="8229600" cy="2755899"/>
           </a:xfrm>
         </p:spPr>
         <p:txBody>
           <a:bodyPr>
-            <a:noAutofit/>
+            <a:normAutofit fontScale="92500" lnSpcReduction="10000"/>
           </a:bodyPr>
           <a:lstStyle/>
           <a:p>
-            <a:pPr marL="0" indent="0" algn="ctr">
-              <a:buNone/>
-            </a:pPr>
-            <a:r>
-              <a:rPr lang="en-US" sz="6400" b="1" dirty="0" smtClean="0"/>
-              <a:t>Futures</a:t>
-            </a:r>
-            <a:endParaRPr lang="en-US" sz="6400" b="1" dirty="0"/>
+            <a:r>
+              <a:rPr lang="en-US" dirty="0" smtClean="0"/>
+              <a:t>Looks for definitions at compile time that will satisfy type incompatibilities</a:t>
+            </a:r>
+          </a:p>
+          <a:p>
+            <a:r>
+              <a:rPr lang="en-US" dirty="0" smtClean="0"/>
+              <a:t>Modern IDEs will warn you with an underline when they are in use</a:t>
+            </a:r>
+          </a:p>
+          <a:p>
+            <a:r>
+              <a:rPr lang="en-US" dirty="0" smtClean="0"/>
+              <a:t>Limit scope as much as possible (see </a:t>
+            </a:r>
+            <a:r>
+              <a:rPr lang="en-US" dirty="0" smtClean="0">
+                <a:hlinkClick r:id="rId3"/>
+              </a:rPr>
+              <a:t>Josh Suereth's NE Scala 2011</a:t>
+            </a:r>
+            <a:r>
+              <a:rPr lang="en-US" dirty="0" smtClean="0"/>
+              <a:t>)</a:t>
+            </a:r>
+          </a:p>
+          <a:p>
+            <a:endParaRPr lang="en-US" dirty="0" smtClean="0"/>
+          </a:p>
+          <a:p>
+            <a:endParaRPr lang="en-US" dirty="0" smtClean="0"/>
           </a:p>
         </p:txBody>
       </p:sp>
     </p:spTree>
     <p:extLst>
       <p:ext uri="{BB962C8B-B14F-4D97-AF65-F5344CB8AC3E}">
-        <p14:creationId xmlns:p14="http://schemas.microsoft.com/office/powerpoint/2010/main" val="1482985229"/>
+        <p14:creationId xmlns:p14="http://schemas.microsoft.com/office/powerpoint/2010/main" val="2899642747"/>
       </p:ext>
     </p:extLst>
   </p:cSld>
@@ -16760,7 +16374,7 @@
           <a:p>
             <a:r>
               <a:rPr lang="en-US" dirty="0" smtClean="0"/>
-              <a:t>Futures</a:t>
+              <a:t>Implicit Parameters</a:t>
             </a:r>
             <a:endParaRPr lang="en-US" dirty="0"/>
           </a:p>
@@ -16775,7 +16389,7 @@
         <p:spPr>
           <a:xfrm>
             <a:off x="317500" y="1288122"/>
-            <a:ext cx="8509000" cy="1815882"/>
+            <a:ext cx="8509000" cy="1077218"/>
           </a:xfrm>
           <a:prstGeom prst="rect">
             <a:avLst/>
@@ -16796,7 +16410,7 @@
                 <a:latin typeface="Courier New"/>
                 <a:cs typeface="Courier New"/>
               </a:rPr>
-              <a:t>import</a:t>
+              <a:t>def</a:t>
             </a:r>
             <a:r>
               <a:rPr lang="ro-RO" sz="1600" dirty="0" smtClean="0">
@@ -16806,52 +16420,7 @@
                 <a:latin typeface="Courier New"/>
                 <a:cs typeface="Courier New"/>
               </a:rPr>
-              <a:t> scala.concurrent._</a:t>
-            </a:r>
-          </a:p>
-          <a:p>
-            <a:endParaRPr lang="ro-RO" sz="1600" dirty="0" smtClean="0">
-              <a:solidFill>
-                <a:srgbClr val="000090"/>
-              </a:solidFill>
-              <a:latin typeface="Courier New"/>
-              <a:cs typeface="Courier New"/>
-            </a:endParaRPr>
-          </a:p>
-          <a:p>
-            <a:r>
-              <a:rPr lang="ro-RO" sz="1600" dirty="0" smtClean="0">
-                <a:solidFill>
-                  <a:srgbClr val="000090"/>
-                </a:solidFill>
-                <a:latin typeface="Courier New"/>
-                <a:cs typeface="Courier New"/>
-              </a:rPr>
-              <a:t>val costInDollars = Future {</a:t>
-            </a:r>
-          </a:p>
-          <a:p>
-            <a:r>
-              <a:rPr lang="ro-RO" sz="1600" dirty="0" smtClean="0">
-                <a:solidFill>
-                  <a:srgbClr val="000090"/>
-                </a:solidFill>
-                <a:latin typeface="Courier New"/>
-                <a:cs typeface="Courier New"/>
-              </a:rPr>
-              <a:t>  webServiceProxy.getCostInDollars.mapTo[Int]</a:t>
-            </a:r>
-          </a:p>
-          <a:p>
-            <a:r>
-              <a:rPr lang="ro-RO" sz="1600" dirty="0" smtClean="0">
-                <a:solidFill>
-                  <a:srgbClr val="000090"/>
-                </a:solidFill>
-                <a:latin typeface="Courier New"/>
-                <a:cs typeface="Courier New"/>
-              </a:rPr>
-              <a:t>}</a:t>
+              <a:t> executeFutureWithTimeout(f: Future)(implicit t: Timeout)</a:t>
             </a:r>
           </a:p>
           <a:p>
@@ -16872,15 +16441,20 @@
                 <a:latin typeface="Courier New"/>
                 <a:cs typeface="Courier New"/>
               </a:rPr>
-              <a:t>costInDollars map (myPurchase.setCostInDollars(_))</a:t>
-            </a:r>
-            <a:endParaRPr lang="ro-RO" sz="1600" dirty="0">
-              <a:solidFill>
-                <a:srgbClr val="000090"/>
-              </a:solidFill>
-              <a:latin typeface="Courier New"/>
-              <a:cs typeface="Courier New"/>
-            </a:endParaRPr>
+              <a:t>implicit val t: Timeout = Timeout(20, TimeUnit.MILLISECONDS)</a:t>
+            </a:r>
+          </a:p>
+          <a:p>
+            <a:r>
+              <a:rPr lang="ro-RO" sz="1600" dirty="0" smtClean="0">
+                <a:solidFill>
+                  <a:srgbClr val="000090"/>
+                </a:solidFill>
+                <a:latin typeface="Courier New"/>
+                <a:cs typeface="Courier New"/>
+              </a:rPr>
+              <a:t>executeFutureWithTimeout(Future {proxy.getCustomer(id)})</a:t>
+            </a:r>
           </a:p>
         </p:txBody>
       </p:sp>
@@ -16896,8 +16470,8 @@
         </p:nvSpPr>
         <p:spPr>
           <a:xfrm>
-            <a:off x="457200" y="3501570"/>
-            <a:ext cx="8229600" cy="2505529"/>
+            <a:off x="457200" y="2476500"/>
+            <a:ext cx="8229600" cy="3530599"/>
           </a:xfrm>
         </p:spPr>
         <p:txBody>
@@ -16908,47 +16482,21 @@
           <a:p>
             <a:r>
               <a:rPr lang="en-US" dirty="0" smtClean="0"/>
-              <a:t>Allows </a:t>
-            </a:r>
-            <a:r>
-              <a:rPr lang="en-US" dirty="0" smtClean="0"/>
-              <a:t>you to write asynchronous code, which is much more </a:t>
-            </a:r>
-            <a:r>
-              <a:rPr lang="en-US" dirty="0" err="1" smtClean="0"/>
-              <a:t>performant</a:t>
-            </a:r>
-            <a:r>
-              <a:rPr lang="en-US" dirty="0" smtClean="0"/>
-              <a:t> than blocking</a:t>
-            </a:r>
-          </a:p>
-          <a:p>
-            <a:r>
-              <a:rPr lang="en-US" dirty="0" smtClean="0"/>
-              <a:t>Are not typed, hence the </a:t>
-            </a:r>
-            <a:r>
-              <a:rPr lang="en-US" b="1" dirty="0" err="1" smtClean="0">
-                <a:latin typeface="Courier New"/>
-                <a:cs typeface="Courier New"/>
-              </a:rPr>
-              <a:t>mapTo</a:t>
-            </a:r>
-            <a:r>
-              <a:rPr lang="en-US" dirty="0" smtClean="0"/>
-              <a:t> call above</a:t>
-            </a:r>
-          </a:p>
-          <a:p>
-            <a:endParaRPr lang="en-US" dirty="0" smtClean="0"/>
+              <a:t>Allow you to define default parameter values that are only overridden if you do so explicitly</a:t>
+            </a:r>
+          </a:p>
+          <a:p>
+            <a:r>
+              <a:rPr lang="en-US" dirty="0" smtClean="0"/>
+              <a:t>Handy to avoid code duplication</a:t>
+            </a:r>
           </a:p>
         </p:txBody>
       </p:sp>
     </p:spTree>
     <p:extLst>
       <p:ext uri="{BB962C8B-B14F-4D97-AF65-F5344CB8AC3E}">
-        <p14:creationId xmlns:p14="http://schemas.microsoft.com/office/powerpoint/2010/main" val="3155762785"/>
+        <p14:creationId xmlns:p14="http://schemas.microsoft.com/office/powerpoint/2010/main" val="1976931802"/>
       </p:ext>
     </p:extLst>
   </p:cSld>
@@ -17001,7 +16549,7 @@
           <a:p>
             <a:r>
               <a:rPr lang="en-US" dirty="0" smtClean="0"/>
-              <a:t>Futures in Sequence</a:t>
+              <a:t>Implicit Classes</a:t>
             </a:r>
             <a:endParaRPr lang="en-US" dirty="0"/>
           </a:p>
@@ -17037,7 +16585,7 @@
                 <a:latin typeface="Courier New"/>
                 <a:cs typeface="Courier New"/>
               </a:rPr>
-              <a:t>val </a:t>
+              <a:t>implicit class </a:t>
             </a:r>
             <a:r>
               <a:rPr lang="ro-RO" sz="1600" dirty="0" smtClean="0">
@@ -17047,8 +16595,19 @@
                 <a:latin typeface="Courier New"/>
                 <a:cs typeface="Courier New"/>
               </a:rPr>
-              <a:t>customerPurchases = </a:t>
-            </a:r>
+              <a:t>Person(name: String)</a:t>
+            </a:r>
+          </a:p>
+          <a:p>
+            <a:endParaRPr lang="ro-RO" sz="1600" dirty="0">
+              <a:solidFill>
+                <a:srgbClr val="000090"/>
+              </a:solidFill>
+              <a:latin typeface="Courier New"/>
+              <a:cs typeface="Courier New"/>
+            </a:endParaRPr>
+          </a:p>
+          <a:p>
             <a:r>
               <a:rPr lang="ro-RO" sz="1600" b="1" dirty="0" smtClean="0">
                 <a:solidFill>
@@ -17057,7 +16616,7 @@
                 <a:latin typeface="Courier New"/>
                 <a:cs typeface="Courier New"/>
               </a:rPr>
-              <a:t>for</a:t>
+              <a:t>class</a:t>
             </a:r>
             <a:r>
               <a:rPr lang="ro-RO" sz="1600" dirty="0" smtClean="0">
@@ -17067,19 +16626,19 @@
                 <a:latin typeface="Courier New"/>
                 <a:cs typeface="Courier New"/>
               </a:rPr>
-              <a:t> (</a:t>
-            </a:r>
-          </a:p>
-          <a:p>
-            <a:r>
-              <a:rPr lang="ro-RO" sz="1600" dirty="0">
-                <a:solidFill>
-                  <a:srgbClr val="000090"/>
-                </a:solidFill>
-                <a:latin typeface="Courier New"/>
-                <a:cs typeface="Courier New"/>
-              </a:rPr>
-              <a:t> </a:t>
+              <a:t> Person(name: String)</a:t>
+            </a:r>
+          </a:p>
+          <a:p>
+            <a:r>
+              <a:rPr lang="ro-RO" sz="1600" b="1" dirty="0" smtClean="0">
+                <a:solidFill>
+                  <a:srgbClr val="000090"/>
+                </a:solidFill>
+                <a:latin typeface="Courier New"/>
+                <a:cs typeface="Courier New"/>
+              </a:rPr>
+              <a:t>implicit final def</a:t>
             </a:r>
             <a:r>
               <a:rPr lang="ro-RO" sz="1600" dirty="0" smtClean="0">
@@ -17089,7 +16648,17 @@
                 <a:latin typeface="Courier New"/>
                 <a:cs typeface="Courier New"/>
               </a:rPr>
-              <a:t> costUSD &lt;- Future</a:t>
+              <a:t> Person(name: String): Person = </a:t>
+            </a:r>
+            <a:r>
+              <a:rPr lang="ro-RO" sz="1600" b="1" dirty="0" smtClean="0">
+                <a:solidFill>
+                  <a:srgbClr val="000090"/>
+                </a:solidFill>
+                <a:latin typeface="Courier New"/>
+                <a:cs typeface="Courier New"/>
+              </a:rPr>
+              <a:t>new</a:t>
             </a:r>
             <a:r>
               <a:rPr lang="ro-RO" sz="1600" dirty="0" smtClean="0">
@@ -17099,91 +16668,7 @@
                 <a:latin typeface="Courier New"/>
                 <a:cs typeface="Courier New"/>
               </a:rPr>
-              <a:t>{ proxy.getCostInDollars.mapTo</a:t>
-            </a:r>
-            <a:r>
-              <a:rPr lang="ro-RO" sz="1600" dirty="0" smtClean="0">
-                <a:solidFill>
-                  <a:srgbClr val="000090"/>
-                </a:solidFill>
-                <a:latin typeface="Courier New"/>
-                <a:cs typeface="Courier New"/>
-              </a:rPr>
-              <a:t>[Int]}</a:t>
-            </a:r>
-          </a:p>
-          <a:p>
-            <a:r>
-              <a:rPr lang="ro-RO" sz="1600" dirty="0">
-                <a:solidFill>
-                  <a:srgbClr val="000090"/>
-                </a:solidFill>
-                <a:latin typeface="Courier New"/>
-                <a:cs typeface="Courier New"/>
-              </a:rPr>
-              <a:t> </a:t>
-            </a:r>
-            <a:r>
-              <a:rPr lang="ro-RO" sz="1600" dirty="0" smtClean="0">
-                <a:solidFill>
-                  <a:srgbClr val="000090"/>
-                </a:solidFill>
-                <a:latin typeface="Courier New"/>
-                <a:cs typeface="Courier New"/>
-              </a:rPr>
-              <a:t> totalPurchase &lt;- Future</a:t>
-            </a:r>
-            <a:r>
-              <a:rPr lang="ro-RO" sz="1600" dirty="0" smtClean="0">
-                <a:solidFill>
-                  <a:srgbClr val="000090"/>
-                </a:solidFill>
-                <a:latin typeface="Courier New"/>
-                <a:cs typeface="Courier New"/>
-              </a:rPr>
-              <a:t>{ proxy.addToTotal</a:t>
-            </a:r>
-            <a:r>
-              <a:rPr lang="ro-RO" sz="1600" dirty="0" smtClean="0">
-                <a:solidFill>
-                  <a:srgbClr val="000090"/>
-                </a:solidFill>
-                <a:latin typeface="Courier New"/>
-                <a:cs typeface="Courier New"/>
-              </a:rPr>
-              <a:t>(costUSD).mapTo[Int]}</a:t>
-            </a:r>
-          </a:p>
-          <a:p>
-            <a:r>
-              <a:rPr lang="ro-RO" sz="1600" dirty="0" smtClean="0">
-                <a:solidFill>
-                  <a:srgbClr val="000090"/>
-                </a:solidFill>
-                <a:latin typeface="Courier New"/>
-                <a:cs typeface="Courier New"/>
-              </a:rPr>
-              <a:t>} </a:t>
-            </a:r>
-            <a:r>
-              <a:rPr lang="ro-RO" sz="1600" b="1" dirty="0" smtClean="0">
-                <a:solidFill>
-                  <a:srgbClr val="000090"/>
-                </a:solidFill>
-                <a:latin typeface="Courier New"/>
-                <a:cs typeface="Courier New"/>
-              </a:rPr>
-              <a:t>yield</a:t>
-            </a:r>
-            <a:r>
-              <a:rPr lang="ro-RO" sz="1600" dirty="0" smtClean="0">
-                <a:solidFill>
-                  <a:srgbClr val="000090"/>
-                </a:solidFill>
-                <a:latin typeface="Courier New"/>
-                <a:cs typeface="Courier New"/>
-              </a:rPr>
-              <a:t> ((customerId -&gt; totalPurchase))</a:t>
+              <a:t> Person(name)</a:t>
             </a:r>
           </a:p>
         </p:txBody>
@@ -17200,8 +16685,8 @@
         </p:nvSpPr>
         <p:spPr>
           <a:xfrm>
-            <a:off x="457200" y="2365340"/>
-            <a:ext cx="8229600" cy="3641760"/>
+            <a:off x="457200" y="3251200"/>
+            <a:ext cx="8229600" cy="2755899"/>
           </a:xfrm>
         </p:spPr>
         <p:txBody>
@@ -17211,34 +16696,24 @@
           <a:lstStyle/>
           <a:p>
             <a:r>
+              <a:rPr lang="en-US" dirty="0" smtClean="0"/>
+              <a:t>New to Scala 2.10</a:t>
+            </a:r>
+          </a:p>
+          <a:p>
+            <a:r>
+              <a:rPr lang="en-US" dirty="0" smtClean="0"/>
+              <a:t>Create extension methods to existing types</a:t>
+            </a:r>
+          </a:p>
+          <a:p>
+            <a:r>
               <a:rPr lang="en-US" dirty="0" err="1" smtClean="0"/>
-              <a:t>Scala’s</a:t>
-            </a:r>
-            <a:r>
-              <a:rPr lang="en-US" dirty="0" smtClean="0"/>
-              <a:t> for </a:t>
-            </a:r>
-            <a:r>
-              <a:rPr lang="en-US" dirty="0"/>
-              <a:t>c</a:t>
-            </a:r>
-            <a:r>
-              <a:rPr lang="en-US" dirty="0" smtClean="0"/>
-              <a:t>omprehensions allow you to compose higher-order functions, including Futures</a:t>
-            </a:r>
-          </a:p>
-          <a:p>
-            <a:r>
-              <a:rPr lang="en-US" dirty="0" smtClean="0"/>
-              <a:t>By sequencing </a:t>
-            </a:r>
-            <a:r>
-              <a:rPr lang="en-US" dirty="0" smtClean="0"/>
-              <a:t>the expressions on multiple lines, </a:t>
-            </a:r>
-            <a:r>
-              <a:rPr lang="en-US" dirty="0" smtClean="0"/>
-              <a:t>you can order dependencies</a:t>
+              <a:t>Desugars</a:t>
+            </a:r>
+            <a:r>
+              <a:rPr lang="en-US" dirty="0" smtClean="0"/>
+              <a:t> at compile time into a class definition with an implicit conversion</a:t>
             </a:r>
           </a:p>
         </p:txBody>
@@ -17246,7 +16721,7 @@
     </p:spTree>
     <p:extLst>
       <p:ext uri="{BB962C8B-B14F-4D97-AF65-F5344CB8AC3E}">
-        <p14:creationId xmlns:p14="http://schemas.microsoft.com/office/powerpoint/2010/main" val="3129314418"/>
+        <p14:creationId xmlns:p14="http://schemas.microsoft.com/office/powerpoint/2010/main" val="3555050434"/>
       </p:ext>
     </p:extLst>
   </p:cSld>
@@ -17282,389 +16757,41 @@
       </p:grpSpPr>
       <p:sp>
         <p:nvSpPr>
-          <p:cNvPr id="2" name="Title 1"/>
-          <p:cNvSpPr>
-            <a:spLocks noGrp="1"/>
-          </p:cNvSpPr>
-          <p:nvPr>
-            <p:ph type="title"/>
-          </p:nvPr>
-        </p:nvSpPr>
-        <p:spPr/>
-        <p:txBody>
-          <a:bodyPr>
-            <a:normAutofit/>
-          </a:bodyPr>
-          <a:lstStyle/>
-          <a:p>
-            <a:r>
-              <a:rPr lang="en-US" dirty="0" smtClean="0"/>
-              <a:t>Futures in Parallel</a:t>
-            </a:r>
-            <a:endParaRPr lang="en-US" dirty="0"/>
-          </a:p>
-        </p:txBody>
-      </p:sp>
-      <p:sp>
-        <p:nvSpPr>
-          <p:cNvPr id="4" name="TextBox 3"/>
-          <p:cNvSpPr txBox="1"/>
-          <p:nvPr/>
+          <p:cNvPr id="3" name="Content Placeholder 2"/>
+          <p:cNvSpPr>
+            <a:spLocks noGrp="1"/>
+          </p:cNvSpPr>
+          <p:nvPr>
+            <p:ph idx="1"/>
+          </p:nvPr>
         </p:nvSpPr>
         <p:spPr>
           <a:xfrm>
-            <a:off x="317500" y="1288122"/>
-            <a:ext cx="8509000" cy="3046988"/>
-          </a:xfrm>
-          <a:prstGeom prst="rect">
-            <a:avLst/>
-          </a:prstGeom>
-          <a:noFill/>
-        </p:spPr>
-        <p:txBody>
-          <a:bodyPr wrap="square" rtlCol="0">
-            <a:spAutoFit/>
-          </a:bodyPr>
-          <a:lstStyle/>
-          <a:p>
-            <a:r>
-              <a:rPr lang="ro-RO" sz="1600" b="1" dirty="0" smtClean="0">
-                <a:solidFill>
-                  <a:srgbClr val="000090"/>
-                </a:solidFill>
-                <a:latin typeface="Courier New"/>
-                <a:cs typeface="Courier New"/>
-              </a:rPr>
-              <a:t>val </a:t>
-            </a:r>
-            <a:r>
-              <a:rPr lang="ro-RO" sz="1600" dirty="0" smtClean="0">
-                <a:solidFill>
-                  <a:srgbClr val="000090"/>
-                </a:solidFill>
-                <a:latin typeface="Courier New"/>
-                <a:cs typeface="Courier New"/>
-              </a:rPr>
-              <a:t>costUSD = Future{proxy.getCostInUSD(cost).mapTo[Int]}</a:t>
-            </a:r>
-          </a:p>
-          <a:p>
-            <a:r>
-              <a:rPr lang="ro-RO" sz="1600" b="1" dirty="0" smtClean="0">
-                <a:solidFill>
-                  <a:srgbClr val="000090"/>
-                </a:solidFill>
-                <a:latin typeface="Courier New"/>
-                <a:cs typeface="Courier New"/>
-              </a:rPr>
-              <a:t>val </a:t>
-            </a:r>
-            <a:r>
-              <a:rPr lang="ro-RO" sz="1600" dirty="0" smtClean="0">
-                <a:solidFill>
-                  <a:srgbClr val="000090"/>
-                </a:solidFill>
-                <a:latin typeface="Courier New"/>
-                <a:cs typeface="Courier New"/>
-              </a:rPr>
-              <a:t>costCAD = Future{proxy.getCostInCAD(cost).mapTo[Int]}</a:t>
-            </a:r>
-          </a:p>
-          <a:p>
-            <a:r>
-              <a:rPr lang="ro-RO" sz="1600" b="1" dirty="0" smtClean="0">
-                <a:solidFill>
-                  <a:srgbClr val="000090"/>
-                </a:solidFill>
-                <a:latin typeface="Courier New"/>
-                <a:cs typeface="Courier New"/>
-              </a:rPr>
-              <a:t>val </a:t>
-            </a:r>
-            <a:r>
-              <a:rPr lang="ro-RO" sz="1600" dirty="0" smtClean="0">
-                <a:solidFill>
-                  <a:srgbClr val="000090"/>
-                </a:solidFill>
-                <a:latin typeface="Courier New"/>
-                <a:cs typeface="Courier New"/>
-              </a:rPr>
-              <a:t>combinedCosts = </a:t>
-            </a:r>
-            <a:r>
-              <a:rPr lang="ro-RO" sz="1600" b="1" dirty="0" smtClean="0">
-                <a:solidFill>
-                  <a:srgbClr val="000090"/>
-                </a:solidFill>
-                <a:latin typeface="Courier New"/>
-                <a:cs typeface="Courier New"/>
-              </a:rPr>
-              <a:t>for</a:t>
-            </a:r>
-            <a:r>
-              <a:rPr lang="ro-RO" sz="1600" dirty="0" smtClean="0">
-                <a:solidFill>
-                  <a:srgbClr val="000090"/>
-                </a:solidFill>
-                <a:latin typeface="Courier New"/>
-                <a:cs typeface="Courier New"/>
-              </a:rPr>
-              <a:t> {</a:t>
-            </a:r>
-          </a:p>
-          <a:p>
-            <a:r>
-              <a:rPr lang="ro-RO" sz="1600" b="1" dirty="0">
-                <a:solidFill>
-                  <a:srgbClr val="000090"/>
-                </a:solidFill>
-                <a:latin typeface="Courier New"/>
-                <a:cs typeface="Courier New"/>
-              </a:rPr>
-              <a:t> </a:t>
-            </a:r>
-            <a:r>
-              <a:rPr lang="ro-RO" sz="1600" b="1" dirty="0" smtClean="0">
-                <a:solidFill>
-                  <a:srgbClr val="000090"/>
-                </a:solidFill>
-                <a:latin typeface="Courier New"/>
-                <a:cs typeface="Courier New"/>
-              </a:rPr>
-              <a:t> </a:t>
-            </a:r>
-            <a:r>
-              <a:rPr lang="ro-RO" sz="1600" dirty="0" smtClean="0">
-                <a:solidFill>
-                  <a:srgbClr val="000090"/>
-                </a:solidFill>
-                <a:latin typeface="Courier New"/>
-                <a:cs typeface="Courier New"/>
-              </a:rPr>
-              <a:t>cUSD &lt;- costUSD</a:t>
-            </a:r>
-          </a:p>
-          <a:p>
-            <a:r>
-              <a:rPr lang="ro-RO" sz="1600" b="1" dirty="0">
-                <a:solidFill>
-                  <a:srgbClr val="000090"/>
-                </a:solidFill>
-                <a:latin typeface="Courier New"/>
-                <a:cs typeface="Courier New"/>
-              </a:rPr>
-              <a:t> </a:t>
-            </a:r>
-            <a:r>
-              <a:rPr lang="ro-RO" sz="1600" b="1" dirty="0" smtClean="0">
-                <a:solidFill>
-                  <a:srgbClr val="000090"/>
-                </a:solidFill>
-                <a:latin typeface="Courier New"/>
-                <a:cs typeface="Courier New"/>
-              </a:rPr>
-              <a:t> </a:t>
-            </a:r>
-            <a:r>
-              <a:rPr lang="ro-RO" sz="1600" dirty="0" smtClean="0">
-                <a:solidFill>
-                  <a:srgbClr val="000090"/>
-                </a:solidFill>
-                <a:latin typeface="Courier New"/>
-                <a:cs typeface="Courier New"/>
-              </a:rPr>
-              <a:t>cCAD &lt;- costCAD</a:t>
-            </a:r>
-          </a:p>
-          <a:p>
-            <a:r>
-              <a:rPr lang="ro-RO" sz="1600" dirty="0" smtClean="0">
-                <a:solidFill>
-                  <a:srgbClr val="000090"/>
-                </a:solidFill>
-                <a:latin typeface="Courier New"/>
-                <a:cs typeface="Courier New"/>
-              </a:rPr>
-              <a:t>} yield (cUSD, cCAD)</a:t>
-            </a:r>
-            <a:endParaRPr lang="ro-RO" sz="1600" dirty="0">
-              <a:solidFill>
-                <a:srgbClr val="000090"/>
-              </a:solidFill>
-              <a:latin typeface="Courier New"/>
-              <a:cs typeface="Courier New"/>
-            </a:endParaRPr>
-          </a:p>
-          <a:p>
-            <a:endParaRPr lang="ro-RO" sz="1600" b="1" dirty="0" smtClean="0">
-              <a:solidFill>
-                <a:srgbClr val="000090"/>
-              </a:solidFill>
-              <a:latin typeface="Courier New"/>
-              <a:cs typeface="Courier New"/>
-            </a:endParaRPr>
-          </a:p>
-          <a:p>
-            <a:r>
-              <a:rPr lang="ro-RO" sz="1600" b="1" dirty="0" smtClean="0">
-                <a:solidFill>
-                  <a:srgbClr val="000090"/>
-                </a:solidFill>
-                <a:latin typeface="Courier New"/>
-                <a:cs typeface="Courier New"/>
-              </a:rPr>
-              <a:t>val </a:t>
-            </a:r>
-            <a:r>
-              <a:rPr lang="ro-RO" sz="1600" dirty="0" smtClean="0">
-                <a:solidFill>
-                  <a:srgbClr val="000090"/>
-                </a:solidFill>
-                <a:latin typeface="Courier New"/>
-                <a:cs typeface="Courier New"/>
-              </a:rPr>
-              <a:t>costs = </a:t>
-            </a:r>
-            <a:r>
-              <a:rPr lang="ro-RO" sz="1600" b="1" dirty="0" smtClean="0">
-                <a:solidFill>
-                  <a:srgbClr val="000090"/>
-                </a:solidFill>
-                <a:latin typeface="Courier New"/>
-                <a:cs typeface="Courier New"/>
-              </a:rPr>
-              <a:t>for</a:t>
-            </a:r>
-            <a:r>
-              <a:rPr lang="ro-RO" sz="1600" dirty="0" smtClean="0">
-                <a:solidFill>
-                  <a:srgbClr val="000090"/>
-                </a:solidFill>
-                <a:latin typeface="Courier New"/>
-                <a:cs typeface="Courier New"/>
-              </a:rPr>
-              <a:t> (</a:t>
-            </a:r>
-          </a:p>
-          <a:p>
-            <a:r>
-              <a:rPr lang="ro-RO" sz="1600" dirty="0">
-                <a:solidFill>
-                  <a:srgbClr val="000090"/>
-                </a:solidFill>
-                <a:latin typeface="Courier New"/>
-                <a:cs typeface="Courier New"/>
-              </a:rPr>
-              <a:t> </a:t>
-            </a:r>
-            <a:r>
-              <a:rPr lang="ro-RO" sz="1600" dirty="0" smtClean="0">
-                <a:solidFill>
-                  <a:srgbClr val="000090"/>
-                </a:solidFill>
-                <a:latin typeface="Courier New"/>
-                <a:cs typeface="Courier New"/>
-              </a:rPr>
-              <a:t> (costUSD, costCAD) &lt;- </a:t>
-            </a:r>
-          </a:p>
-          <a:p>
-            <a:r>
-              <a:rPr lang="ro-RO" sz="1600" dirty="0" smtClean="0">
-                <a:solidFill>
-                  <a:srgbClr val="000090"/>
-                </a:solidFill>
-                <a:latin typeface="Courier New"/>
-                <a:cs typeface="Courier New"/>
-              </a:rPr>
-              <a:t>    Future{proxy.getCostInUSD(cost).mapTo[Int]} zip</a:t>
-            </a:r>
-          </a:p>
-          <a:p>
-            <a:r>
-              <a:rPr lang="ro-RO" sz="1600" dirty="0" smtClean="0">
-                <a:solidFill>
-                  <a:srgbClr val="000090"/>
-                </a:solidFill>
-                <a:latin typeface="Courier New"/>
-                <a:cs typeface="Courier New"/>
-              </a:rPr>
-              <a:t>    Future{proxy.getCostInCAD(cost).mapTo[Int]}</a:t>
-            </a:r>
-          </a:p>
-          <a:p>
-            <a:r>
-              <a:rPr lang="ro-RO" sz="1600" dirty="0" smtClean="0">
-                <a:solidFill>
-                  <a:srgbClr val="000090"/>
-                </a:solidFill>
-                <a:latin typeface="Courier New"/>
-                <a:cs typeface="Courier New"/>
-              </a:rPr>
-              <a:t>} </a:t>
-            </a:r>
-            <a:r>
-              <a:rPr lang="ro-RO" sz="1600" b="1" dirty="0" smtClean="0">
-                <a:solidFill>
-                  <a:srgbClr val="000090"/>
-                </a:solidFill>
-                <a:latin typeface="Courier New"/>
-                <a:cs typeface="Courier New"/>
-              </a:rPr>
-              <a:t>yield</a:t>
-            </a:r>
-            <a:r>
-              <a:rPr lang="ro-RO" sz="1600" dirty="0" smtClean="0">
-                <a:solidFill>
-                  <a:srgbClr val="000090"/>
-                </a:solidFill>
-                <a:latin typeface="Courier New"/>
-                <a:cs typeface="Courier New"/>
-              </a:rPr>
-              <a:t> (costUSD, costCAD)</a:t>
-            </a:r>
-          </a:p>
-        </p:txBody>
-      </p:sp>
-      <p:sp>
-        <p:nvSpPr>
-          <p:cNvPr id="6" name="Content Placeholder 2"/>
-          <p:cNvSpPr>
-            <a:spLocks noGrp="1"/>
-          </p:cNvSpPr>
-          <p:nvPr>
-            <p:ph idx="1"/>
-          </p:nvPr>
-        </p:nvSpPr>
-        <p:spPr>
-          <a:xfrm>
-            <a:off x="457200" y="4335110"/>
-            <a:ext cx="8229600" cy="1671989"/>
+            <a:off x="457200" y="1600200"/>
+            <a:ext cx="8229600" cy="1149163"/>
           </a:xfrm>
         </p:spPr>
         <p:txBody>
           <a:bodyPr>
-            <a:normAutofit fontScale="92500" lnSpcReduction="20000"/>
+            <a:noAutofit/>
           </a:bodyPr>
           <a:lstStyle/>
           <a:p>
-            <a:r>
-              <a:rPr lang="en-US" dirty="0" smtClean="0"/>
-              <a:t>Define the futures separately and then compose</a:t>
-            </a:r>
-          </a:p>
-          <a:p>
-            <a:r>
-              <a:rPr lang="en-US" dirty="0" smtClean="0"/>
-              <a:t>Alternatively, the zip method allows you to parallelize futures execution within a for comprehension</a:t>
-            </a:r>
+            <a:pPr marL="0" indent="0" algn="ctr">
+              <a:buNone/>
+            </a:pPr>
+            <a:r>
+              <a:rPr lang="en-US" sz="6400" b="1" dirty="0" smtClean="0"/>
+              <a:t>Type Theory</a:t>
+            </a:r>
+            <a:endParaRPr lang="en-US" sz="6400" b="1" dirty="0"/>
           </a:p>
         </p:txBody>
       </p:sp>
     </p:spTree>
     <p:extLst>
       <p:ext uri="{BB962C8B-B14F-4D97-AF65-F5344CB8AC3E}">
-        <p14:creationId xmlns:p14="http://schemas.microsoft.com/office/powerpoint/2010/main" val="1449949948"/>
+        <p14:creationId xmlns:p14="http://schemas.microsoft.com/office/powerpoint/2010/main" val="420033538"/>
       </p:ext>
     </p:extLst>
   </p:cSld>
@@ -17700,6 +16827,29 @@
       </p:grpSpPr>
       <p:sp>
         <p:nvSpPr>
+          <p:cNvPr id="2" name="Title 1"/>
+          <p:cNvSpPr>
+            <a:spLocks noGrp="1"/>
+          </p:cNvSpPr>
+          <p:nvPr>
+            <p:ph type="title"/>
+          </p:nvPr>
+        </p:nvSpPr>
+        <p:spPr/>
+        <p:txBody>
+          <a:bodyPr/>
+          <a:lstStyle/>
+          <a:p>
+            <a:r>
+              <a:rPr lang="en-US" dirty="0" smtClean="0"/>
+              <a:t>Type Inference</a:t>
+            </a:r>
+            <a:endParaRPr lang="en-US" dirty="0"/>
+          </a:p>
+        </p:txBody>
+      </p:sp>
+      <p:sp>
+        <p:nvSpPr>
           <p:cNvPr id="3" name="Content Placeholder 2"/>
           <p:cNvSpPr>
             <a:spLocks noGrp="1"/>
@@ -17708,33 +16858,61 @@
             <p:ph idx="1"/>
           </p:nvPr>
         </p:nvSpPr>
-        <p:spPr>
-          <a:xfrm>
-            <a:off x="457200" y="1600200"/>
-            <a:ext cx="8229600" cy="1149163"/>
-          </a:xfrm>
-        </p:spPr>
+        <p:spPr/>
         <p:txBody>
           <a:bodyPr>
-            <a:noAutofit/>
+            <a:normAutofit/>
           </a:bodyPr>
           <a:lstStyle/>
           <a:p>
-            <a:pPr marL="0" indent="0" algn="ctr">
-              <a:buNone/>
-            </a:pPr>
-            <a:r>
-              <a:rPr lang="en-US" sz="6400" b="1" dirty="0" smtClean="0"/>
-              <a:t>Java Interoperability</a:t>
-            </a:r>
-            <a:endParaRPr lang="en-US" sz="6400" b="1" dirty="0"/>
+            <a:r>
+              <a:rPr lang="en-US" dirty="0" smtClean="0"/>
+              <a:t>Declaring a variable/value</a:t>
+            </a:r>
+          </a:p>
+          <a:p>
+            <a:r>
+              <a:rPr lang="en-US" dirty="0" smtClean="0"/>
+              <a:t>Return types of methods/functions</a:t>
+            </a:r>
+          </a:p>
+          <a:p>
+            <a:r>
+              <a:rPr lang="en-US" dirty="0" smtClean="0"/>
+              <a:t>See </a:t>
+            </a:r>
+            <a:r>
+              <a:rPr lang="en-US" dirty="0" smtClean="0">
+                <a:hlinkClick r:id="rId3"/>
+              </a:rPr>
+              <a:t>Daniel Spiewak's Philly ETE 2011 </a:t>
+            </a:r>
+            <a:r>
+              <a:rPr lang="en-US" dirty="0" smtClean="0">
+                <a:hlinkClick r:id="rId3"/>
+              </a:rPr>
+              <a:t>talk</a:t>
+            </a:r>
+            <a:endParaRPr lang="en-US" dirty="0" smtClean="0"/>
+          </a:p>
+          <a:p>
+            <a:r>
+              <a:rPr lang="en-US" dirty="0" smtClean="0"/>
+              <a:t>Good idea to show types on public interfaces</a:t>
+            </a:r>
+          </a:p>
+          <a:p>
+            <a:r>
+              <a:rPr lang="en-US" dirty="0" smtClean="0"/>
+              <a:t>Specify types when you want to type certainty</a:t>
+            </a:r>
           </a:p>
         </p:txBody>
       </p:sp>
     </p:spTree>
     <p:extLst>
       <p:ext uri="{BB962C8B-B14F-4D97-AF65-F5344CB8AC3E}">
-        <p14:creationId xmlns:p14="http://schemas.microsoft.com/office/powerpoint/2010/main" val="683614595"/>
+        <p14:creationId xmlns:p14="http://schemas.microsoft.com/office/powerpoint/2010/main" val="375188971"/>
       </p:ext>
     </p:extLst>
   </p:cSld>
@@ -17780,6 +16958,34 @@
         </p:nvSpPr>
         <p:spPr/>
         <p:txBody>
+          <a:bodyPr/>
+          <a:lstStyle/>
+          <a:p>
+            <a:r>
+              <a:rPr lang="en-US" dirty="0" smtClean="0"/>
+              <a:t>Type Classes I</a:t>
+            </a:r>
+            <a:endParaRPr lang="en-US" dirty="0"/>
+          </a:p>
+        </p:txBody>
+      </p:sp>
+      <p:sp>
+        <p:nvSpPr>
+          <p:cNvPr id="3" name="Content Placeholder 2"/>
+          <p:cNvSpPr>
+            <a:spLocks noGrp="1"/>
+          </p:cNvSpPr>
+          <p:nvPr>
+            <p:ph idx="1"/>
+          </p:nvPr>
+        </p:nvSpPr>
+        <p:spPr>
+          <a:xfrm>
+            <a:off x="457200" y="4335110"/>
+            <a:ext cx="8229600" cy="1791053"/>
+          </a:xfrm>
+        </p:spPr>
+        <p:txBody>
           <a:bodyPr>
             <a:normAutofit/>
           </a:bodyPr>
@@ -17787,63 +16993,294 @@
           <a:p>
             <a:r>
               <a:rPr lang="en-US" dirty="0" smtClean="0"/>
-              <a:t>Java Interoperability</a:t>
-            </a:r>
-            <a:endParaRPr lang="en-US" dirty="0"/>
-          </a:p>
-        </p:txBody>
-      </p:sp>
-      <p:sp>
-        <p:nvSpPr>
-          <p:cNvPr id="6" name="Content Placeholder 2"/>
-          <p:cNvSpPr>
-            <a:spLocks noGrp="1"/>
-          </p:cNvSpPr>
-          <p:nvPr>
-            <p:ph idx="1"/>
-          </p:nvPr>
+              <a:t>Allow you to layer in varying implementations of behavior without changing an existing inheritance structure</a:t>
+            </a:r>
+          </a:p>
+        </p:txBody>
+      </p:sp>
+      <p:sp>
+        <p:nvSpPr>
+          <p:cNvPr id="4" name="TextBox 3"/>
+          <p:cNvSpPr txBox="1"/>
+          <p:nvPr/>
         </p:nvSpPr>
         <p:spPr>
           <a:xfrm>
-            <a:off x="457200" y="1279358"/>
-            <a:ext cx="8229600" cy="4727742"/>
+            <a:off x="317500" y="1288122"/>
+            <a:ext cx="8509000" cy="3046988"/>
           </a:xfrm>
+          <a:prstGeom prst="rect">
+            <a:avLst/>
+          </a:prstGeom>
+          <a:noFill/>
         </p:spPr>
         <p:txBody>
-          <a:bodyPr>
-            <a:normAutofit/>
+          <a:bodyPr wrap="square" rtlCol="0">
+            <a:spAutoFit/>
           </a:bodyPr>
           <a:lstStyle/>
           <a:p>
             <a:r>
-              <a:rPr lang="en-US" dirty="0" smtClean="0"/>
-              <a:t>Pretty easy to call Java from Scala</a:t>
-            </a:r>
-          </a:p>
-          <a:p>
-            <a:r>
-              <a:rPr lang="en-US" dirty="0" smtClean="0"/>
-              <a:t>Much more difficult to call Scala from Java, due to how you reference idiomatic concepts</a:t>
-            </a:r>
-          </a:p>
-          <a:p>
-            <a:r>
-              <a:rPr lang="en-US" dirty="0" smtClean="0"/>
-              <a:t>If you must access Scala from Java, it can help to use an abstraction layer like </a:t>
-            </a:r>
-            <a:r>
-              <a:rPr lang="en-US" dirty="0" err="1" smtClean="0"/>
-              <a:t>OSGi</a:t>
-            </a:r>
-            <a:r>
-              <a:rPr lang="en-US" dirty="0" smtClean="0"/>
-              <a:t> events or a message queue</a:t>
-            </a:r>
-          </a:p>
-          <a:p>
-            <a:r>
-              <a:rPr lang="en-US" dirty="0" smtClean="0"/>
-              <a:t>Write Java proxies and manage conversions yourself</a:t>
+              <a:rPr lang="ro-RO" sz="1600" b="1" dirty="0" smtClean="0">
+                <a:solidFill>
+                  <a:srgbClr val="000090"/>
+                </a:solidFill>
+                <a:latin typeface="Courier New"/>
+                <a:cs typeface="Courier New"/>
+              </a:rPr>
+              <a:t>case class</a:t>
+            </a:r>
+            <a:r>
+              <a:rPr lang="ro-RO" sz="1600" dirty="0" smtClean="0">
+                <a:solidFill>
+                  <a:srgbClr val="000090"/>
+                </a:solidFill>
+                <a:latin typeface="Courier New"/>
+                <a:cs typeface="Courier New"/>
+              </a:rPr>
+              <a:t> Customer(id: Long, firstName: String, lastName: String)</a:t>
+            </a:r>
+          </a:p>
+          <a:p>
+            <a:endParaRPr lang="ro-RO" sz="1600" dirty="0" smtClean="0">
+              <a:solidFill>
+                <a:srgbClr val="000090"/>
+              </a:solidFill>
+              <a:latin typeface="Courier New"/>
+              <a:cs typeface="Courier New"/>
+            </a:endParaRPr>
+          </a:p>
+          <a:p>
+            <a:r>
+              <a:rPr lang="ro-RO" sz="1600" b="1" dirty="0" smtClean="0">
+                <a:solidFill>
+                  <a:srgbClr val="000090"/>
+                </a:solidFill>
+                <a:latin typeface="Courier New"/>
+                <a:cs typeface="Courier New"/>
+              </a:rPr>
+              <a:t>trait </a:t>
+            </a:r>
+            <a:r>
+              <a:rPr lang="ro-RO" sz="1600" dirty="0" smtClean="0">
+                <a:solidFill>
+                  <a:srgbClr val="000090"/>
+                </a:solidFill>
+                <a:latin typeface="Courier New"/>
+                <a:cs typeface="Courier New"/>
+              </a:rPr>
+              <a:t>CustomerOrderById </a:t>
+            </a:r>
+            <a:r>
+              <a:rPr lang="ro-RO" sz="1600" b="1" dirty="0" smtClean="0">
+                <a:solidFill>
+                  <a:srgbClr val="000090"/>
+                </a:solidFill>
+                <a:latin typeface="Courier New"/>
+                <a:cs typeface="Courier New"/>
+              </a:rPr>
+              <a:t>extends </a:t>
+            </a:r>
+            <a:r>
+              <a:rPr lang="ro-RO" sz="1600" dirty="0" smtClean="0">
+                <a:solidFill>
+                  <a:srgbClr val="000090"/>
+                </a:solidFill>
+                <a:latin typeface="Courier New"/>
+                <a:cs typeface="Courier New"/>
+              </a:rPr>
+              <a:t>Ordering[Customer] {</a:t>
+            </a:r>
+          </a:p>
+          <a:p>
+            <a:r>
+              <a:rPr lang="ro-RO" sz="1600" dirty="0">
+                <a:solidFill>
+                  <a:srgbClr val="000090"/>
+                </a:solidFill>
+                <a:latin typeface="Courier New"/>
+                <a:cs typeface="Courier New"/>
+              </a:rPr>
+              <a:t> </a:t>
+            </a:r>
+            <a:r>
+              <a:rPr lang="ro-RO" sz="1600" dirty="0" smtClean="0">
+                <a:solidFill>
+                  <a:srgbClr val="000090"/>
+                </a:solidFill>
+                <a:latin typeface="Courier New"/>
+                <a:cs typeface="Courier New"/>
+              </a:rPr>
+              <a:t> </a:t>
+            </a:r>
+            <a:r>
+              <a:rPr lang="ro-RO" sz="1600" b="1" dirty="0" smtClean="0">
+                <a:solidFill>
+                  <a:srgbClr val="000090"/>
+                </a:solidFill>
+                <a:latin typeface="Courier New"/>
+                <a:cs typeface="Courier New"/>
+              </a:rPr>
+              <a:t>def </a:t>
+            </a:r>
+            <a:r>
+              <a:rPr lang="ro-RO" sz="1600" dirty="0" smtClean="0">
+                <a:solidFill>
+                  <a:srgbClr val="000090"/>
+                </a:solidFill>
+                <a:latin typeface="Courier New"/>
+                <a:cs typeface="Courier New"/>
+              </a:rPr>
+              <a:t>compare(x: Customer, y: Customer): Int = { ... }</a:t>
+            </a:r>
+          </a:p>
+          <a:p>
+            <a:r>
+              <a:rPr lang="ro-RO" sz="1600" dirty="0" smtClean="0">
+                <a:solidFill>
+                  <a:srgbClr val="000090"/>
+                </a:solidFill>
+                <a:latin typeface="Courier New"/>
+                <a:cs typeface="Courier New"/>
+              </a:rPr>
+              <a:t>}</a:t>
+            </a:r>
+          </a:p>
+          <a:p>
+            <a:r>
+              <a:rPr lang="ro-RO" sz="1600" b="1" dirty="0" smtClean="0">
+                <a:solidFill>
+                  <a:srgbClr val="000090"/>
+                </a:solidFill>
+                <a:latin typeface="Courier New"/>
+                <a:cs typeface="Courier New"/>
+              </a:rPr>
+              <a:t>implicit object </a:t>
+            </a:r>
+            <a:r>
+              <a:rPr lang="ro-RO" sz="1600" dirty="0" smtClean="0">
+                <a:solidFill>
+                  <a:srgbClr val="000090"/>
+                </a:solidFill>
+                <a:latin typeface="Courier New"/>
+                <a:cs typeface="Courier New"/>
+              </a:rPr>
+              <a:t>CustomerIdSort </a:t>
+            </a:r>
+            <a:r>
+              <a:rPr lang="ro-RO" sz="1600" b="1" dirty="0" smtClean="0">
+                <a:solidFill>
+                  <a:srgbClr val="000090"/>
+                </a:solidFill>
+                <a:latin typeface="Courier New"/>
+                <a:cs typeface="Courier New"/>
+              </a:rPr>
+              <a:t>extends</a:t>
+            </a:r>
+            <a:r>
+              <a:rPr lang="ro-RO" sz="1600" dirty="0" smtClean="0">
+                <a:solidFill>
+                  <a:srgbClr val="000090"/>
+                </a:solidFill>
+                <a:latin typeface="Courier New"/>
+                <a:cs typeface="Courier New"/>
+              </a:rPr>
+              <a:t> CustomerOrderById</a:t>
+            </a:r>
+          </a:p>
+          <a:p>
+            <a:endParaRPr lang="ro-RO" sz="1600" dirty="0">
+              <a:solidFill>
+                <a:srgbClr val="000090"/>
+              </a:solidFill>
+              <a:latin typeface="Courier New"/>
+              <a:cs typeface="Courier New"/>
+            </a:endParaRPr>
+          </a:p>
+          <a:p>
+            <a:r>
+              <a:rPr lang="ro-RO" sz="1600" b="1" dirty="0" smtClean="0">
+                <a:solidFill>
+                  <a:srgbClr val="000090"/>
+                </a:solidFill>
+                <a:latin typeface="Courier New"/>
+                <a:cs typeface="Courier New"/>
+              </a:rPr>
+              <a:t>val </a:t>
+            </a:r>
+            <a:r>
+              <a:rPr lang="ro-RO" sz="1600" dirty="0" smtClean="0">
+                <a:solidFill>
+                  <a:srgbClr val="000090"/>
+                </a:solidFill>
+                <a:latin typeface="Courier New"/>
+                <a:cs typeface="Courier New"/>
+              </a:rPr>
+              <a:t>customers = List</a:t>
+            </a:r>
+            <a:r>
+              <a:rPr lang="ro-RO" sz="1600" dirty="0">
+                <a:solidFill>
+                  <a:srgbClr val="000090"/>
+                </a:solidFill>
+                <a:latin typeface="Courier New"/>
+                <a:cs typeface="Courier New"/>
+              </a:rPr>
+              <a:t>(Customer(1, "Jamie", "Allen"), Customer(5, "John", "Doe"), Customer(2, "Jane", "Smith")</a:t>
+            </a:r>
+            <a:r>
+              <a:rPr lang="ro-RO" sz="1600" dirty="0" smtClean="0">
+                <a:solidFill>
+                  <a:srgbClr val="000090"/>
+                </a:solidFill>
+                <a:latin typeface="Courier New"/>
+                <a:cs typeface="Courier New"/>
+              </a:rPr>
+              <a:t>)</a:t>
+            </a:r>
+          </a:p>
+          <a:p>
+            <a:r>
+              <a:rPr lang="ro-RO" sz="1600" b="1" dirty="0" smtClean="0">
+                <a:solidFill>
+                  <a:srgbClr val="000090"/>
+                </a:solidFill>
+                <a:latin typeface="Courier New"/>
+                <a:cs typeface="Courier New"/>
+              </a:rPr>
+              <a:t>val </a:t>
+            </a:r>
+            <a:r>
+              <a:rPr lang="ro-RO" sz="1600" dirty="0" smtClean="0">
+                <a:solidFill>
+                  <a:srgbClr val="000090"/>
+                </a:solidFill>
+                <a:latin typeface="Courier New"/>
+                <a:cs typeface="Courier New"/>
+              </a:rPr>
+              <a:t>sortedCustomers = customers.sorted(CustomerIdSort)</a:t>
+            </a:r>
+          </a:p>
+          <a:p>
+            <a:r>
+              <a:rPr lang="ro-RO" sz="1600" dirty="0" smtClean="0">
+                <a:solidFill>
+                  <a:srgbClr val="000090"/>
+                </a:solidFill>
+                <a:latin typeface="Courier New"/>
+                <a:cs typeface="Courier New"/>
+              </a:rPr>
+              <a:t>sortedCustomers: </a:t>
+            </a:r>
+            <a:r>
+              <a:rPr lang="ro-RO" sz="1600" dirty="0">
+                <a:solidFill>
+                  <a:srgbClr val="000090"/>
+                </a:solidFill>
+                <a:latin typeface="Courier New"/>
+                <a:cs typeface="Courier New"/>
+              </a:rPr>
+              <a:t>List[Customer] = List(Customer(1,Jamie,Allen), Customer(2,Jane,Smith), Customer(5,John,Doe))</a:t>
             </a:r>
           </a:p>
         </p:txBody>
@@ -17851,7 +17288,7 @@
     </p:spTree>
     <p:extLst>
       <p:ext uri="{BB962C8B-B14F-4D97-AF65-F5344CB8AC3E}">
-        <p14:creationId xmlns:p14="http://schemas.microsoft.com/office/powerpoint/2010/main" val="1284045958"/>
+        <p14:creationId xmlns:p14="http://schemas.microsoft.com/office/powerpoint/2010/main" val="2399390320"/>
       </p:ext>
     </p:extLst>
   </p:cSld>
@@ -17979,6 +17416,29 @@
       </p:grpSpPr>
       <p:sp>
         <p:nvSpPr>
+          <p:cNvPr id="2" name="Title 1"/>
+          <p:cNvSpPr>
+            <a:spLocks noGrp="1"/>
+          </p:cNvSpPr>
+          <p:nvPr>
+            <p:ph type="title"/>
+          </p:nvPr>
+        </p:nvSpPr>
+        <p:spPr/>
+        <p:txBody>
+          <a:bodyPr/>
+          <a:lstStyle/>
+          <a:p>
+            <a:r>
+              <a:rPr lang="en-US" dirty="0" smtClean="0"/>
+              <a:t>Type Classes II</a:t>
+            </a:r>
+            <a:endParaRPr lang="en-US" dirty="0"/>
+          </a:p>
+        </p:txBody>
+      </p:sp>
+      <p:sp>
+        <p:nvSpPr>
           <p:cNvPr id="3" name="Content Placeholder 2"/>
           <p:cNvSpPr>
             <a:spLocks noGrp="1"/>
@@ -17989,31 +17449,442 @@
         </p:nvSpPr>
         <p:spPr>
           <a:xfrm>
-            <a:off x="457200" y="1600200"/>
-            <a:ext cx="8229600" cy="1149163"/>
+            <a:off x="457200" y="4335110"/>
+            <a:ext cx="8229600" cy="1791053"/>
           </a:xfrm>
         </p:spPr>
         <p:txBody>
           <a:bodyPr>
-            <a:noAutofit/>
+            <a:normAutofit/>
           </a:bodyPr>
           <a:lstStyle/>
           <a:p>
-            <a:pPr marL="0" indent="0" algn="ctr">
-              <a:buNone/>
-            </a:pPr>
-            <a:r>
-              <a:rPr lang="en-US" sz="6400" b="1" dirty="0" err="1" smtClean="0"/>
-              <a:t>Implicits</a:t>
-            </a:r>
-            <a:endParaRPr lang="en-US" sz="6400" b="1" dirty="0"/>
+            <a:r>
+              <a:rPr lang="en-US" dirty="0" smtClean="0"/>
+              <a:t>Allows you to generalize types that are acceptable parameters for methods</a:t>
+            </a:r>
+          </a:p>
+        </p:txBody>
+      </p:sp>
+      <p:sp>
+        <p:nvSpPr>
+          <p:cNvPr id="6" name="TextBox 5"/>
+          <p:cNvSpPr txBox="1"/>
+          <p:nvPr/>
+        </p:nvSpPr>
+        <p:spPr>
+          <a:xfrm>
+            <a:off x="317500" y="1288122"/>
+            <a:ext cx="8509000" cy="3046988"/>
+          </a:xfrm>
+          <a:prstGeom prst="rect">
+            <a:avLst/>
+          </a:prstGeom>
+          <a:noFill/>
+        </p:spPr>
+        <p:txBody>
+          <a:bodyPr wrap="square" rtlCol="0">
+            <a:spAutoFit/>
+          </a:bodyPr>
+          <a:lstStyle/>
+          <a:p>
+            <a:r>
+              <a:rPr lang="ro-RO" sz="1600" b="1" dirty="0" smtClean="0">
+                <a:solidFill>
+                  <a:srgbClr val="000090"/>
+                </a:solidFill>
+                <a:latin typeface="Courier New"/>
+                <a:cs typeface="Courier New"/>
+              </a:rPr>
+              <a:t>case class </a:t>
+            </a:r>
+            <a:r>
+              <a:rPr lang="ro-RO" sz="1600" dirty="0" smtClean="0">
+                <a:solidFill>
+                  <a:srgbClr val="000090"/>
+                </a:solidFill>
+                <a:latin typeface="Courier New"/>
+                <a:cs typeface="Courier New"/>
+              </a:rPr>
+              <a:t>Dog(name: String)</a:t>
+            </a:r>
+          </a:p>
+          <a:p>
+            <a:r>
+              <a:rPr lang="ro-RO" sz="1600" b="1" dirty="0" smtClean="0">
+                <a:solidFill>
+                  <a:srgbClr val="000090"/>
+                </a:solidFill>
+                <a:latin typeface="Courier New"/>
+                <a:cs typeface="Courier New"/>
+              </a:rPr>
+              <a:t>case class </a:t>
+            </a:r>
+            <a:r>
+              <a:rPr lang="ro-RO" sz="1600" dirty="0" smtClean="0">
+                <a:solidFill>
+                  <a:srgbClr val="000090"/>
+                </a:solidFill>
+                <a:latin typeface="Courier New"/>
+                <a:cs typeface="Courier New"/>
+              </a:rPr>
+              <a:t>Ferret(name: String)</a:t>
+            </a:r>
+          </a:p>
+          <a:p>
+            <a:r>
+              <a:rPr lang="ro-RO" sz="1600" b="1" dirty="0" smtClean="0">
+                <a:solidFill>
+                  <a:srgbClr val="000090"/>
+                </a:solidFill>
+                <a:latin typeface="Courier New"/>
+                <a:cs typeface="Courier New"/>
+              </a:rPr>
+              <a:t>case class </a:t>
+            </a:r>
+            <a:r>
+              <a:rPr lang="ro-RO" sz="1600" dirty="0" smtClean="0">
+                <a:solidFill>
+                  <a:srgbClr val="000090"/>
+                </a:solidFill>
+                <a:latin typeface="Courier New"/>
+                <a:cs typeface="Courier New"/>
+              </a:rPr>
+              <a:t>Cat(name: String)</a:t>
+            </a:r>
+          </a:p>
+          <a:p>
+            <a:r>
+              <a:rPr lang="ro-RO" sz="1600" b="1" dirty="0" smtClean="0">
+                <a:solidFill>
+                  <a:srgbClr val="000090"/>
+                </a:solidFill>
+                <a:latin typeface="Courier New"/>
+                <a:cs typeface="Courier New"/>
+              </a:rPr>
+              <a:t>abstract class </a:t>
+            </a:r>
+            <a:r>
+              <a:rPr lang="ro-RO" sz="1600" dirty="0" smtClean="0">
+                <a:solidFill>
+                  <a:srgbClr val="000090"/>
+                </a:solidFill>
+                <a:latin typeface="Courier New"/>
+                <a:cs typeface="Courier New"/>
+              </a:rPr>
+              <a:t>OkayPets[T]</a:t>
+            </a:r>
+            <a:br>
+              <a:rPr lang="ro-RO" sz="1600" dirty="0" smtClean="0">
+                <a:solidFill>
+                  <a:srgbClr val="000090"/>
+                </a:solidFill>
+                <a:latin typeface="Courier New"/>
+                <a:cs typeface="Courier New"/>
+              </a:rPr>
+            </a:br>
+            <a:r>
+              <a:rPr lang="ro-RO" sz="1600" b="1" dirty="0">
+                <a:solidFill>
+                  <a:srgbClr val="000090"/>
+                </a:solidFill>
+                <a:latin typeface="Courier New"/>
+                <a:cs typeface="Courier New"/>
+              </a:rPr>
+              <a:t>object </a:t>
+            </a:r>
+            <a:r>
+              <a:rPr lang="ro-RO" sz="1600" dirty="0" smtClean="0">
+                <a:solidFill>
+                  <a:srgbClr val="000090"/>
+                </a:solidFill>
+                <a:latin typeface="Courier New"/>
+                <a:cs typeface="Courier New"/>
+              </a:rPr>
+              <a:t>OkayPets </a:t>
+            </a:r>
+            <a:r>
+              <a:rPr lang="ro-RO" sz="1600" dirty="0">
+                <a:solidFill>
+                  <a:srgbClr val="000090"/>
+                </a:solidFill>
+                <a:latin typeface="Courier New"/>
+                <a:cs typeface="Courier New"/>
+              </a:rPr>
+              <a:t>{</a:t>
+            </a:r>
+            <a:endParaRPr lang="ro-RO" sz="1600" dirty="0" smtClean="0">
+              <a:solidFill>
+                <a:srgbClr val="000090"/>
+              </a:solidFill>
+              <a:latin typeface="Courier New"/>
+              <a:cs typeface="Courier New"/>
+            </a:endParaRPr>
+          </a:p>
+          <a:p>
+            <a:r>
+              <a:rPr lang="ro-RO" sz="1600" dirty="0">
+                <a:solidFill>
+                  <a:srgbClr val="000090"/>
+                </a:solidFill>
+                <a:latin typeface="Courier New"/>
+                <a:cs typeface="Courier New"/>
+              </a:rPr>
+              <a:t> </a:t>
+            </a:r>
+            <a:r>
+              <a:rPr lang="ro-RO" sz="1600" dirty="0" smtClean="0">
+                <a:solidFill>
+                  <a:srgbClr val="000090"/>
+                </a:solidFill>
+                <a:latin typeface="Courier New"/>
+                <a:cs typeface="Courier New"/>
+              </a:rPr>
+              <a:t> </a:t>
+            </a:r>
+            <a:r>
+              <a:rPr lang="ro-RO" sz="1600" b="1" dirty="0" smtClean="0">
+                <a:solidFill>
+                  <a:srgbClr val="000090"/>
+                </a:solidFill>
+                <a:latin typeface="Courier New"/>
+                <a:cs typeface="Courier New"/>
+              </a:rPr>
+              <a:t>implicit object </a:t>
+            </a:r>
+            <a:r>
+              <a:rPr lang="ro-RO" sz="1600" dirty="0" smtClean="0">
+                <a:solidFill>
+                  <a:srgbClr val="000090"/>
+                </a:solidFill>
+                <a:latin typeface="Courier New"/>
+                <a:cs typeface="Courier New"/>
+              </a:rPr>
+              <a:t>OkayDog </a:t>
+            </a:r>
+            <a:r>
+              <a:rPr lang="ro-RO" sz="1600" b="1" dirty="0" smtClean="0">
+                <a:solidFill>
+                  <a:srgbClr val="000090"/>
+                </a:solidFill>
+                <a:latin typeface="Courier New"/>
+                <a:cs typeface="Courier New"/>
+              </a:rPr>
+              <a:t>extends </a:t>
+            </a:r>
+            <a:r>
+              <a:rPr lang="ro-RO" sz="1600" dirty="0" smtClean="0">
+                <a:solidFill>
+                  <a:srgbClr val="000090"/>
+                </a:solidFill>
+                <a:latin typeface="Courier New"/>
+                <a:cs typeface="Courier New"/>
+              </a:rPr>
+              <a:t>OkayPets[Dog]</a:t>
+            </a:r>
+          </a:p>
+          <a:p>
+            <a:r>
+              <a:rPr lang="ro-RO" sz="1600" dirty="0">
+                <a:solidFill>
+                  <a:srgbClr val="000090"/>
+                </a:solidFill>
+                <a:latin typeface="Courier New"/>
+                <a:cs typeface="Courier New"/>
+              </a:rPr>
+              <a:t> </a:t>
+            </a:r>
+            <a:r>
+              <a:rPr lang="ro-RO" sz="1600" dirty="0" smtClean="0">
+                <a:solidFill>
+                  <a:srgbClr val="000090"/>
+                </a:solidFill>
+                <a:latin typeface="Courier New"/>
+                <a:cs typeface="Courier New"/>
+              </a:rPr>
+              <a:t> </a:t>
+            </a:r>
+            <a:r>
+              <a:rPr lang="ro-RO" sz="1600" b="1" dirty="0" smtClean="0">
+                <a:solidFill>
+                  <a:srgbClr val="000090"/>
+                </a:solidFill>
+                <a:latin typeface="Courier New"/>
+                <a:cs typeface="Courier New"/>
+              </a:rPr>
+              <a:t>implicit object </a:t>
+            </a:r>
+            <a:r>
+              <a:rPr lang="ro-RO" sz="1600" dirty="0" smtClean="0">
+                <a:solidFill>
+                  <a:srgbClr val="000090"/>
+                </a:solidFill>
+                <a:latin typeface="Courier New"/>
+                <a:cs typeface="Courier New"/>
+              </a:rPr>
+              <a:t>OkayFerret </a:t>
+            </a:r>
+            <a:r>
+              <a:rPr lang="ro-RO" sz="1600" b="1" dirty="0">
+                <a:solidFill>
+                  <a:srgbClr val="000090"/>
+                </a:solidFill>
+                <a:latin typeface="Courier New"/>
+                <a:cs typeface="Courier New"/>
+              </a:rPr>
+              <a:t>extends </a:t>
+            </a:r>
+            <a:r>
+              <a:rPr lang="ro-RO" sz="1600" dirty="0" smtClean="0">
+                <a:solidFill>
+                  <a:srgbClr val="000090"/>
+                </a:solidFill>
+                <a:latin typeface="Courier New"/>
+                <a:cs typeface="Courier New"/>
+              </a:rPr>
+              <a:t>OkayPets[Ferret]</a:t>
+            </a:r>
+          </a:p>
+          <a:p>
+            <a:r>
+              <a:rPr lang="ro-RO" sz="1600" dirty="0" smtClean="0">
+                <a:solidFill>
+                  <a:srgbClr val="000090"/>
+                </a:solidFill>
+                <a:latin typeface="Courier New"/>
+                <a:cs typeface="Courier New"/>
+              </a:rPr>
+              <a:t>}</a:t>
+            </a:r>
+          </a:p>
+          <a:p>
+            <a:r>
+              <a:rPr lang="ro-RO" sz="1600" b="1" dirty="0" smtClean="0">
+                <a:solidFill>
+                  <a:srgbClr val="000090"/>
+                </a:solidFill>
+                <a:latin typeface="Courier New"/>
+                <a:cs typeface="Courier New"/>
+              </a:rPr>
+              <a:t>def </a:t>
+            </a:r>
+            <a:r>
+              <a:rPr lang="ro-RO" sz="1600" dirty="0" smtClean="0">
+                <a:solidFill>
+                  <a:srgbClr val="000090"/>
+                </a:solidFill>
+                <a:latin typeface="Courier New"/>
+                <a:cs typeface="Courier New"/>
+              </a:rPr>
+              <a:t>getPet[T](t: T)(</a:t>
+            </a:r>
+            <a:r>
+              <a:rPr lang="ro-RO" sz="1600" b="1" dirty="0" smtClean="0">
+                <a:solidFill>
+                  <a:srgbClr val="000090"/>
+                </a:solidFill>
+                <a:latin typeface="Courier New"/>
+                <a:cs typeface="Courier New"/>
+              </a:rPr>
+              <a:t>implicit </a:t>
+            </a:r>
+            <a:r>
+              <a:rPr lang="ro-RO" sz="1600" dirty="0" smtClean="0">
+                <a:solidFill>
+                  <a:srgbClr val="000090"/>
+                </a:solidFill>
+                <a:latin typeface="Courier New"/>
+                <a:cs typeface="Courier New"/>
+              </a:rPr>
+              <a:t>p: OkayPets[T]) = t</a:t>
+            </a:r>
+          </a:p>
+          <a:p>
+            <a:endParaRPr lang="ro-RO" sz="1600" dirty="0">
+              <a:solidFill>
+                <a:srgbClr val="000090"/>
+              </a:solidFill>
+              <a:latin typeface="Courier New"/>
+              <a:cs typeface="Courier New"/>
+            </a:endParaRPr>
+          </a:p>
+          <a:p>
+            <a:r>
+              <a:rPr lang="ro-RO" sz="1600" b="1" dirty="0" smtClean="0">
+                <a:solidFill>
+                  <a:srgbClr val="000090"/>
+                </a:solidFill>
+                <a:latin typeface="Courier New"/>
+                <a:cs typeface="Courier New"/>
+              </a:rPr>
+              <a:t>val </a:t>
+            </a:r>
+            <a:r>
+              <a:rPr lang="ro-RO" sz="1600" dirty="0" smtClean="0">
+                <a:solidFill>
+                  <a:srgbClr val="000090"/>
+                </a:solidFill>
+                <a:latin typeface="Courier New"/>
+                <a:cs typeface="Courier New"/>
+              </a:rPr>
+              <a:t>myDog = </a:t>
+            </a:r>
+            <a:r>
+              <a:rPr lang="ro-RO" sz="1600" dirty="0">
+                <a:solidFill>
+                  <a:srgbClr val="000090"/>
+                </a:solidFill>
+                <a:latin typeface="Courier New"/>
+                <a:cs typeface="Courier New"/>
+              </a:rPr>
+              <a:t>getPet(Dog("Sparky")</a:t>
+            </a:r>
+            <a:r>
+              <a:rPr lang="ro-RO" sz="1600" dirty="0" smtClean="0">
+                <a:solidFill>
+                  <a:srgbClr val="000090"/>
+                </a:solidFill>
+                <a:latin typeface="Courier New"/>
+                <a:cs typeface="Courier New"/>
+              </a:rPr>
+              <a:t>) // Works</a:t>
+            </a:r>
+          </a:p>
+          <a:p>
+            <a:r>
+              <a:rPr lang="ro-RO" sz="1600" b="1" dirty="0" smtClean="0">
+                <a:solidFill>
+                  <a:srgbClr val="000090"/>
+                </a:solidFill>
+                <a:latin typeface="Courier New"/>
+                <a:cs typeface="Courier New"/>
+              </a:rPr>
+              <a:t>val </a:t>
+            </a:r>
+            <a:r>
+              <a:rPr lang="ro-RO" sz="1600" dirty="0" smtClean="0">
+                <a:solidFill>
+                  <a:srgbClr val="000090"/>
+                </a:solidFill>
+                <a:latin typeface="Courier New"/>
+                <a:cs typeface="Courier New"/>
+              </a:rPr>
+              <a:t>myCat = getPet(Cat("Sneezy")) // Fails at compile time</a:t>
+            </a:r>
+            <a:endParaRPr lang="ro-RO" sz="1600" dirty="0">
+              <a:solidFill>
+                <a:srgbClr val="000090"/>
+              </a:solidFill>
+              <a:latin typeface="Courier New"/>
+              <a:cs typeface="Courier New"/>
+            </a:endParaRPr>
           </a:p>
         </p:txBody>
       </p:sp>
     </p:spTree>
     <p:extLst>
       <p:ext uri="{BB962C8B-B14F-4D97-AF65-F5344CB8AC3E}">
-        <p14:creationId xmlns:p14="http://schemas.microsoft.com/office/powerpoint/2010/main" val="2323729884"/>
+        <p14:creationId xmlns:p14="http://schemas.microsoft.com/office/powerpoint/2010/main" val="3425135067"/>
       </p:ext>
     </p:extLst>
   </p:cSld>
@@ -18066,46 +17937,129 @@
           <a:p>
             <a:r>
               <a:rPr lang="en-US" dirty="0" smtClean="0"/>
-              <a:t>Implicit Conversions</a:t>
+              <a:t>Higher </a:t>
+            </a:r>
+            <a:r>
+              <a:rPr lang="en-US" dirty="0" err="1" smtClean="0"/>
+              <a:t>Kinded</a:t>
+            </a:r>
+            <a:r>
+              <a:rPr lang="en-US" dirty="0" smtClean="0"/>
+              <a:t> Types</a:t>
             </a:r>
             <a:endParaRPr lang="en-US" dirty="0"/>
           </a:p>
         </p:txBody>
       </p:sp>
-      <p:pic>
-        <p:nvPicPr>
-          <p:cNvPr id="3" name="Picture 2" descr="double_facepalm.jpg"/>
-          <p:cNvPicPr>
-            <a:picLocks noChangeAspect="1"/>
-          </p:cNvPicPr>
+      <p:sp>
+        <p:nvSpPr>
+          <p:cNvPr id="4" name="TextBox 3"/>
+          <p:cNvSpPr txBox="1"/>
           <p:nvPr/>
-        </p:nvPicPr>
-        <p:blipFill>
-          <a:blip r:embed="rId3">
-            <a:extLst>
-              <a:ext uri="{28A0092B-C50C-407E-A947-70E740481C1C}">
-                <a14:useLocalDpi xmlns:a14="http://schemas.microsoft.com/office/drawing/2010/main" val="0"/>
-              </a:ext>
-            </a:extLst>
-          </a:blip>
-          <a:stretch>
-            <a:fillRect/>
-          </a:stretch>
-        </p:blipFill>
+        </p:nvSpPr>
         <p:spPr>
           <a:xfrm>
-            <a:off x="1765300" y="1417638"/>
-            <a:ext cx="5613400" cy="4490720"/>
+            <a:off x="317500" y="1288122"/>
+            <a:ext cx="8509000" cy="830997"/>
           </a:xfrm>
           <a:prstGeom prst="rect">
             <a:avLst/>
           </a:prstGeom>
+          <a:noFill/>
         </p:spPr>
-      </p:pic>
+        <p:txBody>
+          <a:bodyPr wrap="square" rtlCol="0">
+            <a:spAutoFit/>
+          </a:bodyPr>
+          <a:lstStyle/>
+          <a:p>
+            <a:r>
+              <a:rPr lang="ro-RO" sz="1600" dirty="0" smtClean="0">
+                <a:solidFill>
+                  <a:srgbClr val="000090"/>
+                </a:solidFill>
+                <a:latin typeface="Courier New"/>
+                <a:cs typeface="Courier New"/>
+              </a:rPr>
+              <a:t>Map[A, B] // Type constructor, not a type!</a:t>
+            </a:r>
+          </a:p>
+          <a:p>
+            <a:endParaRPr lang="ro-RO" sz="1600" dirty="0" smtClean="0">
+              <a:solidFill>
+                <a:srgbClr val="000090"/>
+              </a:solidFill>
+              <a:latin typeface="Courier New"/>
+              <a:cs typeface="Courier New"/>
+            </a:endParaRPr>
+          </a:p>
+          <a:p>
+            <a:r>
+              <a:rPr lang="ro-RO" sz="1600" b="1" dirty="0" smtClean="0">
+                <a:solidFill>
+                  <a:srgbClr val="000090"/>
+                </a:solidFill>
+                <a:latin typeface="Courier New"/>
+                <a:cs typeface="Courier New"/>
+              </a:rPr>
+              <a:t>val</a:t>
+            </a:r>
+            <a:r>
+              <a:rPr lang="ro-RO" sz="1600" dirty="0" smtClean="0">
+                <a:solidFill>
+                  <a:srgbClr val="000090"/>
+                </a:solidFill>
+                <a:latin typeface="Courier New"/>
+                <a:cs typeface="Courier New"/>
+              </a:rPr>
+              <a:t> myMap = Map[Int, String]() // Now it’s a type!</a:t>
+            </a:r>
+          </a:p>
+        </p:txBody>
+      </p:sp>
+      <p:sp>
+        <p:nvSpPr>
+          <p:cNvPr id="6" name="Content Placeholder 2"/>
+          <p:cNvSpPr>
+            <a:spLocks noGrp="1"/>
+          </p:cNvSpPr>
+          <p:nvPr>
+            <p:ph idx="1"/>
+          </p:nvPr>
+        </p:nvSpPr>
+        <p:spPr>
+          <a:xfrm>
+            <a:off x="457200" y="3038928"/>
+            <a:ext cx="8229600" cy="2968171"/>
+          </a:xfrm>
+        </p:spPr>
+        <p:txBody>
+          <a:bodyPr>
+            <a:normAutofit/>
+          </a:bodyPr>
+          <a:lstStyle/>
+          <a:p>
+            <a:r>
+              <a:rPr lang="en-US" dirty="0" smtClean="0"/>
+              <a:t>Use </a:t>
+            </a:r>
+            <a:r>
+              <a:rPr lang="en-US" dirty="0" smtClean="0"/>
+              <a:t>other types to construct a new type</a:t>
+            </a:r>
+          </a:p>
+          <a:p>
+            <a:r>
+              <a:rPr lang="en-US" dirty="0" smtClean="0"/>
+              <a:t>Also called type constructors </a:t>
+            </a:r>
+          </a:p>
+        </p:txBody>
+      </p:sp>
     </p:spTree>
     <p:extLst>
       <p:ext uri="{BB962C8B-B14F-4D97-AF65-F5344CB8AC3E}">
-        <p14:creationId xmlns:p14="http://schemas.microsoft.com/office/powerpoint/2010/main" val="475494384"/>
+        <p14:creationId xmlns:p14="http://schemas.microsoft.com/office/powerpoint/2010/main" val="1907729292"/>
       </p:ext>
     </p:extLst>
   </p:cSld>
@@ -18158,7 +18112,7 @@
           <a:p>
             <a:r>
               <a:rPr lang="en-US" dirty="0" smtClean="0"/>
-              <a:t>Implicit Conversions</a:t>
+              <a:t>Algebraic Data Types</a:t>
             </a:r>
             <a:endParaRPr lang="en-US" dirty="0"/>
           </a:p>
@@ -18173,7 +18127,7 @@
         <p:spPr>
           <a:xfrm>
             <a:off x="317500" y="1288122"/>
-            <a:ext cx="8509000" cy="1815882"/>
+            <a:ext cx="8509000" cy="3293209"/>
           </a:xfrm>
           <a:prstGeom prst="rect">
             <a:avLst/>
@@ -18194,7 +18148,7 @@
                 <a:latin typeface="Courier New"/>
                 <a:cs typeface="Courier New"/>
               </a:rPr>
-              <a:t>case class </a:t>
+              <a:t>sealed abstract class </a:t>
             </a:r>
             <a:r>
               <a:rPr lang="ro-RO" sz="1600" dirty="0" smtClean="0">
@@ -18204,7 +18158,7 @@
                 <a:latin typeface="Courier New"/>
                 <a:cs typeface="Courier New"/>
               </a:rPr>
-              <a:t>Person(firstName: String, lastName: String)</a:t>
+              <a:t>DayOfTheWeek</a:t>
             </a:r>
           </a:p>
           <a:p>
@@ -18216,7 +18170,7 @@
                 <a:latin typeface="Courier New"/>
                 <a:cs typeface="Courier New"/>
               </a:rPr>
-              <a:t>implicit def </a:t>
+              <a:t>case object </a:t>
             </a:r>
             <a:r>
               <a:rPr lang="ro-RO" sz="1600" dirty="0" smtClean="0">
@@ -18226,15 +18180,124 @@
                 <a:latin typeface="Courier New"/>
                 <a:cs typeface="Courier New"/>
               </a:rPr>
-              <a:t>PersonToInt(p: Person) = p.toString.head.toInt</a:t>
-            </a:r>
-            <a:endParaRPr lang="ro-RO" sz="1600" dirty="0">
-              <a:solidFill>
-                <a:srgbClr val="000090"/>
-              </a:solidFill>
-              <a:latin typeface="Courier New"/>
-              <a:cs typeface="Courier New"/>
-            </a:endParaRPr>
+              <a:t>Sunday </a:t>
+            </a:r>
+            <a:r>
+              <a:rPr lang="ro-RO" sz="1600" b="1" dirty="0" smtClean="0">
+                <a:solidFill>
+                  <a:srgbClr val="000090"/>
+                </a:solidFill>
+                <a:latin typeface="Courier New"/>
+                <a:cs typeface="Courier New"/>
+              </a:rPr>
+              <a:t>extends </a:t>
+            </a:r>
+            <a:r>
+              <a:rPr lang="ro-RO" sz="1600" dirty="0" smtClean="0">
+                <a:solidFill>
+                  <a:srgbClr val="000090"/>
+                </a:solidFill>
+                <a:latin typeface="Courier New"/>
+                <a:cs typeface="Courier New"/>
+              </a:rPr>
+              <a:t>DayOfTheWeek</a:t>
+            </a:r>
+          </a:p>
+          <a:p>
+            <a:r>
+              <a:rPr lang="ro-RO" sz="1600" b="1" dirty="0" smtClean="0">
+                <a:solidFill>
+                  <a:srgbClr val="000090"/>
+                </a:solidFill>
+                <a:latin typeface="Courier New"/>
+                <a:cs typeface="Courier New"/>
+              </a:rPr>
+              <a:t>case object </a:t>
+            </a:r>
+            <a:r>
+              <a:rPr lang="ro-RO" sz="1600" dirty="0" smtClean="0">
+                <a:solidFill>
+                  <a:srgbClr val="000090"/>
+                </a:solidFill>
+                <a:latin typeface="Courier New"/>
+                <a:cs typeface="Courier New"/>
+              </a:rPr>
+              <a:t>Monday </a:t>
+            </a:r>
+            <a:r>
+              <a:rPr lang="ro-RO" sz="1600" b="1" dirty="0" smtClean="0">
+                <a:solidFill>
+                  <a:srgbClr val="000090"/>
+                </a:solidFill>
+                <a:latin typeface="Courier New"/>
+                <a:cs typeface="Courier New"/>
+              </a:rPr>
+              <a:t>extends </a:t>
+            </a:r>
+            <a:r>
+              <a:rPr lang="ro-RO" sz="1600" dirty="0" smtClean="0">
+                <a:solidFill>
+                  <a:srgbClr val="000090"/>
+                </a:solidFill>
+                <a:latin typeface="Courier New"/>
+                <a:cs typeface="Courier New"/>
+              </a:rPr>
+              <a:t>DayOfTheWeek</a:t>
+            </a:r>
+          </a:p>
+          <a:p>
+            <a:r>
+              <a:rPr lang="ro-RO" sz="1600" dirty="0" smtClean="0">
+                <a:solidFill>
+                  <a:srgbClr val="000090"/>
+                </a:solidFill>
+                <a:latin typeface="Courier New"/>
+                <a:cs typeface="Courier New"/>
+              </a:rPr>
+              <a:t>  ...</a:t>
+            </a:r>
+          </a:p>
+          <a:p>
+            <a:r>
+              <a:rPr lang="ro-RO" sz="1600" b="1" dirty="0" smtClean="0">
+                <a:solidFill>
+                  <a:srgbClr val="000090"/>
+                </a:solidFill>
+                <a:latin typeface="Courier New"/>
+                <a:cs typeface="Courier New"/>
+              </a:rPr>
+              <a:t>case object </a:t>
+            </a:r>
+            <a:r>
+              <a:rPr lang="ro-RO" sz="1600" dirty="0" smtClean="0">
+                <a:solidFill>
+                  <a:srgbClr val="000090"/>
+                </a:solidFill>
+                <a:latin typeface="Courier New"/>
+                <a:cs typeface="Courier New"/>
+              </a:rPr>
+              <a:t>Saturday </a:t>
+            </a:r>
+            <a:r>
+              <a:rPr lang="ro-RO" sz="1600" b="1" dirty="0" smtClean="0">
+                <a:solidFill>
+                  <a:srgbClr val="000090"/>
+                </a:solidFill>
+                <a:latin typeface="Courier New"/>
+                <a:cs typeface="Courier New"/>
+              </a:rPr>
+              <a:t>extends </a:t>
+            </a:r>
+            <a:r>
+              <a:rPr lang="ro-RO" sz="1600" dirty="0" smtClean="0">
+                <a:solidFill>
+                  <a:srgbClr val="000090"/>
+                </a:solidFill>
+                <a:latin typeface="Courier New"/>
+                <a:cs typeface="Courier New"/>
+              </a:rPr>
+              <a:t>DayOfTheWeek</a:t>
+            </a:r>
           </a:p>
           <a:p>
             <a:endParaRPr lang="ro-RO" sz="1600" dirty="0" smtClean="0">
@@ -18254,7 +18317,7 @@
                 <a:latin typeface="Courier New"/>
                 <a:cs typeface="Courier New"/>
               </a:rPr>
-              <a:t>val </a:t>
+              <a:t>val</a:t>
             </a:r>
             <a:r>
               <a:rPr lang="ro-RO" sz="1600" dirty="0" smtClean="0">
@@ -18264,19 +18327,28 @@
                 <a:latin typeface="Courier New"/>
                 <a:cs typeface="Courier New"/>
               </a:rPr>
-              <a:t>me = Person("Jamie", "Allen")</a:t>
-            </a:r>
-          </a:p>
-          <a:p>
-            <a:endParaRPr lang="ro-RO" sz="1600" dirty="0" smtClean="0">
-              <a:solidFill>
-                <a:srgbClr val="000090"/>
-              </a:solidFill>
-              <a:latin typeface="Courier New"/>
-              <a:cs typeface="Courier New"/>
-            </a:endParaRPr>
-          </a:p>
-          <a:p>
+              <a:t> nextDay(d</a:t>
+            </a:r>
+            <a:r>
+              <a:rPr lang="ro-RO" sz="1600" dirty="0">
+                <a:solidFill>
+                  <a:srgbClr val="000090"/>
+                </a:solidFill>
+                <a:latin typeface="Courier New"/>
+                <a:cs typeface="Courier New"/>
+              </a:rPr>
+              <a:t>: </a:t>
+            </a:r>
+            <a:r>
+              <a:rPr lang="ro-RO" sz="1600" dirty="0" smtClean="0">
+                <a:solidFill>
+                  <a:srgbClr val="000090"/>
+                </a:solidFill>
+                <a:latin typeface="Courier New"/>
+                <a:cs typeface="Courier New"/>
+              </a:rPr>
+              <a:t>DayOfTheWeek): DayOfTheWeek = d </a:t>
+            </a:r>
             <a:r>
               <a:rPr lang="ro-RO" sz="1600" b="1" dirty="0" smtClean="0">
                 <a:solidFill>
@@ -18285,7 +18357,7 @@
                 <a:latin typeface="Courier New"/>
                 <a:cs typeface="Courier New"/>
               </a:rPr>
-              <a:t>val </a:t>
+              <a:t>match</a:t>
             </a:r>
             <a:r>
               <a:rPr lang="ro-RO" sz="1600" dirty="0" smtClean="0">
@@ -18295,40 +18367,10 @@
                 <a:latin typeface="Courier New"/>
                 <a:cs typeface="Courier New"/>
               </a:rPr>
-              <a:t>weird = 1 + me </a:t>
-            </a:r>
-          </a:p>
-          <a:p>
-            <a:r>
-              <a:rPr lang="cs-CZ" sz="1600" dirty="0" smtClean="0">
-                <a:solidFill>
-                  <a:srgbClr val="000090"/>
-                </a:solidFill>
-                <a:latin typeface="Courier New"/>
-                <a:cs typeface="Courier New"/>
-              </a:rPr>
-              <a:t>res0: </a:t>
-            </a:r>
-            <a:r>
-              <a:rPr lang="cs-CZ" sz="1600" dirty="0" err="1" smtClean="0">
-                <a:solidFill>
-                  <a:srgbClr val="000090"/>
-                </a:solidFill>
-                <a:latin typeface="Courier New"/>
-                <a:cs typeface="Courier New"/>
-              </a:rPr>
-              <a:t>Int</a:t>
-            </a:r>
-            <a:r>
-              <a:rPr lang="cs-CZ" sz="1600" dirty="0" smtClean="0">
-                <a:solidFill>
-                  <a:srgbClr val="000090"/>
-                </a:solidFill>
-                <a:latin typeface="Courier New"/>
-                <a:cs typeface="Courier New"/>
-              </a:rPr>
-              <a:t> = 81</a:t>
-            </a:r>
+              <a:t> {</a:t>
+            </a:r>
+          </a:p>
+          <a:p>
             <a:r>
               <a:rPr lang="ro-RO" sz="1600" dirty="0" smtClean="0">
                 <a:solidFill>
@@ -18337,7 +18379,127 @@
                 <a:latin typeface="Courier New"/>
                 <a:cs typeface="Courier New"/>
               </a:rPr>
-              <a:t> </a:t>
+              <a:t>    </a:t>
+            </a:r>
+            <a:r>
+              <a:rPr lang="ro-RO" sz="1600" b="1" dirty="0" smtClean="0">
+                <a:solidFill>
+                  <a:srgbClr val="000090"/>
+                </a:solidFill>
+                <a:latin typeface="Courier New"/>
+                <a:cs typeface="Courier New"/>
+              </a:rPr>
+              <a:t>case</a:t>
+            </a:r>
+            <a:r>
+              <a:rPr lang="ro-RO" sz="1600" dirty="0" smtClean="0">
+                <a:solidFill>
+                  <a:srgbClr val="000090"/>
+                </a:solidFill>
+                <a:latin typeface="Courier New"/>
+                <a:cs typeface="Courier New"/>
+              </a:rPr>
+              <a:t> Sunday =&gt; Monday</a:t>
+            </a:r>
+          </a:p>
+          <a:p>
+            <a:r>
+              <a:rPr lang="ro-RO" sz="1600" dirty="0" smtClean="0">
+                <a:solidFill>
+                  <a:srgbClr val="000090"/>
+                </a:solidFill>
+                <a:latin typeface="Courier New"/>
+                <a:cs typeface="Courier New"/>
+              </a:rPr>
+              <a:t>    </a:t>
+            </a:r>
+            <a:r>
+              <a:rPr lang="ro-RO" sz="1600" b="1" dirty="0" smtClean="0">
+                <a:solidFill>
+                  <a:srgbClr val="000090"/>
+                </a:solidFill>
+                <a:latin typeface="Courier New"/>
+                <a:cs typeface="Courier New"/>
+              </a:rPr>
+              <a:t>case</a:t>
+            </a:r>
+            <a:r>
+              <a:rPr lang="ro-RO" sz="1600" dirty="0" smtClean="0">
+                <a:solidFill>
+                  <a:srgbClr val="000090"/>
+                </a:solidFill>
+                <a:latin typeface="Courier New"/>
+                <a:cs typeface="Courier New"/>
+              </a:rPr>
+              <a:t> Monday =&gt; Tuesday</a:t>
+            </a:r>
+          </a:p>
+          <a:p>
+            <a:r>
+              <a:rPr lang="ro-RO" sz="1600" dirty="0" smtClean="0">
+                <a:solidFill>
+                  <a:srgbClr val="000090"/>
+                </a:solidFill>
+                <a:latin typeface="Courier New"/>
+                <a:cs typeface="Courier New"/>
+              </a:rPr>
+              <a:t>    ...</a:t>
+            </a:r>
+          </a:p>
+          <a:p>
+            <a:r>
+              <a:rPr lang="ro-RO" sz="1600" dirty="0" smtClean="0">
+                <a:solidFill>
+                  <a:srgbClr val="000090"/>
+                </a:solidFill>
+                <a:latin typeface="Courier New"/>
+                <a:cs typeface="Courier New"/>
+              </a:rPr>
+              <a:t>    </a:t>
+            </a:r>
+            <a:r>
+              <a:rPr lang="ro-RO" sz="1600" b="1" dirty="0" smtClean="0">
+                <a:solidFill>
+                  <a:srgbClr val="000090"/>
+                </a:solidFill>
+                <a:latin typeface="Courier New"/>
+                <a:cs typeface="Courier New"/>
+              </a:rPr>
+              <a:t>case</a:t>
+            </a:r>
+            <a:r>
+              <a:rPr lang="ro-RO" sz="1600" dirty="0" smtClean="0">
+                <a:solidFill>
+                  <a:srgbClr val="000090"/>
+                </a:solidFill>
+                <a:latin typeface="Courier New"/>
+                <a:cs typeface="Courier New"/>
+              </a:rPr>
+              <a:t> Saturday =&gt; Sunday</a:t>
+            </a:r>
+          </a:p>
+          <a:p>
+            <a:r>
+              <a:rPr lang="ro-RO" sz="1600" dirty="0" smtClean="0">
+                <a:solidFill>
+                  <a:srgbClr val="000090"/>
+                </a:solidFill>
+                <a:latin typeface="Courier New"/>
+                <a:cs typeface="Courier New"/>
+              </a:rPr>
+              <a:t>  }</a:t>
+            </a:r>
+          </a:p>
+          <a:p>
+            <a:r>
+              <a:rPr lang="ro-RO" sz="1600" dirty="0" smtClean="0">
+                <a:solidFill>
+                  <a:srgbClr val="000090"/>
+                </a:solidFill>
+                <a:latin typeface="Courier New"/>
+                <a:cs typeface="Courier New"/>
+              </a:rPr>
+              <a:t>}</a:t>
             </a:r>
           </a:p>
         </p:txBody>
@@ -18354,55 +18516,33 @@
         </p:nvSpPr>
         <p:spPr>
           <a:xfrm>
-            <a:off x="457200" y="3251200"/>
-            <a:ext cx="8229600" cy="2755899"/>
+            <a:off x="457200" y="4581331"/>
+            <a:ext cx="8229600" cy="1425768"/>
           </a:xfrm>
         </p:spPr>
         <p:txBody>
           <a:bodyPr>
-            <a:normAutofit fontScale="92500" lnSpcReduction="10000"/>
+            <a:normAutofit fontScale="62500" lnSpcReduction="20000"/>
           </a:bodyPr>
           <a:lstStyle/>
           <a:p>
             <a:r>
               <a:rPr lang="en-US" dirty="0" smtClean="0"/>
-              <a:t>Looks for definitions at compile time that will satisfy type incompatibilities</a:t>
-            </a:r>
-          </a:p>
-          <a:p>
-            <a:r>
-              <a:rPr lang="en-US" dirty="0" smtClean="0"/>
-              <a:t>Modern IDEs will warn you with an underline when they are in use</a:t>
-            </a:r>
-          </a:p>
-          <a:p>
-            <a:r>
-              <a:rPr lang="en-US" dirty="0" smtClean="0"/>
-              <a:t>Limit scope as much as possible (see </a:t>
-            </a:r>
-            <a:r>
-              <a:rPr lang="en-US" dirty="0" smtClean="0">
-                <a:hlinkClick r:id="rId3"/>
-              </a:rPr>
-              <a:t>Josh Suereth's NE Scala 2011</a:t>
-            </a:r>
-            <a:r>
-              <a:rPr lang="en-US" dirty="0" smtClean="0"/>
-              <a:t>)</a:t>
-            </a:r>
-          </a:p>
-          <a:p>
-            <a:endParaRPr lang="en-US" dirty="0" smtClean="0"/>
-          </a:p>
-          <a:p>
-            <a:endParaRPr lang="en-US" dirty="0" smtClean="0"/>
+              <a:t>Allow you to model the world in finite terms, such as enumerations, but also define behavior around them, with all of the power of case classes</a:t>
+            </a:r>
+          </a:p>
+          <a:p>
+            <a:r>
+              <a:rPr lang="en-US" dirty="0" smtClean="0"/>
+              <a:t>A finite number of possible subtypes, enforced by the "sealed" keyword (must be defined in the same source file)</a:t>
+            </a:r>
           </a:p>
         </p:txBody>
       </p:sp>
     </p:spTree>
     <p:extLst>
       <p:ext uri="{BB962C8B-B14F-4D97-AF65-F5344CB8AC3E}">
-        <p14:creationId xmlns:p14="http://schemas.microsoft.com/office/powerpoint/2010/main" val="2854007454"/>
+        <p14:creationId xmlns:p14="http://schemas.microsoft.com/office/powerpoint/2010/main" val="3906121832"/>
       </p:ext>
     </p:extLst>
   </p:cSld>
@@ -18438,146 +18578,41 @@
       </p:grpSpPr>
       <p:sp>
         <p:nvSpPr>
-          <p:cNvPr id="2" name="Title 1"/>
-          <p:cNvSpPr>
-            <a:spLocks noGrp="1"/>
-          </p:cNvSpPr>
-          <p:nvPr>
-            <p:ph type="title"/>
-          </p:nvPr>
-        </p:nvSpPr>
-        <p:spPr/>
-        <p:txBody>
-          <a:bodyPr>
-            <a:normAutofit/>
-          </a:bodyPr>
-          <a:lstStyle/>
-          <a:p>
-            <a:r>
-              <a:rPr lang="en-US" dirty="0" smtClean="0"/>
-              <a:t>Implicit Parameters</a:t>
-            </a:r>
-            <a:endParaRPr lang="en-US" dirty="0"/>
-          </a:p>
-        </p:txBody>
-      </p:sp>
-      <p:sp>
-        <p:nvSpPr>
-          <p:cNvPr id="4" name="TextBox 3"/>
-          <p:cNvSpPr txBox="1"/>
-          <p:nvPr/>
+          <p:cNvPr id="3" name="Content Placeholder 2"/>
+          <p:cNvSpPr>
+            <a:spLocks noGrp="1"/>
+          </p:cNvSpPr>
+          <p:nvPr>
+            <p:ph idx="1"/>
+          </p:nvPr>
         </p:nvSpPr>
         <p:spPr>
           <a:xfrm>
-            <a:off x="317500" y="1288122"/>
-            <a:ext cx="8509000" cy="1077218"/>
-          </a:xfrm>
-          <a:prstGeom prst="rect">
-            <a:avLst/>
-          </a:prstGeom>
-          <a:noFill/>
-        </p:spPr>
-        <p:txBody>
-          <a:bodyPr wrap="square" rtlCol="0">
-            <a:spAutoFit/>
-          </a:bodyPr>
-          <a:lstStyle/>
-          <a:p>
-            <a:r>
-              <a:rPr lang="ro-RO" sz="1600" b="1" dirty="0" smtClean="0">
-                <a:solidFill>
-                  <a:srgbClr val="000090"/>
-                </a:solidFill>
-                <a:latin typeface="Courier New"/>
-                <a:cs typeface="Courier New"/>
-              </a:rPr>
-              <a:t>def</a:t>
-            </a:r>
-            <a:r>
-              <a:rPr lang="ro-RO" sz="1600" dirty="0" smtClean="0">
-                <a:solidFill>
-                  <a:srgbClr val="000090"/>
-                </a:solidFill>
-                <a:latin typeface="Courier New"/>
-                <a:cs typeface="Courier New"/>
-              </a:rPr>
-              <a:t> executeFutureWithTimeout(f: Future)(implicit t: Timeout)</a:t>
-            </a:r>
-          </a:p>
-          <a:p>
-            <a:endParaRPr lang="ro-RO" sz="1600" dirty="0">
-              <a:solidFill>
-                <a:srgbClr val="000090"/>
-              </a:solidFill>
-              <a:latin typeface="Courier New"/>
-              <a:cs typeface="Courier New"/>
-            </a:endParaRPr>
-          </a:p>
-          <a:p>
-            <a:r>
-              <a:rPr lang="ro-RO" sz="1600" dirty="0" smtClean="0">
-                <a:solidFill>
-                  <a:srgbClr val="000090"/>
-                </a:solidFill>
-                <a:latin typeface="Courier New"/>
-                <a:cs typeface="Courier New"/>
-              </a:rPr>
-              <a:t>implicit val t: Timeout = Timeout(20, TimeUnit.MILLISECONDS)</a:t>
-            </a:r>
-          </a:p>
-          <a:p>
-            <a:r>
-              <a:rPr lang="ro-RO" sz="1600" dirty="0" smtClean="0">
-                <a:solidFill>
-                  <a:srgbClr val="000090"/>
-                </a:solidFill>
-                <a:latin typeface="Courier New"/>
-                <a:cs typeface="Courier New"/>
-              </a:rPr>
-              <a:t>executeFutureWithTimeout(Future {proxy.getCustomer(id)})</a:t>
-            </a:r>
-          </a:p>
-        </p:txBody>
-      </p:sp>
-      <p:sp>
-        <p:nvSpPr>
-          <p:cNvPr id="6" name="Content Placeholder 2"/>
-          <p:cNvSpPr>
-            <a:spLocks noGrp="1"/>
-          </p:cNvSpPr>
-          <p:nvPr>
-            <p:ph idx="1"/>
-          </p:nvPr>
-        </p:nvSpPr>
-        <p:spPr>
-          <a:xfrm>
-            <a:off x="457200" y="2476500"/>
-            <a:ext cx="8229600" cy="3530599"/>
+            <a:off x="457200" y="1600200"/>
+            <a:ext cx="8229600" cy="1149163"/>
           </a:xfrm>
         </p:spPr>
         <p:txBody>
           <a:bodyPr>
-            <a:normAutofit/>
+            <a:noAutofit/>
           </a:bodyPr>
           <a:lstStyle/>
           <a:p>
-            <a:r>
-              <a:rPr lang="en-US" dirty="0" smtClean="0"/>
-              <a:t>Allow you to define default parameter values that are only overridden if you do so explicitly</a:t>
-            </a:r>
-          </a:p>
-          <a:p>
-            <a:r>
-              <a:rPr lang="en-US" dirty="0" smtClean="0"/>
-              <a:t>Handy to avoid code duplication</a:t>
-            </a:r>
+            <a:pPr marL="0" indent="0" algn="ctr">
+              <a:buNone/>
+            </a:pPr>
+            <a:r>
+              <a:rPr lang="en-US" sz="6400" b="1" dirty="0" smtClean="0"/>
+              <a:t>Macros</a:t>
+            </a:r>
+            <a:endParaRPr lang="en-US" sz="6400" b="1" dirty="0"/>
           </a:p>
         </p:txBody>
       </p:sp>
     </p:spTree>
     <p:extLst>
       <p:ext uri="{BB962C8B-B14F-4D97-AF65-F5344CB8AC3E}">
-        <p14:creationId xmlns:p14="http://schemas.microsoft.com/office/powerpoint/2010/main" val="227498210"/>
+        <p14:creationId xmlns:p14="http://schemas.microsoft.com/office/powerpoint/2010/main" val="1864371667"/>
       </p:ext>
     </p:extLst>
   </p:cSld>
@@ -18630,7 +18665,7 @@
           <a:p>
             <a:r>
               <a:rPr lang="en-US" dirty="0" smtClean="0"/>
-              <a:t>Implicit Classes</a:t>
+              <a:t>Macros</a:t>
             </a:r>
             <a:endParaRPr lang="en-US" dirty="0"/>
           </a:p>
@@ -18638,163 +18673,73 @@
       </p:sp>
       <p:sp>
         <p:nvSpPr>
-          <p:cNvPr id="4" name="TextBox 3"/>
-          <p:cNvSpPr txBox="1"/>
-          <p:nvPr/>
+          <p:cNvPr id="6" name="Content Placeholder 2"/>
+          <p:cNvSpPr>
+            <a:spLocks noGrp="1"/>
+          </p:cNvSpPr>
+          <p:nvPr>
+            <p:ph idx="1"/>
+          </p:nvPr>
         </p:nvSpPr>
         <p:spPr>
           <a:xfrm>
-            <a:off x="317500" y="1288122"/>
-            <a:ext cx="8509000" cy="1077218"/>
+            <a:off x="457200" y="1279072"/>
+            <a:ext cx="8229600" cy="4728028"/>
           </a:xfrm>
-          <a:prstGeom prst="rect">
-            <a:avLst/>
-          </a:prstGeom>
-          <a:noFill/>
         </p:spPr>
         <p:txBody>
-          <a:bodyPr wrap="square" rtlCol="0">
-            <a:spAutoFit/>
+          <a:bodyPr>
+            <a:normAutofit/>
           </a:bodyPr>
           <a:lstStyle/>
           <a:p>
             <a:r>
-              <a:rPr lang="ro-RO" sz="1600" b="1" dirty="0" smtClean="0">
-                <a:solidFill>
-                  <a:srgbClr val="000090"/>
-                </a:solidFill>
-                <a:latin typeface="Courier New"/>
-                <a:cs typeface="Courier New"/>
-              </a:rPr>
-              <a:t>implicit class </a:t>
-            </a:r>
-            <a:r>
-              <a:rPr lang="ro-RO" sz="1600" dirty="0" smtClean="0">
-                <a:solidFill>
-                  <a:srgbClr val="000090"/>
-                </a:solidFill>
-                <a:latin typeface="Courier New"/>
-                <a:cs typeface="Courier New"/>
-              </a:rPr>
-              <a:t>Person(name: String)</a:t>
-            </a:r>
-          </a:p>
-          <a:p>
-            <a:endParaRPr lang="ro-RO" sz="1600" dirty="0">
-              <a:solidFill>
-                <a:srgbClr val="000090"/>
-              </a:solidFill>
+              <a:rPr lang="en-US" dirty="0" smtClean="0"/>
+              <a:t>New to Scala 2.10</a:t>
+            </a:r>
+          </a:p>
+          <a:p>
+            <a:r>
+              <a:rPr lang="en-US" dirty="0" smtClean="0"/>
+              <a:t>Macros are used for generating code at compile time, similar to LISP macros</a:t>
+            </a:r>
+          </a:p>
+          <a:p>
+            <a:r>
+              <a:rPr lang="en-US" dirty="0" smtClean="0"/>
+              <a:t>Does not have compiler pragmas such as </a:t>
+            </a:r>
+            <a:r>
+              <a:rPr lang="en-US" b="1" dirty="0" smtClean="0">
+                <a:latin typeface="Courier New"/>
+                <a:cs typeface="Courier New"/>
+              </a:rPr>
+              <a:t>#</a:t>
+            </a:r>
+            <a:r>
+              <a:rPr lang="en-US" b="1" dirty="0" err="1" smtClean="0">
+                <a:latin typeface="Courier New"/>
+                <a:cs typeface="Courier New"/>
+              </a:rPr>
+              <a:t>ifdef</a:t>
+            </a:r>
+            <a:endParaRPr lang="en-US" b="1" dirty="0" smtClean="0">
               <a:latin typeface="Courier New"/>
               <a:cs typeface="Courier New"/>
             </a:endParaRPr>
           </a:p>
           <a:p>
             <a:r>
-              <a:rPr lang="ro-RO" sz="1600" b="1" dirty="0" smtClean="0">
-                <a:solidFill>
-                  <a:srgbClr val="000090"/>
-                </a:solidFill>
-                <a:latin typeface="Courier New"/>
-                <a:cs typeface="Courier New"/>
-              </a:rPr>
-              <a:t>class</a:t>
-            </a:r>
-            <a:r>
-              <a:rPr lang="ro-RO" sz="1600" dirty="0" smtClean="0">
-                <a:solidFill>
-                  <a:srgbClr val="000090"/>
-                </a:solidFill>
-                <a:latin typeface="Courier New"/>
-                <a:cs typeface="Courier New"/>
-              </a:rPr>
-              <a:t> Person(name: String)</a:t>
-            </a:r>
-          </a:p>
-          <a:p>
-            <a:r>
-              <a:rPr lang="ro-RO" sz="1600" b="1" dirty="0" smtClean="0">
-                <a:solidFill>
-                  <a:srgbClr val="000090"/>
-                </a:solidFill>
-                <a:latin typeface="Courier New"/>
-                <a:cs typeface="Courier New"/>
-              </a:rPr>
-              <a:t>implicit final def</a:t>
-            </a:r>
-            <a:r>
-              <a:rPr lang="ro-RO" sz="1600" dirty="0" smtClean="0">
-                <a:solidFill>
-                  <a:srgbClr val="000090"/>
-                </a:solidFill>
-                <a:latin typeface="Courier New"/>
-                <a:cs typeface="Courier New"/>
-              </a:rPr>
-              <a:t> Person(name: String): Person = </a:t>
-            </a:r>
-            <a:r>
-              <a:rPr lang="ro-RO" sz="1600" b="1" dirty="0" smtClean="0">
-                <a:solidFill>
-                  <a:srgbClr val="000090"/>
-                </a:solidFill>
-                <a:latin typeface="Courier New"/>
-                <a:cs typeface="Courier New"/>
-              </a:rPr>
-              <a:t>new</a:t>
-            </a:r>
-            <a:r>
-              <a:rPr lang="ro-RO" sz="1600" dirty="0" smtClean="0">
-                <a:solidFill>
-                  <a:srgbClr val="000090"/>
-                </a:solidFill>
-                <a:latin typeface="Courier New"/>
-                <a:cs typeface="Courier New"/>
-              </a:rPr>
-              <a:t> Person(name)</a:t>
-            </a:r>
-          </a:p>
-        </p:txBody>
-      </p:sp>
-      <p:sp>
-        <p:nvSpPr>
-          <p:cNvPr id="6" name="Content Placeholder 2"/>
-          <p:cNvSpPr>
-            <a:spLocks noGrp="1"/>
-          </p:cNvSpPr>
-          <p:nvPr>
-            <p:ph idx="1"/>
-          </p:nvPr>
-        </p:nvSpPr>
-        <p:spPr>
-          <a:xfrm>
-            <a:off x="457200" y="3251200"/>
-            <a:ext cx="8229600" cy="2755899"/>
-          </a:xfrm>
-        </p:spPr>
-        <p:txBody>
-          <a:bodyPr>
-            <a:normAutofit/>
-          </a:bodyPr>
-          <a:lstStyle/>
-          <a:p>
-            <a:r>
-              <a:rPr lang="en-US" dirty="0" smtClean="0"/>
-              <a:t>New to Scala 2.10</a:t>
-            </a:r>
-          </a:p>
-          <a:p>
-            <a:r>
-              <a:rPr lang="en-US" dirty="0" smtClean="0"/>
-              <a:t>Create extension methods to existing types</a:t>
-            </a:r>
-          </a:p>
-          <a:p>
+              <a:rPr lang="en-US" dirty="0" smtClean="0"/>
+              <a:t>Are implemented as "</a:t>
+            </a:r>
             <a:r>
               <a:rPr lang="en-US" dirty="0" err="1" smtClean="0"/>
-              <a:t>Desugars</a:t>
-            </a:r>
-            <a:r>
-              <a:rPr lang="en-US" dirty="0" smtClean="0"/>
-              <a:t> at compile time into a class definition with an implicit conversion</a:t>
+              <a:t>hygenic</a:t>
+            </a:r>
+            <a:r>
+              <a:rPr lang="en-US" dirty="0" smtClean="0"/>
+              <a:t>" macros – identifiers cannot be closed over in a macro definition</a:t>
             </a:r>
           </a:p>
         </p:txBody>
@@ -18802,7 +18747,7 @@
     </p:spTree>
     <p:extLst>
       <p:ext uri="{BB962C8B-B14F-4D97-AF65-F5344CB8AC3E}">
-        <p14:creationId xmlns:p14="http://schemas.microsoft.com/office/powerpoint/2010/main" val="227498210"/>
+        <p14:creationId xmlns:p14="http://schemas.microsoft.com/office/powerpoint/2010/main" val="3691891098"/>
       </p:ext>
     </p:extLst>
   </p:cSld>
@@ -18838,41 +18783,435 @@
       </p:grpSpPr>
       <p:sp>
         <p:nvSpPr>
-          <p:cNvPr id="3" name="Content Placeholder 2"/>
-          <p:cNvSpPr>
-            <a:spLocks noGrp="1"/>
-          </p:cNvSpPr>
-          <p:nvPr>
-            <p:ph idx="1"/>
-          </p:nvPr>
+          <p:cNvPr id="2" name="Title 1"/>
+          <p:cNvSpPr>
+            <a:spLocks noGrp="1"/>
+          </p:cNvSpPr>
+          <p:nvPr>
+            <p:ph type="title"/>
+          </p:nvPr>
+        </p:nvSpPr>
+        <p:spPr/>
+        <p:txBody>
+          <a:bodyPr>
+            <a:normAutofit/>
+          </a:bodyPr>
+          <a:lstStyle/>
+          <a:p>
+            <a:r>
+              <a:rPr lang="en-US" dirty="0" err="1" smtClean="0"/>
+              <a:t>ScalaLogging</a:t>
+            </a:r>
+            <a:r>
+              <a:rPr lang="en-US" dirty="0" smtClean="0"/>
+              <a:t> Macro</a:t>
+            </a:r>
+            <a:endParaRPr lang="en-US" dirty="0"/>
+          </a:p>
+        </p:txBody>
+      </p:sp>
+      <p:sp>
+        <p:nvSpPr>
+          <p:cNvPr id="4" name="TextBox 3"/>
+          <p:cNvSpPr txBox="1"/>
+          <p:nvPr/>
         </p:nvSpPr>
         <p:spPr>
           <a:xfrm>
-            <a:off x="457200" y="1600200"/>
-            <a:ext cx="8229600" cy="1149163"/>
+            <a:off x="317500" y="1288122"/>
+            <a:ext cx="8509000" cy="2677656"/>
+          </a:xfrm>
+          <a:prstGeom prst="rect">
+            <a:avLst/>
+          </a:prstGeom>
+          <a:noFill/>
+        </p:spPr>
+        <p:txBody>
+          <a:bodyPr wrap="square" rtlCol="0">
+            <a:spAutoFit/>
+          </a:bodyPr>
+          <a:lstStyle/>
+          <a:p>
+            <a:r>
+              <a:rPr lang="ro-RO" sz="1400" b="1" dirty="0" smtClean="0">
+                <a:solidFill>
+                  <a:srgbClr val="000090"/>
+                </a:solidFill>
+                <a:latin typeface="Courier New"/>
+                <a:cs typeface="Courier New"/>
+              </a:rPr>
+              <a:t>def </a:t>
+            </a:r>
+            <a:r>
+              <a:rPr lang="ro-RO" sz="1400" dirty="0" smtClean="0">
+                <a:solidFill>
+                  <a:srgbClr val="000090"/>
+                </a:solidFill>
+                <a:latin typeface="Courier New"/>
+                <a:cs typeface="Courier New"/>
+              </a:rPr>
+              <a:t>debug(message: String): Unit = macro LoggerMacros.debug</a:t>
+            </a:r>
+            <a:endParaRPr lang="ro-RO" sz="1600" b="1" dirty="0" smtClean="0">
+              <a:solidFill>
+                <a:srgbClr val="000090"/>
+              </a:solidFill>
+              <a:latin typeface="Courier New"/>
+              <a:cs typeface="Courier New"/>
+            </a:endParaRPr>
+          </a:p>
+          <a:p>
+            <a:r>
+              <a:rPr lang="ro-RO" sz="1400" b="1" dirty="0" smtClean="0">
+                <a:solidFill>
+                  <a:srgbClr val="000090"/>
+                </a:solidFill>
+                <a:latin typeface="Courier New"/>
+                <a:cs typeface="Courier New"/>
+              </a:rPr>
+              <a:t>private object </a:t>
+            </a:r>
+            <a:r>
+              <a:rPr lang="ro-RO" sz="1400" dirty="0" smtClean="0">
+                <a:solidFill>
+                  <a:srgbClr val="000090"/>
+                </a:solidFill>
+                <a:latin typeface="Courier New"/>
+                <a:cs typeface="Courier New"/>
+              </a:rPr>
+              <a:t>LoggerMacros {</a:t>
+            </a:r>
+            <a:endParaRPr lang="ro-RO" sz="1400" dirty="0">
+              <a:solidFill>
+                <a:srgbClr val="000090"/>
+              </a:solidFill>
+              <a:latin typeface="Courier New"/>
+              <a:cs typeface="Courier New"/>
+            </a:endParaRPr>
+          </a:p>
+          <a:p>
+            <a:r>
+              <a:rPr lang="ro-RO" sz="1400" dirty="0">
+                <a:solidFill>
+                  <a:srgbClr val="000090"/>
+                </a:solidFill>
+                <a:latin typeface="Courier New"/>
+                <a:cs typeface="Courier New"/>
+              </a:rPr>
+              <a:t> </a:t>
+            </a:r>
+            <a:r>
+              <a:rPr lang="ro-RO" sz="1400" b="1" dirty="0">
+                <a:solidFill>
+                  <a:srgbClr val="000090"/>
+                </a:solidFill>
+                <a:latin typeface="Courier New"/>
+                <a:cs typeface="Courier New"/>
+              </a:rPr>
+              <a:t>def</a:t>
+            </a:r>
+            <a:r>
+              <a:rPr lang="ro-RO" sz="1400" dirty="0">
+                <a:solidFill>
+                  <a:srgbClr val="000090"/>
+                </a:solidFill>
+                <a:latin typeface="Courier New"/>
+                <a:cs typeface="Courier New"/>
+              </a:rPr>
+              <a:t> debug(c: LoggerContext)(message: c.Expr[String]) = c.universe.reify(</a:t>
+            </a:r>
+          </a:p>
+          <a:p>
+            <a:r>
+              <a:rPr lang="ro-RO" sz="1400" dirty="0">
+                <a:solidFill>
+                  <a:srgbClr val="000090"/>
+                </a:solidFill>
+                <a:latin typeface="Courier New"/>
+                <a:cs typeface="Courier New"/>
+              </a:rPr>
+              <a:t> </a:t>
+            </a:r>
+            <a:r>
+              <a:rPr lang="ro-RO" sz="1400" dirty="0" smtClean="0">
+                <a:solidFill>
+                  <a:srgbClr val="000090"/>
+                </a:solidFill>
+                <a:latin typeface="Courier New"/>
+                <a:cs typeface="Courier New"/>
+              </a:rPr>
+              <a:t>  </a:t>
+            </a:r>
+            <a:r>
+              <a:rPr lang="ro-RO" sz="1400" b="1" dirty="0" smtClean="0">
+                <a:solidFill>
+                  <a:srgbClr val="000090"/>
+                </a:solidFill>
+                <a:latin typeface="Courier New"/>
+                <a:cs typeface="Courier New"/>
+              </a:rPr>
+              <a:t>if</a:t>
+            </a:r>
+            <a:r>
+              <a:rPr lang="ro-RO" sz="1400" dirty="0" smtClean="0">
+                <a:solidFill>
+                  <a:srgbClr val="000090"/>
+                </a:solidFill>
+                <a:latin typeface="Courier New"/>
+                <a:cs typeface="Courier New"/>
+              </a:rPr>
+              <a:t> </a:t>
+            </a:r>
+            <a:r>
+              <a:rPr lang="ro-RO" sz="1400" dirty="0">
+                <a:solidFill>
+                  <a:srgbClr val="000090"/>
+                </a:solidFill>
+                <a:latin typeface="Courier New"/>
+                <a:cs typeface="Courier New"/>
+              </a:rPr>
+              <a:t>(c.prefix.splice.underlying.isDebugEnabled) </a:t>
+            </a:r>
+            <a:endParaRPr lang="ro-RO" sz="1400" dirty="0" smtClean="0">
+              <a:solidFill>
+                <a:srgbClr val="000090"/>
+              </a:solidFill>
+              <a:latin typeface="Courier New"/>
+              <a:cs typeface="Courier New"/>
+            </a:endParaRPr>
+          </a:p>
+          <a:p>
+            <a:r>
+              <a:rPr lang="ro-RO" sz="1400" dirty="0">
+                <a:solidFill>
+                  <a:srgbClr val="000090"/>
+                </a:solidFill>
+                <a:latin typeface="Courier New"/>
+                <a:cs typeface="Courier New"/>
+              </a:rPr>
+              <a:t> </a:t>
+            </a:r>
+            <a:r>
+              <a:rPr lang="ro-RO" sz="1400" dirty="0" smtClean="0">
+                <a:solidFill>
+                  <a:srgbClr val="000090"/>
+                </a:solidFill>
+                <a:latin typeface="Courier New"/>
+                <a:cs typeface="Courier New"/>
+              </a:rPr>
+              <a:t>    c.prefix.splice.underlying.debug</a:t>
+            </a:r>
+            <a:r>
+              <a:rPr lang="ro-RO" sz="1400" dirty="0">
+                <a:solidFill>
+                  <a:srgbClr val="000090"/>
+                </a:solidFill>
+                <a:latin typeface="Courier New"/>
+                <a:cs typeface="Courier New"/>
+              </a:rPr>
+              <a:t>(message.splice)</a:t>
+            </a:r>
+          </a:p>
+          <a:p>
+            <a:r>
+              <a:rPr lang="ro-RO" sz="1400" dirty="0">
+                <a:solidFill>
+                  <a:srgbClr val="000090"/>
+                </a:solidFill>
+                <a:latin typeface="Courier New"/>
+                <a:cs typeface="Courier New"/>
+              </a:rPr>
+              <a:t>  )</a:t>
+            </a:r>
+            <a:endParaRPr lang="ro-RO" sz="1400" dirty="0" smtClean="0">
+              <a:solidFill>
+                <a:srgbClr val="000090"/>
+              </a:solidFill>
+              <a:latin typeface="Courier New"/>
+              <a:cs typeface="Courier New"/>
+            </a:endParaRPr>
+          </a:p>
+          <a:p>
+            <a:r>
+              <a:rPr lang="ro-RO" sz="1400" dirty="0" smtClean="0">
+                <a:solidFill>
+                  <a:srgbClr val="000090"/>
+                </a:solidFill>
+                <a:latin typeface="Courier New"/>
+                <a:cs typeface="Courier New"/>
+              </a:rPr>
+              <a:t>}</a:t>
+            </a:r>
+          </a:p>
+          <a:p>
+            <a:endParaRPr lang="ro-RO" sz="1400" dirty="0">
+              <a:solidFill>
+                <a:srgbClr val="000090"/>
+              </a:solidFill>
+              <a:latin typeface="Courier New"/>
+              <a:cs typeface="Courier New"/>
+            </a:endParaRPr>
+          </a:p>
+          <a:p>
+            <a:r>
+              <a:rPr lang="ro-RO" sz="1400" b="1" dirty="0" smtClean="0">
+                <a:solidFill>
+                  <a:srgbClr val="000090"/>
+                </a:solidFill>
+                <a:latin typeface="Courier New"/>
+                <a:cs typeface="Courier New"/>
+              </a:rPr>
+              <a:t>import </a:t>
+            </a:r>
+            <a:r>
+              <a:rPr lang="ro-RO" sz="1400" dirty="0" smtClean="0">
+                <a:solidFill>
+                  <a:srgbClr val="000090"/>
+                </a:solidFill>
+                <a:latin typeface="Courier New"/>
+                <a:cs typeface="Courier New"/>
+              </a:rPr>
+              <a:t>com.typesafe.scalalogging.Logging</a:t>
+            </a:r>
+          </a:p>
+          <a:p>
+            <a:r>
+              <a:rPr lang="ro-RO" sz="1400" b="1" dirty="0" smtClean="0">
+                <a:solidFill>
+                  <a:srgbClr val="000090"/>
+                </a:solidFill>
+                <a:latin typeface="Courier New"/>
+                <a:cs typeface="Courier New"/>
+              </a:rPr>
+              <a:t>class </a:t>
+            </a:r>
+            <a:r>
+              <a:rPr lang="ro-RO" sz="1400" dirty="0">
+                <a:solidFill>
+                  <a:srgbClr val="000090"/>
+                </a:solidFill>
+                <a:latin typeface="Courier New"/>
+                <a:cs typeface="Courier New"/>
+              </a:rPr>
+              <a:t>MyClass </a:t>
+            </a:r>
+            <a:r>
+              <a:rPr lang="ro-RO" sz="1400" b="1" dirty="0">
+                <a:solidFill>
+                  <a:srgbClr val="000090"/>
+                </a:solidFill>
+                <a:latin typeface="Courier New"/>
+                <a:cs typeface="Courier New"/>
+              </a:rPr>
+              <a:t>extends </a:t>
+            </a:r>
+            <a:r>
+              <a:rPr lang="ro-RO" sz="1400" dirty="0">
+                <a:solidFill>
+                  <a:srgbClr val="000090"/>
+                </a:solidFill>
+                <a:latin typeface="Courier New"/>
+                <a:cs typeface="Courier New"/>
+              </a:rPr>
+              <a:t>Logging {</a:t>
+            </a:r>
+          </a:p>
+          <a:p>
+            <a:r>
+              <a:rPr lang="ro-RO" sz="1400" dirty="0">
+                <a:solidFill>
+                  <a:srgbClr val="000090"/>
+                </a:solidFill>
+                <a:latin typeface="Courier New"/>
+                <a:cs typeface="Courier New"/>
+              </a:rPr>
+              <a:t>  logger.debug(</a:t>
+            </a:r>
+            <a:r>
+              <a:rPr lang="ro-RO" sz="1400" dirty="0" smtClean="0">
+                <a:solidFill>
+                  <a:srgbClr val="000090"/>
+                </a:solidFill>
+                <a:latin typeface="Courier New"/>
+                <a:cs typeface="Courier New"/>
+              </a:rPr>
+              <a:t>"This won't occur if debug is not defined"</a:t>
+            </a:r>
+            <a:r>
+              <a:rPr lang="ro-RO" sz="1400" dirty="0">
+                <a:solidFill>
+                  <a:srgbClr val="000090"/>
+                </a:solidFill>
+                <a:latin typeface="Courier New"/>
+                <a:cs typeface="Courier New"/>
+              </a:rPr>
+              <a:t>)</a:t>
+            </a:r>
+          </a:p>
+          <a:p>
+            <a:r>
+              <a:rPr lang="ro-RO" sz="1400" dirty="0">
+                <a:solidFill>
+                  <a:srgbClr val="000090"/>
+                </a:solidFill>
+                <a:latin typeface="Courier New"/>
+                <a:cs typeface="Courier New"/>
+              </a:rPr>
+              <a:t>}</a:t>
+            </a:r>
+            <a:endParaRPr lang="ro-RO" sz="1400" dirty="0" smtClean="0">
+              <a:solidFill>
+                <a:srgbClr val="000090"/>
+              </a:solidFill>
+              <a:latin typeface="Courier New"/>
+              <a:cs typeface="Courier New"/>
+            </a:endParaRPr>
+          </a:p>
+        </p:txBody>
+      </p:sp>
+      <p:sp>
+        <p:nvSpPr>
+          <p:cNvPr id="6" name="Content Placeholder 2"/>
+          <p:cNvSpPr>
+            <a:spLocks noGrp="1"/>
+          </p:cNvSpPr>
+          <p:nvPr>
+            <p:ph idx="1"/>
+          </p:nvPr>
+        </p:nvSpPr>
+        <p:spPr>
+          <a:xfrm>
+            <a:off x="457200" y="4550553"/>
+            <a:ext cx="8229600" cy="1456546"/>
           </a:xfrm>
         </p:spPr>
         <p:txBody>
           <a:bodyPr>
-            <a:noAutofit/>
+            <a:normAutofit fontScale="62500" lnSpcReduction="20000"/>
           </a:bodyPr>
           <a:lstStyle/>
           <a:p>
-            <a:pPr marL="0" indent="0" algn="ctr">
-              <a:buNone/>
-            </a:pPr>
-            <a:r>
-              <a:rPr lang="en-US" sz="6400" b="1" dirty="0" smtClean="0"/>
-              <a:t>Macros</a:t>
-            </a:r>
-            <a:endParaRPr lang="en-US" sz="6400" b="1" dirty="0"/>
+            <a:r>
+              <a:rPr lang="en-US" dirty="0" smtClean="0"/>
+              <a:t>Existing log libraries allow us to define logging statements and then determine whether they result in output at runtime</a:t>
+            </a:r>
+          </a:p>
+          <a:p>
+            <a:r>
+              <a:rPr lang="en-US" dirty="0" err="1" smtClean="0"/>
+              <a:t>ScalaLogging</a:t>
+            </a:r>
+            <a:r>
+              <a:rPr lang="en-US" dirty="0" smtClean="0"/>
+              <a:t> allows a user to use a logging facility but decide at compile time whether or not to include the logging statement based on log level.</a:t>
+            </a:r>
           </a:p>
         </p:txBody>
       </p:sp>
     </p:spTree>
     <p:extLst>
       <p:ext uri="{BB962C8B-B14F-4D97-AF65-F5344CB8AC3E}">
-        <p14:creationId xmlns:p14="http://schemas.microsoft.com/office/powerpoint/2010/main" val="1864371667"/>
+        <p14:creationId xmlns:p14="http://schemas.microsoft.com/office/powerpoint/2010/main" val="2222484786"/>
       </p:ext>
     </p:extLst>
   </p:cSld>
@@ -18908,605 +19247,6 @@
       </p:grpSpPr>
       <p:sp>
         <p:nvSpPr>
-          <p:cNvPr id="2" name="Title 1"/>
-          <p:cNvSpPr>
-            <a:spLocks noGrp="1"/>
-          </p:cNvSpPr>
-          <p:nvPr>
-            <p:ph type="title"/>
-          </p:nvPr>
-        </p:nvSpPr>
-        <p:spPr/>
-        <p:txBody>
-          <a:bodyPr>
-            <a:normAutofit/>
-          </a:bodyPr>
-          <a:lstStyle/>
-          <a:p>
-            <a:r>
-              <a:rPr lang="en-US" dirty="0" smtClean="0"/>
-              <a:t>Macros</a:t>
-            </a:r>
-            <a:endParaRPr lang="en-US" dirty="0"/>
-          </a:p>
-        </p:txBody>
-      </p:sp>
-      <p:sp>
-        <p:nvSpPr>
-          <p:cNvPr id="6" name="Content Placeholder 2"/>
-          <p:cNvSpPr>
-            <a:spLocks noGrp="1"/>
-          </p:cNvSpPr>
-          <p:nvPr>
-            <p:ph idx="1"/>
-          </p:nvPr>
-        </p:nvSpPr>
-        <p:spPr>
-          <a:xfrm>
-            <a:off x="457200" y="1279072"/>
-            <a:ext cx="8229600" cy="4728028"/>
-          </a:xfrm>
-        </p:spPr>
-        <p:txBody>
-          <a:bodyPr>
-            <a:normAutofit/>
-          </a:bodyPr>
-          <a:lstStyle/>
-          <a:p>
-            <a:r>
-              <a:rPr lang="en-US" dirty="0" smtClean="0"/>
-              <a:t>New to Scala 2.10</a:t>
-            </a:r>
-          </a:p>
-          <a:p>
-            <a:r>
-              <a:rPr lang="en-US" dirty="0" smtClean="0"/>
-              <a:t>Macros are used for generating code at compile time, similar to LISP macros</a:t>
-            </a:r>
-          </a:p>
-          <a:p>
-            <a:r>
-              <a:rPr lang="en-US" dirty="0" smtClean="0"/>
-              <a:t>Does not have compiler pragmas such as </a:t>
-            </a:r>
-            <a:r>
-              <a:rPr lang="en-US" b="1" dirty="0" smtClean="0">
-                <a:latin typeface="Courier New"/>
-                <a:cs typeface="Courier New"/>
-              </a:rPr>
-              <a:t>#</a:t>
-            </a:r>
-            <a:r>
-              <a:rPr lang="en-US" b="1" dirty="0" err="1" smtClean="0">
-                <a:latin typeface="Courier New"/>
-                <a:cs typeface="Courier New"/>
-              </a:rPr>
-              <a:t>ifdef</a:t>
-            </a:r>
-            <a:endParaRPr lang="en-US" b="1" dirty="0" smtClean="0">
-              <a:latin typeface="Courier New"/>
-              <a:cs typeface="Courier New"/>
-            </a:endParaRPr>
-          </a:p>
-          <a:p>
-            <a:r>
-              <a:rPr lang="en-US" dirty="0" smtClean="0"/>
-              <a:t>Are implemented as "</a:t>
-            </a:r>
-            <a:r>
-              <a:rPr lang="en-US" dirty="0" err="1" smtClean="0"/>
-              <a:t>hygenic</a:t>
-            </a:r>
-            <a:r>
-              <a:rPr lang="en-US" dirty="0" smtClean="0"/>
-              <a:t>" macros – identifiers cannot be closed over in a macro definition</a:t>
-            </a:r>
-          </a:p>
-        </p:txBody>
-      </p:sp>
-    </p:spTree>
-    <p:extLst>
-      <p:ext uri="{BB962C8B-B14F-4D97-AF65-F5344CB8AC3E}">
-        <p14:creationId xmlns:p14="http://schemas.microsoft.com/office/powerpoint/2010/main" val="3691891098"/>
-      </p:ext>
-    </p:extLst>
-  </p:cSld>
-  <p:clrMapOvr>
-    <a:masterClrMapping/>
-  </p:clrMapOvr>
-  <p:timing>
-    <p:tnLst>
-      <p:par>
-        <p:cTn xmlns:p14="http://schemas.microsoft.com/office/powerpoint/2010/main" id="1" dur="indefinite" restart="never" nodeType="tmRoot"/>
-      </p:par>
-    </p:tnLst>
-  </p:timing>
-</p:sld>
-</file>
-
-<file path=ppt/slides/slide47.xml><?xml version="1.0" encoding="utf-8"?>
-<p:sld xmlns:a="http://schemas.openxmlformats.org/drawingml/2006/main" xmlns:r="http://schemas.openxmlformats.org/officeDocument/2006/relationships" xmlns:p="http://schemas.openxmlformats.org/presentationml/2006/main">
-  <p:cSld>
-    <p:spTree>
-      <p:nvGrpSpPr>
-        <p:cNvPr id="1" name=""/>
-        <p:cNvGrpSpPr/>
-        <p:nvPr/>
-      </p:nvGrpSpPr>
-      <p:grpSpPr>
-        <a:xfrm>
-          <a:off x="0" y="0"/>
-          <a:ext cx="0" cy="0"/>
-          <a:chOff x="0" y="0"/>
-          <a:chExt cx="0" cy="0"/>
-        </a:xfrm>
-      </p:grpSpPr>
-      <p:sp>
-        <p:nvSpPr>
-          <p:cNvPr id="2" name="Title 1"/>
-          <p:cNvSpPr>
-            <a:spLocks noGrp="1"/>
-          </p:cNvSpPr>
-          <p:nvPr>
-            <p:ph type="title"/>
-          </p:nvPr>
-        </p:nvSpPr>
-        <p:spPr/>
-        <p:txBody>
-          <a:bodyPr>
-            <a:normAutofit/>
-          </a:bodyPr>
-          <a:lstStyle/>
-          <a:p>
-            <a:r>
-              <a:rPr lang="en-US" dirty="0" err="1" smtClean="0"/>
-              <a:t>ScalaLogging</a:t>
-            </a:r>
-            <a:r>
-              <a:rPr lang="en-US" dirty="0" smtClean="0"/>
-              <a:t> Macro</a:t>
-            </a:r>
-            <a:endParaRPr lang="en-US" dirty="0"/>
-          </a:p>
-        </p:txBody>
-      </p:sp>
-      <p:sp>
-        <p:nvSpPr>
-          <p:cNvPr id="4" name="TextBox 3"/>
-          <p:cNvSpPr txBox="1"/>
-          <p:nvPr/>
-        </p:nvSpPr>
-        <p:spPr>
-          <a:xfrm>
-            <a:off x="317500" y="1288122"/>
-            <a:ext cx="8509000" cy="2677656"/>
-          </a:xfrm>
-          <a:prstGeom prst="rect">
-            <a:avLst/>
-          </a:prstGeom>
-          <a:noFill/>
-        </p:spPr>
-        <p:txBody>
-          <a:bodyPr wrap="square" rtlCol="0">
-            <a:spAutoFit/>
-          </a:bodyPr>
-          <a:lstStyle/>
-          <a:p>
-            <a:r>
-              <a:rPr lang="ro-RO" sz="1400" b="1" dirty="0" smtClean="0">
-                <a:solidFill>
-                  <a:srgbClr val="000090"/>
-                </a:solidFill>
-                <a:latin typeface="Courier New"/>
-                <a:cs typeface="Courier New"/>
-              </a:rPr>
-              <a:t>def </a:t>
-            </a:r>
-            <a:r>
-              <a:rPr lang="ro-RO" sz="1400" dirty="0" smtClean="0">
-                <a:solidFill>
-                  <a:srgbClr val="000090"/>
-                </a:solidFill>
-                <a:latin typeface="Courier New"/>
-                <a:cs typeface="Courier New"/>
-              </a:rPr>
-              <a:t>debug(message: String): Unit = macro LoggerMacros.debug</a:t>
-            </a:r>
-            <a:endParaRPr lang="ro-RO" sz="1600" b="1" dirty="0" smtClean="0">
-              <a:solidFill>
-                <a:srgbClr val="000090"/>
-              </a:solidFill>
-              <a:latin typeface="Courier New"/>
-              <a:cs typeface="Courier New"/>
-            </a:endParaRPr>
-          </a:p>
-          <a:p>
-            <a:r>
-              <a:rPr lang="ro-RO" sz="1400" b="1" dirty="0" smtClean="0">
-                <a:solidFill>
-                  <a:srgbClr val="000090"/>
-                </a:solidFill>
-                <a:latin typeface="Courier New"/>
-                <a:cs typeface="Courier New"/>
-              </a:rPr>
-              <a:t>private object </a:t>
-            </a:r>
-            <a:r>
-              <a:rPr lang="ro-RO" sz="1400" dirty="0" smtClean="0">
-                <a:solidFill>
-                  <a:srgbClr val="000090"/>
-                </a:solidFill>
-                <a:latin typeface="Courier New"/>
-                <a:cs typeface="Courier New"/>
-              </a:rPr>
-              <a:t>LoggerMacros {</a:t>
-            </a:r>
-            <a:endParaRPr lang="ro-RO" sz="1400" dirty="0">
-              <a:solidFill>
-                <a:srgbClr val="000090"/>
-              </a:solidFill>
-              <a:latin typeface="Courier New"/>
-              <a:cs typeface="Courier New"/>
-            </a:endParaRPr>
-          </a:p>
-          <a:p>
-            <a:r>
-              <a:rPr lang="ro-RO" sz="1400" dirty="0">
-                <a:solidFill>
-                  <a:srgbClr val="000090"/>
-                </a:solidFill>
-                <a:latin typeface="Courier New"/>
-                <a:cs typeface="Courier New"/>
-              </a:rPr>
-              <a:t> </a:t>
-            </a:r>
-            <a:r>
-              <a:rPr lang="ro-RO" sz="1400" b="1" dirty="0">
-                <a:solidFill>
-                  <a:srgbClr val="000090"/>
-                </a:solidFill>
-                <a:latin typeface="Courier New"/>
-                <a:cs typeface="Courier New"/>
-              </a:rPr>
-              <a:t>def</a:t>
-            </a:r>
-            <a:r>
-              <a:rPr lang="ro-RO" sz="1400" dirty="0">
-                <a:solidFill>
-                  <a:srgbClr val="000090"/>
-                </a:solidFill>
-                <a:latin typeface="Courier New"/>
-                <a:cs typeface="Courier New"/>
-              </a:rPr>
-              <a:t> debug(c: LoggerContext)(message: c.Expr[String]) = c.universe.reify(</a:t>
-            </a:r>
-          </a:p>
-          <a:p>
-            <a:r>
-              <a:rPr lang="ro-RO" sz="1400" dirty="0">
-                <a:solidFill>
-                  <a:srgbClr val="000090"/>
-                </a:solidFill>
-                <a:latin typeface="Courier New"/>
-                <a:cs typeface="Courier New"/>
-              </a:rPr>
-              <a:t> </a:t>
-            </a:r>
-            <a:r>
-              <a:rPr lang="ro-RO" sz="1400" dirty="0" smtClean="0">
-                <a:solidFill>
-                  <a:srgbClr val="000090"/>
-                </a:solidFill>
-                <a:latin typeface="Courier New"/>
-                <a:cs typeface="Courier New"/>
-              </a:rPr>
-              <a:t>  </a:t>
-            </a:r>
-            <a:r>
-              <a:rPr lang="ro-RO" sz="1400" b="1" dirty="0" smtClean="0">
-                <a:solidFill>
-                  <a:srgbClr val="000090"/>
-                </a:solidFill>
-                <a:latin typeface="Courier New"/>
-                <a:cs typeface="Courier New"/>
-              </a:rPr>
-              <a:t>if</a:t>
-            </a:r>
-            <a:r>
-              <a:rPr lang="ro-RO" sz="1400" dirty="0" smtClean="0">
-                <a:solidFill>
-                  <a:srgbClr val="000090"/>
-                </a:solidFill>
-                <a:latin typeface="Courier New"/>
-                <a:cs typeface="Courier New"/>
-              </a:rPr>
-              <a:t> </a:t>
-            </a:r>
-            <a:r>
-              <a:rPr lang="ro-RO" sz="1400" dirty="0">
-                <a:solidFill>
-                  <a:srgbClr val="000090"/>
-                </a:solidFill>
-                <a:latin typeface="Courier New"/>
-                <a:cs typeface="Courier New"/>
-              </a:rPr>
-              <a:t>(c.prefix.splice.underlying.isDebugEnabled) </a:t>
-            </a:r>
-            <a:endParaRPr lang="ro-RO" sz="1400" dirty="0" smtClean="0">
-              <a:solidFill>
-                <a:srgbClr val="000090"/>
-              </a:solidFill>
-              <a:latin typeface="Courier New"/>
-              <a:cs typeface="Courier New"/>
-            </a:endParaRPr>
-          </a:p>
-          <a:p>
-            <a:r>
-              <a:rPr lang="ro-RO" sz="1400" dirty="0">
-                <a:solidFill>
-                  <a:srgbClr val="000090"/>
-                </a:solidFill>
-                <a:latin typeface="Courier New"/>
-                <a:cs typeface="Courier New"/>
-              </a:rPr>
-              <a:t> </a:t>
-            </a:r>
-            <a:r>
-              <a:rPr lang="ro-RO" sz="1400" dirty="0" smtClean="0">
-                <a:solidFill>
-                  <a:srgbClr val="000090"/>
-                </a:solidFill>
-                <a:latin typeface="Courier New"/>
-                <a:cs typeface="Courier New"/>
-              </a:rPr>
-              <a:t>    c.prefix.splice.underlying.debug</a:t>
-            </a:r>
-            <a:r>
-              <a:rPr lang="ro-RO" sz="1400" dirty="0">
-                <a:solidFill>
-                  <a:srgbClr val="000090"/>
-                </a:solidFill>
-                <a:latin typeface="Courier New"/>
-                <a:cs typeface="Courier New"/>
-              </a:rPr>
-              <a:t>(message.splice)</a:t>
-            </a:r>
-          </a:p>
-          <a:p>
-            <a:r>
-              <a:rPr lang="ro-RO" sz="1400" dirty="0">
-                <a:solidFill>
-                  <a:srgbClr val="000090"/>
-                </a:solidFill>
-                <a:latin typeface="Courier New"/>
-                <a:cs typeface="Courier New"/>
-              </a:rPr>
-              <a:t>  )</a:t>
-            </a:r>
-            <a:endParaRPr lang="ro-RO" sz="1400" dirty="0" smtClean="0">
-              <a:solidFill>
-                <a:srgbClr val="000090"/>
-              </a:solidFill>
-              <a:latin typeface="Courier New"/>
-              <a:cs typeface="Courier New"/>
-            </a:endParaRPr>
-          </a:p>
-          <a:p>
-            <a:r>
-              <a:rPr lang="ro-RO" sz="1400" dirty="0" smtClean="0">
-                <a:solidFill>
-                  <a:srgbClr val="000090"/>
-                </a:solidFill>
-                <a:latin typeface="Courier New"/>
-                <a:cs typeface="Courier New"/>
-              </a:rPr>
-              <a:t>}</a:t>
-            </a:r>
-          </a:p>
-          <a:p>
-            <a:endParaRPr lang="ro-RO" sz="1400" dirty="0">
-              <a:solidFill>
-                <a:srgbClr val="000090"/>
-              </a:solidFill>
-              <a:latin typeface="Courier New"/>
-              <a:cs typeface="Courier New"/>
-            </a:endParaRPr>
-          </a:p>
-          <a:p>
-            <a:r>
-              <a:rPr lang="ro-RO" sz="1400" b="1" dirty="0" smtClean="0">
-                <a:solidFill>
-                  <a:srgbClr val="000090"/>
-                </a:solidFill>
-                <a:latin typeface="Courier New"/>
-                <a:cs typeface="Courier New"/>
-              </a:rPr>
-              <a:t>import </a:t>
-            </a:r>
-            <a:r>
-              <a:rPr lang="ro-RO" sz="1400" dirty="0" smtClean="0">
-                <a:solidFill>
-                  <a:srgbClr val="000090"/>
-                </a:solidFill>
-                <a:latin typeface="Courier New"/>
-                <a:cs typeface="Courier New"/>
-              </a:rPr>
-              <a:t>com.typesafe.scalalogging.Logging</a:t>
-            </a:r>
-          </a:p>
-          <a:p>
-            <a:r>
-              <a:rPr lang="ro-RO" sz="1400" b="1" dirty="0" smtClean="0">
-                <a:solidFill>
-                  <a:srgbClr val="000090"/>
-                </a:solidFill>
-                <a:latin typeface="Courier New"/>
-                <a:cs typeface="Courier New"/>
-              </a:rPr>
-              <a:t>class </a:t>
-            </a:r>
-            <a:r>
-              <a:rPr lang="ro-RO" sz="1400" dirty="0">
-                <a:solidFill>
-                  <a:srgbClr val="000090"/>
-                </a:solidFill>
-                <a:latin typeface="Courier New"/>
-                <a:cs typeface="Courier New"/>
-              </a:rPr>
-              <a:t>MyClass </a:t>
-            </a:r>
-            <a:r>
-              <a:rPr lang="ro-RO" sz="1400" b="1" dirty="0">
-                <a:solidFill>
-                  <a:srgbClr val="000090"/>
-                </a:solidFill>
-                <a:latin typeface="Courier New"/>
-                <a:cs typeface="Courier New"/>
-              </a:rPr>
-              <a:t>extends </a:t>
-            </a:r>
-            <a:r>
-              <a:rPr lang="ro-RO" sz="1400" dirty="0">
-                <a:solidFill>
-                  <a:srgbClr val="000090"/>
-                </a:solidFill>
-                <a:latin typeface="Courier New"/>
-                <a:cs typeface="Courier New"/>
-              </a:rPr>
-              <a:t>Logging {</a:t>
-            </a:r>
-          </a:p>
-          <a:p>
-            <a:r>
-              <a:rPr lang="ro-RO" sz="1400" dirty="0">
-                <a:solidFill>
-                  <a:srgbClr val="000090"/>
-                </a:solidFill>
-                <a:latin typeface="Courier New"/>
-                <a:cs typeface="Courier New"/>
-              </a:rPr>
-              <a:t>  logger.debug(</a:t>
-            </a:r>
-            <a:r>
-              <a:rPr lang="ro-RO" sz="1400" dirty="0" smtClean="0">
-                <a:solidFill>
-                  <a:srgbClr val="000090"/>
-                </a:solidFill>
-                <a:latin typeface="Courier New"/>
-                <a:cs typeface="Courier New"/>
-              </a:rPr>
-              <a:t>"This won't occur if debug is not defined"</a:t>
-            </a:r>
-            <a:r>
-              <a:rPr lang="ro-RO" sz="1400" dirty="0">
-                <a:solidFill>
-                  <a:srgbClr val="000090"/>
-                </a:solidFill>
-                <a:latin typeface="Courier New"/>
-                <a:cs typeface="Courier New"/>
-              </a:rPr>
-              <a:t>)</a:t>
-            </a:r>
-          </a:p>
-          <a:p>
-            <a:r>
-              <a:rPr lang="ro-RO" sz="1400" dirty="0">
-                <a:solidFill>
-                  <a:srgbClr val="000090"/>
-                </a:solidFill>
-                <a:latin typeface="Courier New"/>
-                <a:cs typeface="Courier New"/>
-              </a:rPr>
-              <a:t>}</a:t>
-            </a:r>
-            <a:endParaRPr lang="ro-RO" sz="1400" dirty="0" smtClean="0">
-              <a:solidFill>
-                <a:srgbClr val="000090"/>
-              </a:solidFill>
-              <a:latin typeface="Courier New"/>
-              <a:cs typeface="Courier New"/>
-            </a:endParaRPr>
-          </a:p>
-        </p:txBody>
-      </p:sp>
-      <p:sp>
-        <p:nvSpPr>
-          <p:cNvPr id="6" name="Content Placeholder 2"/>
-          <p:cNvSpPr>
-            <a:spLocks noGrp="1"/>
-          </p:cNvSpPr>
-          <p:nvPr>
-            <p:ph idx="1"/>
-          </p:nvPr>
-        </p:nvSpPr>
-        <p:spPr>
-          <a:xfrm>
-            <a:off x="457200" y="4550553"/>
-            <a:ext cx="8229600" cy="1456546"/>
-          </a:xfrm>
-        </p:spPr>
-        <p:txBody>
-          <a:bodyPr>
-            <a:normAutofit fontScale="62500" lnSpcReduction="20000"/>
-          </a:bodyPr>
-          <a:lstStyle/>
-          <a:p>
-            <a:r>
-              <a:rPr lang="en-US" dirty="0" smtClean="0"/>
-              <a:t>Existing log libraries allow us to define logging statements and then determine whether they result in output at runtime</a:t>
-            </a:r>
-          </a:p>
-          <a:p>
-            <a:r>
-              <a:rPr lang="en-US" dirty="0" err="1" smtClean="0"/>
-              <a:t>ScalaLogging</a:t>
-            </a:r>
-            <a:r>
-              <a:rPr lang="en-US" dirty="0" smtClean="0"/>
-              <a:t> allows a user to use a logging facility but decide at compile time whether or not to include the logging statement based on log level.</a:t>
-            </a:r>
-          </a:p>
-        </p:txBody>
-      </p:sp>
-    </p:spTree>
-    <p:extLst>
-      <p:ext uri="{BB962C8B-B14F-4D97-AF65-F5344CB8AC3E}">
-        <p14:creationId xmlns:p14="http://schemas.microsoft.com/office/powerpoint/2010/main" val="2222484786"/>
-      </p:ext>
-    </p:extLst>
-  </p:cSld>
-  <p:clrMapOvr>
-    <a:masterClrMapping/>
-  </p:clrMapOvr>
-  <p:timing>
-    <p:tnLst>
-      <p:par>
-        <p:cTn xmlns:p14="http://schemas.microsoft.com/office/powerpoint/2010/main" id="1" dur="indefinite" restart="never" nodeType="tmRoot"/>
-      </p:par>
-    </p:tnLst>
-  </p:timing>
-</p:sld>
-</file>
-
-<file path=ppt/slides/slide48.xml><?xml version="1.0" encoding="utf-8"?>
-<p:sld xmlns:a="http://schemas.openxmlformats.org/drawingml/2006/main" xmlns:r="http://schemas.openxmlformats.org/officeDocument/2006/relationships" xmlns:p="http://schemas.openxmlformats.org/presentationml/2006/main">
-  <p:cSld>
-    <p:spTree>
-      <p:nvGrpSpPr>
-        <p:cNvPr id="1" name=""/>
-        <p:cNvGrpSpPr/>
-        <p:nvPr/>
-      </p:nvGrpSpPr>
-      <p:grpSpPr>
-        <a:xfrm>
-          <a:off x="0" y="0"/>
-          <a:ext cx="0" cy="0"/>
-          <a:chOff x="0" y="0"/>
-          <a:chExt cx="0" cy="0"/>
-        </a:xfrm>
-      </p:grpSpPr>
-      <p:sp>
-        <p:nvSpPr>
           <p:cNvPr id="3" name="Content Placeholder 2"/>
           <p:cNvSpPr>
             <a:spLocks noGrp="1"/>
@@ -19558,7 +19298,7 @@
 </p:sld>
 </file>
 
-<file path=ppt/slides/slide49.xml><?xml version="1.0" encoding="utf-8"?>
+<file path=ppt/slides/slide47.xml><?xml version="1.0" encoding="utf-8"?>
 <p:sld xmlns:a="http://schemas.openxmlformats.org/drawingml/2006/main" xmlns:r="http://schemas.openxmlformats.org/officeDocument/2006/relationships" xmlns:p="http://schemas.openxmlformats.org/presentationml/2006/main">
   <p:cSld>
     <p:spTree>
@@ -19650,6 +19390,367 @@
 </p:sld>
 </file>
 
+<file path=ppt/slides/slide48.xml><?xml version="1.0" encoding="utf-8"?>
+<p:sld xmlns:a="http://schemas.openxmlformats.org/drawingml/2006/main" xmlns:r="http://schemas.openxmlformats.org/officeDocument/2006/relationships" xmlns:p="http://schemas.openxmlformats.org/presentationml/2006/main">
+  <p:cSld>
+    <p:spTree>
+      <p:nvGrpSpPr>
+        <p:cNvPr id="1" name=""/>
+        <p:cNvGrpSpPr/>
+        <p:nvPr/>
+      </p:nvGrpSpPr>
+      <p:grpSpPr>
+        <a:xfrm>
+          <a:off x="0" y="0"/>
+          <a:ext cx="0" cy="0"/>
+          <a:chOff x="0" y="0"/>
+          <a:chExt cx="0" cy="0"/>
+        </a:xfrm>
+      </p:grpSpPr>
+      <p:sp>
+        <p:nvSpPr>
+          <p:cNvPr id="2" name="Title 1"/>
+          <p:cNvSpPr>
+            <a:spLocks noGrp="1"/>
+          </p:cNvSpPr>
+          <p:nvPr>
+            <p:ph type="title"/>
+          </p:nvPr>
+        </p:nvSpPr>
+        <p:spPr/>
+        <p:txBody>
+          <a:bodyPr>
+            <a:normAutofit/>
+          </a:bodyPr>
+          <a:lstStyle/>
+          <a:p>
+            <a:r>
+              <a:rPr lang="en-US" dirty="0" smtClean="0"/>
+              <a:t>Concepts and Arrows</a:t>
+            </a:r>
+            <a:endParaRPr lang="en-US" dirty="0"/>
+          </a:p>
+        </p:txBody>
+      </p:sp>
+      <p:sp>
+        <p:nvSpPr>
+          <p:cNvPr id="4" name="TextBox 3"/>
+          <p:cNvSpPr txBox="1"/>
+          <p:nvPr/>
+        </p:nvSpPr>
+        <p:spPr>
+          <a:xfrm>
+            <a:off x="317500" y="1288122"/>
+            <a:ext cx="8509000" cy="1077218"/>
+          </a:xfrm>
+          <a:prstGeom prst="rect">
+            <a:avLst/>
+          </a:prstGeom>
+          <a:noFill/>
+        </p:spPr>
+        <p:txBody>
+          <a:bodyPr wrap="square" rtlCol="0">
+            <a:spAutoFit/>
+          </a:bodyPr>
+          <a:lstStyle/>
+          <a:p>
+            <a:r>
+              <a:rPr lang="ro-RO" sz="1600" b="1" dirty="0" smtClean="0">
+                <a:solidFill>
+                  <a:srgbClr val="000090"/>
+                </a:solidFill>
+                <a:latin typeface="Courier New"/>
+                <a:cs typeface="Courier New"/>
+              </a:rPr>
+              <a:t>val </a:t>
+            </a:r>
+            <a:r>
+              <a:rPr lang="ro-RO" sz="1600" dirty="0" smtClean="0">
+                <a:solidFill>
+                  <a:srgbClr val="000090"/>
+                </a:solidFill>
+                <a:latin typeface="Courier New"/>
+                <a:cs typeface="Courier New"/>
+              </a:rPr>
+              <a:t>myIntToStringArrow: Int =&gt; String = _.toString</a:t>
+            </a:r>
+          </a:p>
+          <a:p>
+            <a:endParaRPr lang="ro-RO" sz="1600" dirty="0" smtClean="0">
+              <a:solidFill>
+                <a:srgbClr val="000090"/>
+              </a:solidFill>
+              <a:latin typeface="Courier New"/>
+              <a:cs typeface="Courier New"/>
+            </a:endParaRPr>
+          </a:p>
+          <a:p>
+            <a:r>
+              <a:rPr lang="ro-RO" sz="1600" dirty="0" smtClean="0">
+                <a:solidFill>
+                  <a:srgbClr val="000090"/>
+                </a:solidFill>
+                <a:latin typeface="Courier New"/>
+                <a:cs typeface="Courier New"/>
+              </a:rPr>
+              <a:t>myIntToStringArrow(1100)</a:t>
+            </a:r>
+          </a:p>
+          <a:p>
+            <a:r>
+              <a:rPr lang="ro-RO" sz="1600" dirty="0" smtClean="0">
+                <a:solidFill>
+                  <a:srgbClr val="000090"/>
+                </a:solidFill>
+                <a:latin typeface="Courier New"/>
+                <a:cs typeface="Courier New"/>
+              </a:rPr>
+              <a:t>res0: String = 1100</a:t>
+            </a:r>
+          </a:p>
+        </p:txBody>
+      </p:sp>
+      <p:sp>
+        <p:nvSpPr>
+          <p:cNvPr id="6" name="Content Placeholder 2"/>
+          <p:cNvSpPr>
+            <a:spLocks noGrp="1"/>
+          </p:cNvSpPr>
+          <p:nvPr>
+            <p:ph idx="1"/>
+          </p:nvPr>
+        </p:nvSpPr>
+        <p:spPr>
+          <a:xfrm>
+            <a:off x="457200" y="2476500"/>
+            <a:ext cx="8229600" cy="3530599"/>
+          </a:xfrm>
+        </p:spPr>
+        <p:txBody>
+          <a:bodyPr>
+            <a:normAutofit/>
+          </a:bodyPr>
+          <a:lstStyle/>
+          <a:p>
+            <a:r>
+              <a:rPr lang="en-US" dirty="0" smtClean="0"/>
+              <a:t>Concepts are types</a:t>
+            </a:r>
+          </a:p>
+          <a:p>
+            <a:r>
+              <a:rPr lang="en-US" dirty="0" smtClean="0"/>
+              <a:t>Arrows are functions that convert one concept to another</a:t>
+            </a:r>
+          </a:p>
+        </p:txBody>
+      </p:sp>
+    </p:spTree>
+    <p:extLst>
+      <p:ext uri="{BB962C8B-B14F-4D97-AF65-F5344CB8AC3E}">
+        <p14:creationId xmlns:p14="http://schemas.microsoft.com/office/powerpoint/2010/main" val="1224060381"/>
+      </p:ext>
+    </p:extLst>
+  </p:cSld>
+  <p:clrMapOvr>
+    <a:masterClrMapping/>
+  </p:clrMapOvr>
+  <p:timing>
+    <p:tnLst>
+      <p:par>
+        <p:cTn xmlns:p14="http://schemas.microsoft.com/office/powerpoint/2010/main" id="1" dur="indefinite" restart="never" nodeType="tmRoot"/>
+      </p:par>
+    </p:tnLst>
+  </p:timing>
+</p:sld>
+</file>
+
+<file path=ppt/slides/slide49.xml><?xml version="1.0" encoding="utf-8"?>
+<p:sld xmlns:a="http://schemas.openxmlformats.org/drawingml/2006/main" xmlns:r="http://schemas.openxmlformats.org/officeDocument/2006/relationships" xmlns:p="http://schemas.openxmlformats.org/presentationml/2006/main">
+  <p:cSld>
+    <p:spTree>
+      <p:nvGrpSpPr>
+        <p:cNvPr id="1" name=""/>
+        <p:cNvGrpSpPr/>
+        <p:nvPr/>
+      </p:nvGrpSpPr>
+      <p:grpSpPr>
+        <a:xfrm>
+          <a:off x="0" y="0"/>
+          <a:ext cx="0" cy="0"/>
+          <a:chOff x="0" y="0"/>
+          <a:chExt cx="0" cy="0"/>
+        </a:xfrm>
+      </p:grpSpPr>
+      <p:sp>
+        <p:nvSpPr>
+          <p:cNvPr id="2" name="Title 1"/>
+          <p:cNvSpPr>
+            <a:spLocks noGrp="1"/>
+          </p:cNvSpPr>
+          <p:nvPr>
+            <p:ph type="title"/>
+          </p:nvPr>
+        </p:nvSpPr>
+        <p:spPr/>
+        <p:txBody>
+          <a:bodyPr>
+            <a:normAutofit/>
+          </a:bodyPr>
+          <a:lstStyle/>
+          <a:p>
+            <a:r>
+              <a:rPr lang="en-US" dirty="0" err="1" smtClean="0"/>
+              <a:t>Morphism</a:t>
+            </a:r>
+            <a:endParaRPr lang="en-US" dirty="0"/>
+          </a:p>
+        </p:txBody>
+      </p:sp>
+      <p:sp>
+        <p:nvSpPr>
+          <p:cNvPr id="4" name="TextBox 3"/>
+          <p:cNvSpPr txBox="1"/>
+          <p:nvPr/>
+        </p:nvSpPr>
+        <p:spPr>
+          <a:xfrm>
+            <a:off x="317500" y="1288122"/>
+            <a:ext cx="8509000" cy="584776"/>
+          </a:xfrm>
+          <a:prstGeom prst="rect">
+            <a:avLst/>
+          </a:prstGeom>
+          <a:noFill/>
+        </p:spPr>
+        <p:txBody>
+          <a:bodyPr wrap="square" rtlCol="0">
+            <a:spAutoFit/>
+          </a:bodyPr>
+          <a:lstStyle/>
+          <a:p>
+            <a:r>
+              <a:rPr lang="ro-RO" sz="1600" b="1" dirty="0" smtClean="0">
+                <a:solidFill>
+                  <a:srgbClr val="000090"/>
+                </a:solidFill>
+                <a:latin typeface="Courier New"/>
+                <a:cs typeface="Courier New"/>
+              </a:rPr>
+              <a:t>val </a:t>
+            </a:r>
+            <a:r>
+              <a:rPr lang="ro-RO" sz="1600" dirty="0" smtClean="0">
+                <a:solidFill>
+                  <a:srgbClr val="000090"/>
+                </a:solidFill>
+                <a:latin typeface="Courier New"/>
+                <a:cs typeface="Courier New"/>
+              </a:rPr>
+              <a:t>number = 1000</a:t>
+            </a:r>
+          </a:p>
+          <a:p>
+            <a:r>
+              <a:rPr lang="ro-RO" sz="1600" b="1" dirty="0" smtClean="0">
+                <a:solidFill>
+                  <a:srgbClr val="000090"/>
+                </a:solidFill>
+                <a:latin typeface="Courier New"/>
+                <a:cs typeface="Courier New"/>
+              </a:rPr>
+              <a:t>val </a:t>
+            </a:r>
+            <a:r>
+              <a:rPr lang="ro-RO" sz="1600" dirty="0" smtClean="0">
+                <a:solidFill>
+                  <a:srgbClr val="000090"/>
+                </a:solidFill>
+                <a:latin typeface="Courier New"/>
+                <a:cs typeface="Courier New"/>
+              </a:rPr>
+              <a:t>numericString = number.toString</a:t>
+            </a:r>
+          </a:p>
+        </p:txBody>
+      </p:sp>
+      <p:sp>
+        <p:nvSpPr>
+          <p:cNvPr id="6" name="Content Placeholder 2"/>
+          <p:cNvSpPr>
+            <a:spLocks noGrp="1"/>
+          </p:cNvSpPr>
+          <p:nvPr>
+            <p:ph idx="1"/>
+          </p:nvPr>
+        </p:nvSpPr>
+        <p:spPr>
+          <a:xfrm>
+            <a:off x="457200" y="2322286"/>
+            <a:ext cx="8229600" cy="3684813"/>
+          </a:xfrm>
+        </p:spPr>
+        <p:txBody>
+          <a:bodyPr>
+            <a:normAutofit/>
+          </a:bodyPr>
+          <a:lstStyle/>
+          <a:p>
+            <a:r>
+              <a:rPr lang="en-US" dirty="0" err="1" smtClean="0"/>
+              <a:t>Morphisms</a:t>
+            </a:r>
+            <a:r>
+              <a:rPr lang="en-US" dirty="0" smtClean="0"/>
+              <a:t> </a:t>
+            </a:r>
+            <a:r>
+              <a:rPr lang="en-US" dirty="0" smtClean="0"/>
+              <a:t>change one value in a category to another in the same category, from one type to another where types are the category</a:t>
+            </a:r>
+          </a:p>
+          <a:p>
+            <a:r>
+              <a:rPr lang="en-US" dirty="0" smtClean="0"/>
+              <a:t>Simplified, it converts a type with one property to a type with another </a:t>
+            </a:r>
+            <a:r>
+              <a:rPr lang="en-US" dirty="0" smtClean="0"/>
+              <a:t>property</a:t>
+            </a:r>
+          </a:p>
+          <a:p>
+            <a:r>
+              <a:rPr lang="en-US" dirty="0" smtClean="0"/>
+              <a:t>Must be pure, not side-effecting</a:t>
+            </a:r>
+            <a:endParaRPr lang="en-US" dirty="0" smtClean="0"/>
+          </a:p>
+          <a:p>
+            <a:endParaRPr lang="en-US" dirty="0" smtClean="0"/>
+          </a:p>
+        </p:txBody>
+      </p:sp>
+    </p:spTree>
+    <p:extLst>
+      <p:ext uri="{BB962C8B-B14F-4D97-AF65-F5344CB8AC3E}">
+        <p14:creationId xmlns:p14="http://schemas.microsoft.com/office/powerpoint/2010/main" val="3955360150"/>
+      </p:ext>
+    </p:extLst>
+  </p:cSld>
+  <p:clrMapOvr>
+    <a:masterClrMapping/>
+  </p:clrMapOvr>
+  <p:timing>
+    <p:tnLst>
+      <p:par>
+        <p:cTn xmlns:p14="http://schemas.microsoft.com/office/powerpoint/2010/main" id="1" dur="indefinite" restart="never" nodeType="tmRoot"/>
+      </p:par>
+    </p:tnLst>
+  </p:timing>
+</p:sld>
+</file>
+
 <file path=ppt/slides/slide5.xml><?xml version="1.0" encoding="utf-8"?>
 <p:sld xmlns:a="http://schemas.openxmlformats.org/drawingml/2006/main" xmlns:r="http://schemas.openxmlformats.org/officeDocument/2006/relationships" xmlns:p="http://schemas.openxmlformats.org/presentationml/2006/main">
   <p:cSld>
@@ -19809,8 +19910,8 @@
           <a:lstStyle/>
           <a:p>
             <a:r>
-              <a:rPr lang="en-US" dirty="0" smtClean="0"/>
-              <a:t>Concepts and Arrows</a:t>
+              <a:rPr lang="en-US" dirty="0" err="1" smtClean="0"/>
+              <a:t>Functor</a:t>
             </a:r>
             <a:endParaRPr lang="en-US" dirty="0"/>
           </a:p>
@@ -19825,7 +19926,7 @@
         <p:spPr>
           <a:xfrm>
             <a:off x="317500" y="1288122"/>
-            <a:ext cx="8509000" cy="1077218"/>
+            <a:ext cx="8509000" cy="584776"/>
           </a:xfrm>
           <a:prstGeom prst="rect">
             <a:avLst/>
@@ -19839,7 +19940,7 @@
           <a:lstStyle/>
           <a:p>
             <a:r>
-              <a:rPr lang="ro-RO" sz="1600" b="1" dirty="0" smtClean="0">
+              <a:rPr lang="ro-RO" sz="1600" b="1" dirty="0">
                 <a:solidFill>
                   <a:srgbClr val="000090"/>
                 </a:solidFill>
@@ -19849,6 +19950,38 @@
               <a:t>val </a:t>
             </a:r>
             <a:r>
+              <a:rPr lang="ro-RO" sz="1600" dirty="0">
+                <a:solidFill>
+                  <a:srgbClr val="000090"/>
+                </a:solidFill>
+                <a:latin typeface="Courier New"/>
+                <a:cs typeface="Courier New"/>
+              </a:rPr>
+              <a:t>numbers = List(1, 2, 3, 4)</a:t>
+            </a:r>
+          </a:p>
+          <a:p>
+            <a:r>
+              <a:rPr lang="ro-RO" sz="1600" b="1" dirty="0">
+                <a:solidFill>
+                  <a:srgbClr val="000090"/>
+                </a:solidFill>
+                <a:latin typeface="Courier New"/>
+                <a:cs typeface="Courier New"/>
+              </a:rPr>
+              <a:t>val </a:t>
+            </a:r>
+            <a:r>
+              <a:rPr lang="ro-RO" sz="1600" dirty="0">
+                <a:solidFill>
+                  <a:srgbClr val="000090"/>
+                </a:solidFill>
+                <a:latin typeface="Courier New"/>
+                <a:cs typeface="Courier New"/>
+              </a:rPr>
+              <a:t>numericStrings = numbers.map(_.toString</a:t>
+            </a:r>
+            <a:r>
               <a:rPr lang="ro-RO" sz="1600" dirty="0" smtClean="0">
                 <a:solidFill>
                   <a:srgbClr val="000090"/>
@@ -19856,11 +19989,9 @@
                 <a:latin typeface="Courier New"/>
                 <a:cs typeface="Courier New"/>
               </a:rPr>
-              <a:t>myIntToStringArrow: Int =&gt; String = _.toString</a:t>
-            </a:r>
-          </a:p>
-          <a:p>
-            <a:endParaRPr lang="ro-RO" sz="1600" dirty="0" smtClean="0">
+              <a:t>)</a:t>
+            </a:r>
+            <a:endParaRPr lang="ro-RO" sz="1600" dirty="0">
               <a:solidFill>
                 <a:srgbClr val="000090"/>
               </a:solidFill>
@@ -19868,30 +19999,6 @@
               <a:cs typeface="Courier New"/>
             </a:endParaRPr>
           </a:p>
-          <a:p>
-            <a:r>
-              <a:rPr lang="ro-RO" sz="1600" dirty="0" smtClean="0">
-                <a:solidFill>
-                  <a:srgbClr val="000090"/>
-                </a:solidFill>
-                <a:latin typeface="Courier New"/>
-                <a:cs typeface="Courier New"/>
-              </a:rPr>
-              <a:t>myIntToStringArrow(1100)</a:t>
-            </a:r>
-          </a:p>
-          <a:p>
-            <a:r>
-              <a:rPr lang="ro-RO" sz="1600" dirty="0" smtClean="0">
-                <a:solidFill>
-                  <a:srgbClr val="000090"/>
-                </a:solidFill>
-                <a:latin typeface="Courier New"/>
-                <a:cs typeface="Courier New"/>
-              </a:rPr>
-              <a:t>res0: String = 1100</a:t>
-            </a:r>
-          </a:p>
         </p:txBody>
       </p:sp>
       <p:sp>
@@ -19906,8 +20013,8 @@
         </p:nvSpPr>
         <p:spPr>
           <a:xfrm>
-            <a:off x="457200" y="2476500"/>
-            <a:ext cx="8229600" cy="3530599"/>
+            <a:off x="457200" y="2376714"/>
+            <a:ext cx="8229600" cy="3630385"/>
           </a:xfrm>
         </p:spPr>
         <p:txBody>
@@ -19917,22 +20024,46 @@
           <a:lstStyle/>
           <a:p>
             <a:r>
-              <a:rPr lang="en-US" dirty="0" smtClean="0"/>
-              <a:t>Concepts are types</a:t>
-            </a:r>
-          </a:p>
-          <a:p>
-            <a:r>
-              <a:rPr lang="en-US" dirty="0" smtClean="0"/>
-              <a:t>Arrows are functions that convert one concept to another</a:t>
-            </a:r>
+              <a:rPr lang="en-US" dirty="0" err="1" smtClean="0"/>
+              <a:t>Functors</a:t>
+            </a:r>
+            <a:r>
+              <a:rPr lang="en-US" dirty="0" smtClean="0"/>
+              <a:t> are transformations from one category to another that </a:t>
+            </a:r>
+            <a:r>
+              <a:rPr lang="en-US" dirty="0" smtClean="0"/>
+              <a:t>preserve </a:t>
+            </a:r>
+            <a:r>
+              <a:rPr lang="en-US" dirty="0" err="1" smtClean="0"/>
+              <a:t>morphisms</a:t>
+            </a:r>
+            <a:endParaRPr lang="en-US" dirty="0" smtClean="0"/>
+          </a:p>
+          <a:p>
+            <a:r>
+              <a:rPr lang="en-US" dirty="0" smtClean="0"/>
+              <a:t>Simplified, converts a type from one to another while maintaining the </a:t>
+            </a:r>
+            <a:r>
+              <a:rPr lang="en-US" dirty="0" smtClean="0"/>
+              <a:t>conversion of a type with one property to a type with another property</a:t>
+            </a:r>
+            <a:endParaRPr lang="en-US" dirty="0" smtClean="0"/>
+          </a:p>
+          <a:p>
+            <a:pPr marL="0" indent="0">
+              <a:buNone/>
+            </a:pPr>
+            <a:endParaRPr lang="en-US" dirty="0" smtClean="0"/>
           </a:p>
         </p:txBody>
       </p:sp>
     </p:spTree>
     <p:extLst>
       <p:ext uri="{BB962C8B-B14F-4D97-AF65-F5344CB8AC3E}">
-        <p14:creationId xmlns:p14="http://schemas.microsoft.com/office/powerpoint/2010/main" val="1224060381"/>
+        <p14:creationId xmlns:p14="http://schemas.microsoft.com/office/powerpoint/2010/main" val="3721965652"/>
       </p:ext>
     </p:extLst>
   </p:cSld>
@@ -19984,8 +20115,8 @@
           <a:lstStyle/>
           <a:p>
             <a:r>
-              <a:rPr lang="en-US" dirty="0" err="1" smtClean="0"/>
-              <a:t>Morphism</a:t>
+              <a:rPr lang="en-US" dirty="0" smtClean="0"/>
+              <a:t>Monad</a:t>
             </a:r>
             <a:endParaRPr lang="en-US" dirty="0"/>
           </a:p>
@@ -20000,7 +20131,7 @@
         <p:spPr>
           <a:xfrm>
             <a:off x="317500" y="1288122"/>
-            <a:ext cx="8509000" cy="584776"/>
+            <a:ext cx="8509000" cy="1077218"/>
           </a:xfrm>
           <a:prstGeom prst="rect">
             <a:avLst/>
@@ -20014,7 +20145,7 @@
           <a:lstStyle/>
           <a:p>
             <a:r>
-              <a:rPr lang="ro-RO" sz="1600" b="1" dirty="0" smtClean="0">
+              <a:rPr lang="ro-RO" sz="1600" b="1" dirty="0">
                 <a:solidFill>
                   <a:srgbClr val="000090"/>
                 </a:solidFill>
@@ -20024,6 +20155,48 @@
               <a:t>val </a:t>
             </a:r>
             <a:r>
+              <a:rPr lang="ro-RO" sz="1600" dirty="0">
+                <a:solidFill>
+                  <a:srgbClr val="000090"/>
+                </a:solidFill>
+                <a:latin typeface="Courier New"/>
+                <a:cs typeface="Courier New"/>
+              </a:rPr>
+              <a:t>customerPurchases = </a:t>
+            </a:r>
+            <a:r>
+              <a:rPr lang="ro-RO" sz="1600" b="1" dirty="0">
+                <a:solidFill>
+                  <a:srgbClr val="000090"/>
+                </a:solidFill>
+                <a:latin typeface="Courier New"/>
+                <a:cs typeface="Courier New"/>
+              </a:rPr>
+              <a:t>for</a:t>
+            </a:r>
+            <a:r>
+              <a:rPr lang="ro-RO" sz="1600" dirty="0">
+                <a:solidFill>
+                  <a:srgbClr val="000090"/>
+                </a:solidFill>
+                <a:latin typeface="Courier New"/>
+                <a:cs typeface="Courier New"/>
+              </a:rPr>
+              <a:t> (</a:t>
+            </a:r>
+          </a:p>
+          <a:p>
+            <a:r>
+              <a:rPr lang="ro-RO" sz="1600" dirty="0">
+                <a:solidFill>
+                  <a:srgbClr val="000090"/>
+                </a:solidFill>
+                <a:latin typeface="Courier New"/>
+                <a:cs typeface="Courier New"/>
+              </a:rPr>
+              <a:t>  costUSD &lt;- </a:t>
+            </a:r>
+            <a:r>
               <a:rPr lang="ro-RO" sz="1600" dirty="0" smtClean="0">
                 <a:solidFill>
                   <a:srgbClr val="000090"/>
@@ -20031,19 +20204,26 @@
                 <a:latin typeface="Courier New"/>
                 <a:cs typeface="Courier New"/>
               </a:rPr>
-              <a:t>number = 1000</a:t>
-            </a:r>
-          </a:p>
-          <a:p>
-            <a:r>
-              <a:rPr lang="ro-RO" sz="1600" b="1" dirty="0" smtClean="0">
-                <a:solidFill>
-                  <a:srgbClr val="000090"/>
-                </a:solidFill>
-                <a:latin typeface="Courier New"/>
-                <a:cs typeface="Courier New"/>
-              </a:rPr>
-              <a:t>val </a:t>
+              <a:t>proxy.getCostInDollars</a:t>
+            </a:r>
+            <a:endParaRPr lang="ro-RO" sz="1600" dirty="0">
+              <a:solidFill>
+                <a:srgbClr val="000090"/>
+              </a:solidFill>
+              <a:latin typeface="Courier New"/>
+              <a:cs typeface="Courier New"/>
+            </a:endParaRPr>
+          </a:p>
+          <a:p>
+            <a:r>
+              <a:rPr lang="ro-RO" sz="1600" dirty="0">
+                <a:solidFill>
+                  <a:srgbClr val="000090"/>
+                </a:solidFill>
+                <a:latin typeface="Courier New"/>
+                <a:cs typeface="Courier New"/>
+              </a:rPr>
+              <a:t>  totalPurchase &lt;- </a:t>
             </a:r>
             <a:r>
               <a:rPr lang="ro-RO" sz="1600" dirty="0" smtClean="0">
@@ -20053,7 +20233,66 @@
                 <a:latin typeface="Courier New"/>
                 <a:cs typeface="Courier New"/>
               </a:rPr>
-              <a:t>numericString = number.toString</a:t>
+              <a:t>proxy.addToTotal</a:t>
+            </a:r>
+            <a:r>
+              <a:rPr lang="ro-RO" sz="1600" dirty="0">
+                <a:solidFill>
+                  <a:srgbClr val="000090"/>
+                </a:solidFill>
+                <a:latin typeface="Courier New"/>
+                <a:cs typeface="Courier New"/>
+              </a:rPr>
+              <a:t>(costUSD</a:t>
+            </a:r>
+            <a:r>
+              <a:rPr lang="ro-RO" sz="1600" dirty="0" smtClean="0">
+                <a:solidFill>
+                  <a:srgbClr val="000090"/>
+                </a:solidFill>
+                <a:latin typeface="Courier New"/>
+                <a:cs typeface="Courier New"/>
+              </a:rPr>
+              <a:t>)</a:t>
+            </a:r>
+            <a:endParaRPr lang="ro-RO" sz="1600" dirty="0">
+              <a:solidFill>
+                <a:srgbClr val="000090"/>
+              </a:solidFill>
+              <a:latin typeface="Courier New"/>
+              <a:cs typeface="Courier New"/>
+            </a:endParaRPr>
+          </a:p>
+          <a:p>
+            <a:r>
+              <a:rPr lang="ro-RO" sz="1600" dirty="0">
+                <a:solidFill>
+                  <a:srgbClr val="000090"/>
+                </a:solidFill>
+                <a:latin typeface="Courier New"/>
+                <a:cs typeface="Courier New"/>
+              </a:rPr>
+              <a:t>} </a:t>
+            </a:r>
+            <a:r>
+              <a:rPr lang="ro-RO" sz="1600" b="1" dirty="0">
+                <a:solidFill>
+                  <a:srgbClr val="000090"/>
+                </a:solidFill>
+                <a:latin typeface="Courier New"/>
+                <a:cs typeface="Courier New"/>
+              </a:rPr>
+              <a:t>yield</a:t>
+            </a:r>
+            <a:r>
+              <a:rPr lang="ro-RO" sz="1600" dirty="0">
+                <a:solidFill>
+                  <a:srgbClr val="000090"/>
+                </a:solidFill>
+                <a:latin typeface="Courier New"/>
+                <a:cs typeface="Courier New"/>
+              </a:rPr>
+              <a:t> ((customerId -&gt; totalPurchase))</a:t>
             </a:r>
           </a:p>
         </p:txBody>
@@ -20070,47 +20309,68 @@
         </p:nvSpPr>
         <p:spPr>
           <a:xfrm>
-            <a:off x="457200" y="2322286"/>
-            <a:ext cx="8229600" cy="3684813"/>
+            <a:off x="457200" y="3251200"/>
+            <a:ext cx="8229600" cy="2755899"/>
           </a:xfrm>
         </p:spPr>
         <p:txBody>
           <a:bodyPr>
-            <a:normAutofit/>
+            <a:normAutofit fontScale="85000" lnSpcReduction="20000"/>
           </a:bodyPr>
           <a:lstStyle/>
           <a:p>
             <a:r>
+              <a:rPr lang="en-US" dirty="0" smtClean="0"/>
+              <a:t>Very ephemeral concept</a:t>
+            </a:r>
+          </a:p>
+          <a:p>
+            <a:r>
+              <a:rPr lang="en-US" dirty="0" smtClean="0"/>
+              <a:t>Must meet the laws of a monad to be one</a:t>
+            </a:r>
+          </a:p>
+          <a:p>
+            <a:r>
+              <a:rPr lang="en-US" dirty="0" smtClean="0"/>
+              <a:t>Combine </a:t>
+            </a:r>
+            <a:r>
               <a:rPr lang="en-US" dirty="0" err="1" smtClean="0"/>
-              <a:t>Morphisms</a:t>
-            </a:r>
-            <a:r>
-              <a:rPr lang="en-US" dirty="0" smtClean="0"/>
-              <a:t> </a:t>
-            </a:r>
-            <a:r>
-              <a:rPr lang="en-US" dirty="0" smtClean="0"/>
-              <a:t>change one value in a category to another in the same category, from one type to another where types are the category</a:t>
-            </a:r>
-          </a:p>
-          <a:p>
-            <a:r>
-              <a:rPr lang="en-US" dirty="0" smtClean="0"/>
-              <a:t>Simplified, it converts a type with one property to a type with another </a:t>
-            </a:r>
-            <a:r>
-              <a:rPr lang="en-US" dirty="0" smtClean="0"/>
-              <a:t>property</a:t>
-            </a:r>
-          </a:p>
-          <a:p>
-            <a:r>
-              <a:rPr lang="en-US" dirty="0" smtClean="0"/>
-              <a:t>Must be pure, not side-effecting</a:t>
-            </a:r>
+              <a:t>functor</a:t>
+            </a:r>
+            <a:r>
+              <a:rPr lang="en-US" dirty="0" smtClean="0"/>
+              <a:t> applications because they can be bound together, sequencing operations on the underlying types</a:t>
+            </a:r>
+          </a:p>
+          <a:p>
+            <a:r>
+              <a:rPr lang="en-US" b="1" dirty="0" err="1" smtClean="0">
+                <a:latin typeface="Courier New"/>
+                <a:cs typeface="Courier New"/>
+              </a:rPr>
+              <a:t>flatMap</a:t>
+            </a:r>
+            <a:r>
+              <a:rPr lang="en-US" b="1" dirty="0" smtClean="0">
+                <a:latin typeface="Courier New"/>
+                <a:cs typeface="Courier New"/>
+              </a:rPr>
+              <a:t>()</a:t>
+            </a:r>
+            <a:r>
+              <a:rPr lang="en-US" dirty="0" smtClean="0"/>
+              <a:t> is the method the Scala compiler uses to bind monads</a:t>
+            </a:r>
+          </a:p>
+          <a:p>
             <a:endParaRPr lang="en-US" dirty="0" smtClean="0"/>
           </a:p>
           <a:p>
+            <a:pPr marL="0" indent="0">
+              <a:buNone/>
+            </a:pPr>
             <a:endParaRPr lang="en-US" dirty="0" smtClean="0"/>
           </a:p>
         </p:txBody>
@@ -20118,7 +20378,7 @@
     </p:spTree>
     <p:extLst>
       <p:ext uri="{BB962C8B-B14F-4D97-AF65-F5344CB8AC3E}">
-        <p14:creationId xmlns:p14="http://schemas.microsoft.com/office/powerpoint/2010/main" val="3955360150"/>
+        <p14:creationId xmlns:p14="http://schemas.microsoft.com/office/powerpoint/2010/main" val="2686750131"/>
       </p:ext>
     </p:extLst>
   </p:cSld>
@@ -20154,522 +20414,6 @@
       </p:grpSpPr>
       <p:sp>
         <p:nvSpPr>
-          <p:cNvPr id="2" name="Title 1"/>
-          <p:cNvSpPr>
-            <a:spLocks noGrp="1"/>
-          </p:cNvSpPr>
-          <p:nvPr>
-            <p:ph type="title"/>
-          </p:nvPr>
-        </p:nvSpPr>
-        <p:spPr/>
-        <p:txBody>
-          <a:bodyPr>
-            <a:normAutofit/>
-          </a:bodyPr>
-          <a:lstStyle/>
-          <a:p>
-            <a:r>
-              <a:rPr lang="en-US" dirty="0" err="1" smtClean="0"/>
-              <a:t>Functor</a:t>
-            </a:r>
-            <a:endParaRPr lang="en-US" dirty="0"/>
-          </a:p>
-        </p:txBody>
-      </p:sp>
-      <p:sp>
-        <p:nvSpPr>
-          <p:cNvPr id="4" name="TextBox 3"/>
-          <p:cNvSpPr txBox="1"/>
-          <p:nvPr/>
-        </p:nvSpPr>
-        <p:spPr>
-          <a:xfrm>
-            <a:off x="317500" y="1288122"/>
-            <a:ext cx="8509000" cy="584776"/>
-          </a:xfrm>
-          <a:prstGeom prst="rect">
-            <a:avLst/>
-          </a:prstGeom>
-          <a:noFill/>
-        </p:spPr>
-        <p:txBody>
-          <a:bodyPr wrap="square" rtlCol="0">
-            <a:spAutoFit/>
-          </a:bodyPr>
-          <a:lstStyle/>
-          <a:p>
-            <a:r>
-              <a:rPr lang="ro-RO" sz="1600" b="1" dirty="0">
-                <a:solidFill>
-                  <a:srgbClr val="000090"/>
-                </a:solidFill>
-                <a:latin typeface="Courier New"/>
-                <a:cs typeface="Courier New"/>
-              </a:rPr>
-              <a:t>val </a:t>
-            </a:r>
-            <a:r>
-              <a:rPr lang="ro-RO" sz="1600" dirty="0">
-                <a:solidFill>
-                  <a:srgbClr val="000090"/>
-                </a:solidFill>
-                <a:latin typeface="Courier New"/>
-                <a:cs typeface="Courier New"/>
-              </a:rPr>
-              <a:t>numbers = List(1, 2, 3, 4)</a:t>
-            </a:r>
-          </a:p>
-          <a:p>
-            <a:r>
-              <a:rPr lang="ro-RO" sz="1600" b="1" dirty="0">
-                <a:solidFill>
-                  <a:srgbClr val="000090"/>
-                </a:solidFill>
-                <a:latin typeface="Courier New"/>
-                <a:cs typeface="Courier New"/>
-              </a:rPr>
-              <a:t>val </a:t>
-            </a:r>
-            <a:r>
-              <a:rPr lang="ro-RO" sz="1600" dirty="0">
-                <a:solidFill>
-                  <a:srgbClr val="000090"/>
-                </a:solidFill>
-                <a:latin typeface="Courier New"/>
-                <a:cs typeface="Courier New"/>
-              </a:rPr>
-              <a:t>numericStrings = numbers.map(_.toString</a:t>
-            </a:r>
-            <a:r>
-              <a:rPr lang="ro-RO" sz="1600" dirty="0" smtClean="0">
-                <a:solidFill>
-                  <a:srgbClr val="000090"/>
-                </a:solidFill>
-                <a:latin typeface="Courier New"/>
-                <a:cs typeface="Courier New"/>
-              </a:rPr>
-              <a:t>)</a:t>
-            </a:r>
-            <a:endParaRPr lang="ro-RO" sz="1600" dirty="0">
-              <a:solidFill>
-                <a:srgbClr val="000090"/>
-              </a:solidFill>
-              <a:latin typeface="Courier New"/>
-              <a:cs typeface="Courier New"/>
-            </a:endParaRPr>
-          </a:p>
-        </p:txBody>
-      </p:sp>
-      <p:sp>
-        <p:nvSpPr>
-          <p:cNvPr id="6" name="Content Placeholder 2"/>
-          <p:cNvSpPr>
-            <a:spLocks noGrp="1"/>
-          </p:cNvSpPr>
-          <p:nvPr>
-            <p:ph idx="1"/>
-          </p:nvPr>
-        </p:nvSpPr>
-        <p:spPr>
-          <a:xfrm>
-            <a:off x="457200" y="2376714"/>
-            <a:ext cx="8229600" cy="3630385"/>
-          </a:xfrm>
-        </p:spPr>
-        <p:txBody>
-          <a:bodyPr>
-            <a:normAutofit/>
-          </a:bodyPr>
-          <a:lstStyle/>
-          <a:p>
-            <a:r>
-              <a:rPr lang="en-US" dirty="0" err="1" smtClean="0"/>
-              <a:t>Functors</a:t>
-            </a:r>
-            <a:r>
-              <a:rPr lang="en-US" dirty="0" smtClean="0"/>
-              <a:t> are transformations from one category to another that can also transform/preserve </a:t>
-            </a:r>
-            <a:r>
-              <a:rPr lang="en-US" dirty="0" err="1" smtClean="0"/>
-              <a:t>morphisms</a:t>
-            </a:r>
-            <a:endParaRPr lang="en-US" dirty="0" smtClean="0"/>
-          </a:p>
-          <a:p>
-            <a:r>
-              <a:rPr lang="en-US" dirty="0" smtClean="0"/>
-              <a:t>Simplified, converts a type from one to another while maintaining the </a:t>
-            </a:r>
-            <a:r>
-              <a:rPr lang="en-US" dirty="0" smtClean="0"/>
-              <a:t>conversion of a type with one property to a type with another property</a:t>
-            </a:r>
-            <a:endParaRPr lang="en-US" dirty="0" smtClean="0"/>
-          </a:p>
-          <a:p>
-            <a:pPr marL="0" indent="0">
-              <a:buNone/>
-            </a:pPr>
-            <a:endParaRPr lang="en-US" dirty="0" smtClean="0"/>
-          </a:p>
-        </p:txBody>
-      </p:sp>
-    </p:spTree>
-    <p:extLst>
-      <p:ext uri="{BB962C8B-B14F-4D97-AF65-F5344CB8AC3E}">
-        <p14:creationId xmlns:p14="http://schemas.microsoft.com/office/powerpoint/2010/main" val="3721965652"/>
-      </p:ext>
-    </p:extLst>
-  </p:cSld>
-  <p:clrMapOvr>
-    <a:masterClrMapping/>
-  </p:clrMapOvr>
-  <p:timing>
-    <p:tnLst>
-      <p:par>
-        <p:cTn xmlns:p14="http://schemas.microsoft.com/office/powerpoint/2010/main" id="1" dur="indefinite" restart="never" nodeType="tmRoot"/>
-      </p:par>
-    </p:tnLst>
-  </p:timing>
-</p:sld>
-</file>
-
-<file path=ppt/slides/slide53.xml><?xml version="1.0" encoding="utf-8"?>
-<p:sld xmlns:a="http://schemas.openxmlformats.org/drawingml/2006/main" xmlns:r="http://schemas.openxmlformats.org/officeDocument/2006/relationships" xmlns:p="http://schemas.openxmlformats.org/presentationml/2006/main">
-  <p:cSld>
-    <p:spTree>
-      <p:nvGrpSpPr>
-        <p:cNvPr id="1" name=""/>
-        <p:cNvGrpSpPr/>
-        <p:nvPr/>
-      </p:nvGrpSpPr>
-      <p:grpSpPr>
-        <a:xfrm>
-          <a:off x="0" y="0"/>
-          <a:ext cx="0" cy="0"/>
-          <a:chOff x="0" y="0"/>
-          <a:chExt cx="0" cy="0"/>
-        </a:xfrm>
-      </p:grpSpPr>
-      <p:sp>
-        <p:nvSpPr>
-          <p:cNvPr id="2" name="Title 1"/>
-          <p:cNvSpPr>
-            <a:spLocks noGrp="1"/>
-          </p:cNvSpPr>
-          <p:nvPr>
-            <p:ph type="title"/>
-          </p:nvPr>
-        </p:nvSpPr>
-        <p:spPr/>
-        <p:txBody>
-          <a:bodyPr>
-            <a:normAutofit/>
-          </a:bodyPr>
-          <a:lstStyle/>
-          <a:p>
-            <a:r>
-              <a:rPr lang="en-US" dirty="0" smtClean="0"/>
-              <a:t>Monad</a:t>
-            </a:r>
-            <a:endParaRPr lang="en-US" dirty="0"/>
-          </a:p>
-        </p:txBody>
-      </p:sp>
-      <p:sp>
-        <p:nvSpPr>
-          <p:cNvPr id="4" name="TextBox 3"/>
-          <p:cNvSpPr txBox="1"/>
-          <p:nvPr/>
-        </p:nvSpPr>
-        <p:spPr>
-          <a:xfrm>
-            <a:off x="317500" y="1288122"/>
-            <a:ext cx="8509000" cy="1077218"/>
-          </a:xfrm>
-          <a:prstGeom prst="rect">
-            <a:avLst/>
-          </a:prstGeom>
-          <a:noFill/>
-        </p:spPr>
-        <p:txBody>
-          <a:bodyPr wrap="square" rtlCol="0">
-            <a:spAutoFit/>
-          </a:bodyPr>
-          <a:lstStyle/>
-          <a:p>
-            <a:r>
-              <a:rPr lang="ro-RO" sz="1600" b="1" dirty="0">
-                <a:solidFill>
-                  <a:srgbClr val="000090"/>
-                </a:solidFill>
-                <a:latin typeface="Courier New"/>
-                <a:cs typeface="Courier New"/>
-              </a:rPr>
-              <a:t>val </a:t>
-            </a:r>
-            <a:r>
-              <a:rPr lang="ro-RO" sz="1600" dirty="0">
-                <a:solidFill>
-                  <a:srgbClr val="000090"/>
-                </a:solidFill>
-                <a:latin typeface="Courier New"/>
-                <a:cs typeface="Courier New"/>
-              </a:rPr>
-              <a:t>customerPurchases = </a:t>
-            </a:r>
-            <a:r>
-              <a:rPr lang="ro-RO" sz="1600" b="1" dirty="0">
-                <a:solidFill>
-                  <a:srgbClr val="000090"/>
-                </a:solidFill>
-                <a:latin typeface="Courier New"/>
-                <a:cs typeface="Courier New"/>
-              </a:rPr>
-              <a:t>for</a:t>
-            </a:r>
-            <a:r>
-              <a:rPr lang="ro-RO" sz="1600" dirty="0">
-                <a:solidFill>
-                  <a:srgbClr val="000090"/>
-                </a:solidFill>
-                <a:latin typeface="Courier New"/>
-                <a:cs typeface="Courier New"/>
-              </a:rPr>
-              <a:t> (</a:t>
-            </a:r>
-          </a:p>
-          <a:p>
-            <a:r>
-              <a:rPr lang="ro-RO" sz="1600" dirty="0">
-                <a:solidFill>
-                  <a:srgbClr val="000090"/>
-                </a:solidFill>
-                <a:latin typeface="Courier New"/>
-                <a:cs typeface="Courier New"/>
-              </a:rPr>
-              <a:t>  costUSD &lt;- </a:t>
-            </a:r>
-            <a:r>
-              <a:rPr lang="ro-RO" sz="1600" dirty="0" smtClean="0">
-                <a:solidFill>
-                  <a:srgbClr val="000090"/>
-                </a:solidFill>
-                <a:latin typeface="Courier New"/>
-                <a:cs typeface="Courier New"/>
-              </a:rPr>
-              <a:t>proxy.getCostInDollars</a:t>
-            </a:r>
-            <a:endParaRPr lang="ro-RO" sz="1600" dirty="0">
-              <a:solidFill>
-                <a:srgbClr val="000090"/>
-              </a:solidFill>
-              <a:latin typeface="Courier New"/>
-              <a:cs typeface="Courier New"/>
-            </a:endParaRPr>
-          </a:p>
-          <a:p>
-            <a:r>
-              <a:rPr lang="ro-RO" sz="1600" dirty="0">
-                <a:solidFill>
-                  <a:srgbClr val="000090"/>
-                </a:solidFill>
-                <a:latin typeface="Courier New"/>
-                <a:cs typeface="Courier New"/>
-              </a:rPr>
-              <a:t>  totalPurchase &lt;- </a:t>
-            </a:r>
-            <a:r>
-              <a:rPr lang="ro-RO" sz="1600" dirty="0" smtClean="0">
-                <a:solidFill>
-                  <a:srgbClr val="000090"/>
-                </a:solidFill>
-                <a:latin typeface="Courier New"/>
-                <a:cs typeface="Courier New"/>
-              </a:rPr>
-              <a:t>proxy.addToTotal</a:t>
-            </a:r>
-            <a:r>
-              <a:rPr lang="ro-RO" sz="1600" dirty="0">
-                <a:solidFill>
-                  <a:srgbClr val="000090"/>
-                </a:solidFill>
-                <a:latin typeface="Courier New"/>
-                <a:cs typeface="Courier New"/>
-              </a:rPr>
-              <a:t>(costUSD</a:t>
-            </a:r>
-            <a:r>
-              <a:rPr lang="ro-RO" sz="1600" dirty="0" smtClean="0">
-                <a:solidFill>
-                  <a:srgbClr val="000090"/>
-                </a:solidFill>
-                <a:latin typeface="Courier New"/>
-                <a:cs typeface="Courier New"/>
-              </a:rPr>
-              <a:t>)</a:t>
-            </a:r>
-            <a:endParaRPr lang="ro-RO" sz="1600" dirty="0">
-              <a:solidFill>
-                <a:srgbClr val="000090"/>
-              </a:solidFill>
-              <a:latin typeface="Courier New"/>
-              <a:cs typeface="Courier New"/>
-            </a:endParaRPr>
-          </a:p>
-          <a:p>
-            <a:r>
-              <a:rPr lang="ro-RO" sz="1600" dirty="0">
-                <a:solidFill>
-                  <a:srgbClr val="000090"/>
-                </a:solidFill>
-                <a:latin typeface="Courier New"/>
-                <a:cs typeface="Courier New"/>
-              </a:rPr>
-              <a:t>} </a:t>
-            </a:r>
-            <a:r>
-              <a:rPr lang="ro-RO" sz="1600" b="1" dirty="0">
-                <a:solidFill>
-                  <a:srgbClr val="000090"/>
-                </a:solidFill>
-                <a:latin typeface="Courier New"/>
-                <a:cs typeface="Courier New"/>
-              </a:rPr>
-              <a:t>yield</a:t>
-            </a:r>
-            <a:r>
-              <a:rPr lang="ro-RO" sz="1600" dirty="0">
-                <a:solidFill>
-                  <a:srgbClr val="000090"/>
-                </a:solidFill>
-                <a:latin typeface="Courier New"/>
-                <a:cs typeface="Courier New"/>
-              </a:rPr>
-              <a:t> ((customerId -&gt; totalPurchase))</a:t>
-            </a:r>
-          </a:p>
-        </p:txBody>
-      </p:sp>
-      <p:sp>
-        <p:nvSpPr>
-          <p:cNvPr id="6" name="Content Placeholder 2"/>
-          <p:cNvSpPr>
-            <a:spLocks noGrp="1"/>
-          </p:cNvSpPr>
-          <p:nvPr>
-            <p:ph idx="1"/>
-          </p:nvPr>
-        </p:nvSpPr>
-        <p:spPr>
-          <a:xfrm>
-            <a:off x="457200" y="3251200"/>
-            <a:ext cx="8229600" cy="2755899"/>
-          </a:xfrm>
-        </p:spPr>
-        <p:txBody>
-          <a:bodyPr>
-            <a:normAutofit fontScale="85000" lnSpcReduction="20000"/>
-          </a:bodyPr>
-          <a:lstStyle/>
-          <a:p>
-            <a:r>
-              <a:rPr lang="en-US" dirty="0" smtClean="0"/>
-              <a:t>Very ephemeral concept</a:t>
-            </a:r>
-          </a:p>
-          <a:p>
-            <a:r>
-              <a:rPr lang="en-US" dirty="0" smtClean="0"/>
-              <a:t>Must meet the laws of a monad to be one</a:t>
-            </a:r>
-          </a:p>
-          <a:p>
-            <a:r>
-              <a:rPr lang="en-US" dirty="0" smtClean="0"/>
-              <a:t>Combine </a:t>
-            </a:r>
-            <a:r>
-              <a:rPr lang="en-US" dirty="0" err="1" smtClean="0"/>
-              <a:t>functor</a:t>
-            </a:r>
-            <a:r>
-              <a:rPr lang="en-US" dirty="0" smtClean="0"/>
-              <a:t> applications because they can be bound together, sequencing operations on the underlying types</a:t>
-            </a:r>
-          </a:p>
-          <a:p>
-            <a:r>
-              <a:rPr lang="en-US" b="1" dirty="0" err="1" smtClean="0">
-                <a:latin typeface="Courier New"/>
-                <a:cs typeface="Courier New"/>
-              </a:rPr>
-              <a:t>flatMap</a:t>
-            </a:r>
-            <a:r>
-              <a:rPr lang="en-US" b="1" dirty="0" smtClean="0">
-                <a:latin typeface="Courier New"/>
-                <a:cs typeface="Courier New"/>
-              </a:rPr>
-              <a:t>()</a:t>
-            </a:r>
-            <a:r>
-              <a:rPr lang="en-US" dirty="0" smtClean="0"/>
-              <a:t> is the method the Scala compiler uses to bind monads</a:t>
-            </a:r>
-          </a:p>
-          <a:p>
-            <a:endParaRPr lang="en-US" dirty="0" smtClean="0"/>
-          </a:p>
-          <a:p>
-            <a:pPr marL="0" indent="0">
-              <a:buNone/>
-            </a:pPr>
-            <a:endParaRPr lang="en-US" dirty="0" smtClean="0"/>
-          </a:p>
-        </p:txBody>
-      </p:sp>
-    </p:spTree>
-    <p:extLst>
-      <p:ext uri="{BB962C8B-B14F-4D97-AF65-F5344CB8AC3E}">
-        <p14:creationId xmlns:p14="http://schemas.microsoft.com/office/powerpoint/2010/main" val="2686750131"/>
-      </p:ext>
-    </p:extLst>
-  </p:cSld>
-  <p:clrMapOvr>
-    <a:masterClrMapping/>
-  </p:clrMapOvr>
-  <p:timing>
-    <p:tnLst>
-      <p:par>
-        <p:cTn xmlns:p14="http://schemas.microsoft.com/office/powerpoint/2010/main" id="1" dur="indefinite" restart="never" nodeType="tmRoot"/>
-      </p:par>
-    </p:tnLst>
-  </p:timing>
-</p:sld>
-</file>
-
-<file path=ppt/slides/slide54.xml><?xml version="1.0" encoding="utf-8"?>
-<p:sld xmlns:a="http://schemas.openxmlformats.org/drawingml/2006/main" xmlns:r="http://schemas.openxmlformats.org/officeDocument/2006/relationships" xmlns:p="http://schemas.openxmlformats.org/presentationml/2006/main">
-  <p:cSld>
-    <p:spTree>
-      <p:nvGrpSpPr>
-        <p:cNvPr id="1" name=""/>
-        <p:cNvGrpSpPr/>
-        <p:nvPr/>
-      </p:nvGrpSpPr>
-      <p:grpSpPr>
-        <a:xfrm>
-          <a:off x="0" y="0"/>
-          <a:ext cx="0" cy="0"/>
-          <a:chOff x="0" y="0"/>
-          <a:chExt cx="0" cy="0"/>
-        </a:xfrm>
-      </p:grpSpPr>
-      <p:sp>
-        <p:nvSpPr>
           <p:cNvPr id="3" name="Content Placeholder 2"/>
           <p:cNvSpPr>
             <a:spLocks noGrp="1"/>
@@ -20721,7 +20465,7 @@
 </p:sld>
 </file>
 
-<file path=ppt/slides/slide55.xml><?xml version="1.0" encoding="utf-8"?>
+<file path=ppt/slides/slide53.xml><?xml version="1.0" encoding="utf-8"?>
 <p:sld xmlns:a="http://schemas.openxmlformats.org/drawingml/2006/main" xmlns:r="http://schemas.openxmlformats.org/officeDocument/2006/relationships" xmlns:p="http://schemas.openxmlformats.org/presentationml/2006/main">
   <p:cSld>
     <p:spTree>

--- a/slides/taxonomy-of-scala.pptx
+++ b/slides/taxonomy-of-scala.pptx
@@ -244,7 +244,7 @@
           <a:p>
             <a:fld id="{E25EA399-0272-5244-A314-798B957B5FDB}" type="datetimeFigureOut">
               <a:rPr lang="en-US" smtClean="0"/>
-              <a:t>9/23/12</a:t>
+              <a:t>9/26/12</a:t>
             </a:fld>
             <a:endParaRPr lang="en-US"/>
           </a:p>
@@ -5437,7 +5437,7 @@
           <a:p>
             <a:fld id="{41FB5337-3422-104B-ACE5-51755450417F}" type="datetimeFigureOut">
               <a:rPr lang="en-US" smtClean="0"/>
-              <a:t>9/23/12</a:t>
+              <a:t>9/26/12</a:t>
             </a:fld>
             <a:endParaRPr lang="en-US"/>
           </a:p>
@@ -5607,7 +5607,7 @@
           <a:p>
             <a:fld id="{41FB5337-3422-104B-ACE5-51755450417F}" type="datetimeFigureOut">
               <a:rPr lang="en-US" smtClean="0"/>
-              <a:t>9/23/12</a:t>
+              <a:t>9/26/12</a:t>
             </a:fld>
             <a:endParaRPr lang="en-US"/>
           </a:p>
@@ -5787,7 +5787,7 @@
           <a:p>
             <a:fld id="{41FB5337-3422-104B-ACE5-51755450417F}" type="datetimeFigureOut">
               <a:rPr lang="en-US" smtClean="0"/>
-              <a:t>9/23/12</a:t>
+              <a:t>9/26/12</a:t>
             </a:fld>
             <a:endParaRPr lang="en-US"/>
           </a:p>
@@ -5957,7 +5957,7 @@
           <a:p>
             <a:fld id="{41FB5337-3422-104B-ACE5-51755450417F}" type="datetimeFigureOut">
               <a:rPr lang="en-US" smtClean="0"/>
-              <a:t>9/23/12</a:t>
+              <a:t>9/26/12</a:t>
             </a:fld>
             <a:endParaRPr lang="en-US"/>
           </a:p>
@@ -6203,7 +6203,7 @@
           <a:p>
             <a:fld id="{41FB5337-3422-104B-ACE5-51755450417F}" type="datetimeFigureOut">
               <a:rPr lang="en-US" smtClean="0"/>
-              <a:t>9/23/12</a:t>
+              <a:t>9/26/12</a:t>
             </a:fld>
             <a:endParaRPr lang="en-US"/>
           </a:p>
@@ -6491,7 +6491,7 @@
           <a:p>
             <a:fld id="{41FB5337-3422-104B-ACE5-51755450417F}" type="datetimeFigureOut">
               <a:rPr lang="en-US" smtClean="0"/>
-              <a:t>9/23/12</a:t>
+              <a:t>9/26/12</a:t>
             </a:fld>
             <a:endParaRPr lang="en-US"/>
           </a:p>
@@ -6913,7 +6913,7 @@
           <a:p>
             <a:fld id="{41FB5337-3422-104B-ACE5-51755450417F}" type="datetimeFigureOut">
               <a:rPr lang="en-US" smtClean="0"/>
-              <a:t>9/23/12</a:t>
+              <a:t>9/26/12</a:t>
             </a:fld>
             <a:endParaRPr lang="en-US"/>
           </a:p>
@@ -7031,7 +7031,7 @@
           <a:p>
             <a:fld id="{41FB5337-3422-104B-ACE5-51755450417F}" type="datetimeFigureOut">
               <a:rPr lang="en-US" smtClean="0"/>
-              <a:t>9/23/12</a:t>
+              <a:t>9/26/12</a:t>
             </a:fld>
             <a:endParaRPr lang="en-US"/>
           </a:p>
@@ -7126,7 +7126,7 @@
           <a:p>
             <a:fld id="{41FB5337-3422-104B-ACE5-51755450417F}" type="datetimeFigureOut">
               <a:rPr lang="en-US" smtClean="0"/>
-              <a:t>9/23/12</a:t>
+              <a:t>9/26/12</a:t>
             </a:fld>
             <a:endParaRPr lang="en-US"/>
           </a:p>
@@ -7403,7 +7403,7 @@
           <a:p>
             <a:fld id="{41FB5337-3422-104B-ACE5-51755450417F}" type="datetimeFigureOut">
               <a:rPr lang="en-US" smtClean="0"/>
-              <a:t>9/23/12</a:t>
+              <a:t>9/26/12</a:t>
             </a:fld>
             <a:endParaRPr lang="en-US"/>
           </a:p>
@@ -7656,7 +7656,7 @@
           <a:p>
             <a:fld id="{41FB5337-3422-104B-ACE5-51755450417F}" type="datetimeFigureOut">
               <a:rPr lang="en-US" smtClean="0"/>
-              <a:t>9/23/12</a:t>
+              <a:t>9/26/12</a:t>
             </a:fld>
             <a:endParaRPr lang="en-US"/>
           </a:p>
@@ -7869,7 +7869,7 @@
           <a:p>
             <a:fld id="{41FB5337-3422-104B-ACE5-51755450417F}" type="datetimeFigureOut">
               <a:rPr lang="en-US" smtClean="0"/>
-              <a:t>9/23/12</a:t>
+              <a:t>9/26/12</a:t>
             </a:fld>
             <a:endParaRPr lang="en-US"/>
           </a:p>
@@ -9253,22 +9253,13 @@
           <a:p>
             <a:r>
               <a:rPr lang="en-US" dirty="0" smtClean="0"/>
-              <a:t>In companion objects, it defines </a:t>
-            </a:r>
+              <a:t>In companion objects, it defines default behavior if no method is called on it</a:t>
+            </a:r>
+          </a:p>
+          <a:p>
             <a:r>
               <a:rPr lang="en-US" dirty="0" smtClean="0"/>
-              <a:t>default behavior if no method is called on it</a:t>
-            </a:r>
-            <a:endParaRPr lang="en-US" dirty="0" smtClean="0"/>
-          </a:p>
-          <a:p>
-            <a:r>
-              <a:rPr lang="en-US" dirty="0" smtClean="0"/>
-              <a:t>In a class, it defines the same thing </a:t>
-            </a:r>
-            <a:r>
-              <a:rPr lang="en-US" dirty="0" smtClean="0"/>
-              <a:t>on an instance of the class</a:t>
+              <a:t>In a class, it defines the same thing on an instance of the class</a:t>
             </a:r>
             <a:endParaRPr lang="en-US" dirty="0"/>
           </a:p>
@@ -10282,13 +10273,8 @@
             </a:r>
             <a:r>
               <a:rPr lang="en-US" dirty="0" smtClean="0"/>
-              <a:t> </a:t>
-            </a:r>
-            <a:r>
-              <a:rPr lang="en-US" dirty="0" smtClean="0"/>
-              <a:t>annotation, </a:t>
-            </a:r>
-            <a:endParaRPr lang="en-US" dirty="0" smtClean="0"/>
+              <a:t> annotation, </a:t>
+            </a:r>
           </a:p>
         </p:txBody>
       </p:sp>
@@ -10852,7 +10838,17 @@
                 <a:latin typeface="Courier New"/>
                 <a:cs typeface="Courier New"/>
               </a:rPr>
-              <a:t> myMap = Map(1 -&gt; </a:t>
+              <a:t> myMap = Map(1 -&gt; "one</a:t>
+            </a:r>
+            <a:r>
+              <a:rPr lang="ro-RO" sz="1600" dirty="0">
+                <a:solidFill>
+                  <a:srgbClr val="000090"/>
+                </a:solidFill>
+                <a:latin typeface="Courier New"/>
+                <a:cs typeface="Courier New"/>
+              </a:rPr>
+              <a:t>"</a:t>
             </a:r>
             <a:r>
               <a:rPr lang="ro-RO" sz="1600" dirty="0" smtClean="0">
@@ -10862,17 +10858,19 @@
                 <a:latin typeface="Courier New"/>
                 <a:cs typeface="Courier New"/>
               </a:rPr>
-              <a:t>"one</a:t>
-            </a:r>
-            <a:r>
-              <a:rPr lang="ro-RO" sz="1600" dirty="0">
-                <a:solidFill>
-                  <a:srgbClr val="000090"/>
-                </a:solidFill>
-                <a:latin typeface="Courier New"/>
-                <a:cs typeface="Courier New"/>
-              </a:rPr>
-              <a:t>"</a:t>
+              <a:t>, 2 -&gt; "two", 3 -&gt; "three")</a:t>
+            </a:r>
+          </a:p>
+          <a:p>
+            <a:r>
+              <a:rPr lang="ro-RO" sz="1600" b="1" dirty="0" smtClean="0">
+                <a:solidFill>
+                  <a:srgbClr val="000090"/>
+                </a:solidFill>
+                <a:latin typeface="Courier New"/>
+                <a:cs typeface="Courier New"/>
+              </a:rPr>
+              <a:t>val</a:t>
             </a:r>
             <a:r>
               <a:rPr lang="ro-RO" sz="1600" dirty="0" smtClean="0">
@@ -10882,7 +10880,19 @@
                 <a:latin typeface="Courier New"/>
                 <a:cs typeface="Courier New"/>
               </a:rPr>
-              <a:t>, </a:t>
+              <a:t> mySet = Set(1, 4, 2, 8)</a:t>
+            </a:r>
+          </a:p>
+          <a:p>
+            <a:r>
+              <a:rPr lang="ro-RO" sz="1600" b="1" dirty="0" smtClean="0">
+                <a:solidFill>
+                  <a:srgbClr val="000090"/>
+                </a:solidFill>
+                <a:latin typeface="Courier New"/>
+                <a:cs typeface="Courier New"/>
+              </a:rPr>
+              <a:t>val</a:t>
             </a:r>
             <a:r>
               <a:rPr lang="ro-RO" sz="1600" dirty="0" smtClean="0">
@@ -10892,98 +10902,7 @@
                 <a:latin typeface="Courier New"/>
                 <a:cs typeface="Courier New"/>
               </a:rPr>
-              <a:t>2 -&gt; </a:t>
-            </a:r>
-            <a:r>
-              <a:rPr lang="ro-RO" sz="1600" dirty="0" smtClean="0">
-                <a:solidFill>
-                  <a:srgbClr val="000090"/>
-                </a:solidFill>
-                <a:latin typeface="Courier New"/>
-                <a:cs typeface="Courier New"/>
-              </a:rPr>
-              <a:t>"two", </a:t>
-            </a:r>
-            <a:r>
-              <a:rPr lang="ro-RO" sz="1600" dirty="0" smtClean="0">
-                <a:solidFill>
-                  <a:srgbClr val="000090"/>
-                </a:solidFill>
-                <a:latin typeface="Courier New"/>
-                <a:cs typeface="Courier New"/>
-              </a:rPr>
-              <a:t>3 -&gt; </a:t>
-            </a:r>
-            <a:r>
-              <a:rPr lang="ro-RO" sz="1600" dirty="0" smtClean="0">
-                <a:solidFill>
-                  <a:srgbClr val="000090"/>
-                </a:solidFill>
-                <a:latin typeface="Courier New"/>
-                <a:cs typeface="Courier New"/>
-              </a:rPr>
-              <a:t>"three")</a:t>
-            </a:r>
-            <a:endParaRPr lang="ro-RO" sz="1600" dirty="0" smtClean="0">
-              <a:solidFill>
-                <a:srgbClr val="000090"/>
-              </a:solidFill>
-              <a:latin typeface="Courier New"/>
-              <a:cs typeface="Courier New"/>
-            </a:endParaRPr>
-          </a:p>
-          <a:p>
-            <a:r>
-              <a:rPr lang="ro-RO" sz="1600" b="1" dirty="0" smtClean="0">
-                <a:solidFill>
-                  <a:srgbClr val="000090"/>
-                </a:solidFill>
-                <a:latin typeface="Courier New"/>
-                <a:cs typeface="Courier New"/>
-              </a:rPr>
-              <a:t>val</a:t>
-            </a:r>
-            <a:r>
-              <a:rPr lang="ro-RO" sz="1600" dirty="0" smtClean="0">
-                <a:solidFill>
-                  <a:srgbClr val="000090"/>
-                </a:solidFill>
-                <a:latin typeface="Courier New"/>
-                <a:cs typeface="Courier New"/>
-              </a:rPr>
-              <a:t> mySet = Set(1, 4, 2, 8)</a:t>
-            </a:r>
-          </a:p>
-          <a:p>
-            <a:r>
-              <a:rPr lang="ro-RO" sz="1600" b="1" dirty="0" smtClean="0">
-                <a:solidFill>
-                  <a:srgbClr val="000090"/>
-                </a:solidFill>
-                <a:latin typeface="Courier New"/>
-                <a:cs typeface="Courier New"/>
-              </a:rPr>
-              <a:t>val</a:t>
-            </a:r>
-            <a:r>
-              <a:rPr lang="ro-RO" sz="1600" dirty="0" smtClean="0">
-                <a:solidFill>
-                  <a:srgbClr val="000090"/>
-                </a:solidFill>
-                <a:latin typeface="Courier New"/>
-                <a:cs typeface="Courier New"/>
-              </a:rPr>
-              <a:t> </a:t>
-            </a:r>
-            <a:r>
-              <a:rPr lang="ro-RO" sz="1600" dirty="0" smtClean="0">
-                <a:solidFill>
-                  <a:srgbClr val="000090"/>
-                </a:solidFill>
-                <a:latin typeface="Courier New"/>
-                <a:cs typeface="Courier New"/>
-              </a:rPr>
-              <a:t>myList = List(1, 2, 8, 3, 3, 4)</a:t>
+              <a:t> myList = List(1, 2, 8, 3, 3, 4)</a:t>
             </a:r>
           </a:p>
           <a:p>
@@ -11451,20 +11370,14 @@
           <a:p>
             <a:r>
               <a:rPr lang="en-US" dirty="0" smtClean="0"/>
-              <a:t>Type </a:t>
-            </a:r>
-            <a:r>
-              <a:rPr lang="en-US" dirty="0" smtClean="0"/>
-              <a:t>Theory</a:t>
-            </a:r>
-            <a:endParaRPr lang="en-US" dirty="0" smtClean="0"/>
+              <a:t>Type Theory</a:t>
+            </a:r>
           </a:p>
           <a:p>
             <a:r>
               <a:rPr lang="en-US" dirty="0" smtClean="0"/>
               <a:t>Macros</a:t>
             </a:r>
-            <a:endParaRPr lang="en-US" dirty="0" smtClean="0"/>
           </a:p>
           <a:p>
             <a:r>
@@ -11711,13 +11624,8 @@
           <a:p>
             <a:r>
               <a:rPr lang="en-US" dirty="0" smtClean="0"/>
-              <a:t>Applying closures to </a:t>
-            </a:r>
-            <a:r>
-              <a:rPr lang="en-US" dirty="0" smtClean="0"/>
-              <a:t>collections</a:t>
-            </a:r>
-            <a:endParaRPr lang="en-US" dirty="0" smtClean="0"/>
+              <a:t>Applying closures to collections</a:t>
+            </a:r>
           </a:p>
         </p:txBody>
       </p:sp>
@@ -12593,29 +12501,7 @@
                 <a:latin typeface="Courier New"/>
                 <a:cs typeface="Courier New"/>
               </a:rPr>
-              <a:t> (</a:t>
-            </a:r>
-          </a:p>
-          <a:p>
-            <a:r>
-              <a:rPr lang="en-US" sz="1600" b="1" dirty="0">
-                <a:solidFill>
-                  <a:srgbClr val="000090"/>
-                </a:solidFill>
-                <a:latin typeface="Courier New"/>
-                <a:cs typeface="Courier New"/>
-              </a:rPr>
-              <a:t>  </a:t>
-            </a:r>
-            <a:r>
-              <a:rPr lang="en-US" sz="1600" dirty="0" err="1" smtClean="0">
-                <a:solidFill>
-                  <a:srgbClr val="000090"/>
-                </a:solidFill>
-                <a:latin typeface="Courier New"/>
-                <a:cs typeface="Courier New"/>
-              </a:rPr>
-              <a:t>i</a:t>
+              <a:t> </a:t>
             </a:r>
             <a:r>
               <a:rPr lang="en-US" sz="1600" dirty="0" smtClean="0">
@@ -12625,17 +12511,7 @@
                 <a:latin typeface="Courier New"/>
                 <a:cs typeface="Courier New"/>
               </a:rPr>
-              <a:t> &lt;- </a:t>
-            </a:r>
-            <a:r>
-              <a:rPr lang="en-US" sz="1600" dirty="0" err="1" smtClean="0">
-                <a:solidFill>
-                  <a:srgbClr val="000090"/>
-                </a:solidFill>
-                <a:latin typeface="Courier New"/>
-                <a:cs typeface="Courier New"/>
-              </a:rPr>
-              <a:t>myNums</a:t>
+              <a:t>{</a:t>
             </a:r>
             <a:endParaRPr lang="en-US" sz="1600" dirty="0" smtClean="0">
               <a:solidFill>
@@ -12647,14 +12523,24 @@
           </a:p>
           <a:p>
             <a:r>
-              <a:rPr lang="en-US" sz="1600" dirty="0">
-                <a:solidFill>
-                  <a:srgbClr val="000090"/>
-                </a:solidFill>
-                <a:latin typeface="Courier New"/>
-                <a:cs typeface="Courier New"/>
-              </a:rPr>
-              <a:t> </a:t>
+              <a:rPr lang="en-US" sz="1600" b="1" dirty="0">
+                <a:solidFill>
+                  <a:srgbClr val="000090"/>
+                </a:solidFill>
+                <a:latin typeface="Courier New"/>
+                <a:cs typeface="Courier New"/>
+              </a:rPr>
+              <a:t>  </a:t>
+            </a:r>
+            <a:r>
+              <a:rPr lang="en-US" sz="1600" dirty="0" err="1" smtClean="0">
+                <a:solidFill>
+                  <a:srgbClr val="000090"/>
+                </a:solidFill>
+                <a:latin typeface="Courier New"/>
+                <a:cs typeface="Courier New"/>
+              </a:rPr>
+              <a:t>i</a:t>
             </a:r>
             <a:r>
               <a:rPr lang="en-US" sz="1600" dirty="0" smtClean="0">
@@ -12664,7 +12550,7 @@
                 <a:latin typeface="Courier New"/>
                 <a:cs typeface="Courier New"/>
               </a:rPr>
-              <a:t> j &lt;- 1 to </a:t>
+              <a:t> &lt;- </a:t>
             </a:r>
             <a:r>
               <a:rPr lang="en-US" sz="1600" dirty="0" err="1" smtClean="0">
@@ -12674,7 +12560,7 @@
                 <a:latin typeface="Courier New"/>
                 <a:cs typeface="Courier New"/>
               </a:rPr>
-              <a:t>i</a:t>
+              <a:t>myNums</a:t>
             </a:r>
             <a:endParaRPr lang="en-US" sz="1600" dirty="0" smtClean="0">
               <a:solidFill>
@@ -12686,6 +12572,16 @@
           </a:p>
           <a:p>
             <a:r>
+              <a:rPr lang="en-US" sz="1600" dirty="0">
+                <a:solidFill>
+                  <a:srgbClr val="000090"/>
+                </a:solidFill>
+                <a:latin typeface="Courier New"/>
+                <a:cs typeface="Courier New"/>
+              </a:rPr>
+              <a:t> </a:t>
+            </a:r>
+            <a:r>
               <a:rPr lang="en-US" sz="1600" dirty="0" smtClean="0">
                 <a:solidFill>
                   <a:srgbClr val="000090"/>
@@ -12693,6 +12589,35 @@
                 <a:latin typeface="Courier New"/>
                 <a:cs typeface="Courier New"/>
               </a:rPr>
+              <a:t> j &lt;- 1 to </a:t>
+            </a:r>
+            <a:r>
+              <a:rPr lang="en-US" sz="1600" dirty="0" err="1" smtClean="0">
+                <a:solidFill>
+                  <a:srgbClr val="000090"/>
+                </a:solidFill>
+                <a:latin typeface="Courier New"/>
+                <a:cs typeface="Courier New"/>
+              </a:rPr>
+              <a:t>i</a:t>
+            </a:r>
+            <a:endParaRPr lang="en-US" sz="1600" dirty="0" smtClean="0">
+              <a:solidFill>
+                <a:srgbClr val="000090"/>
+              </a:solidFill>
+              <a:latin typeface="Courier New"/>
+              <a:cs typeface="Courier New"/>
+            </a:endParaRPr>
+          </a:p>
+          <a:p>
+            <a:r>
+              <a:rPr lang="en-US" sz="1600" dirty="0" smtClean="0">
+                <a:solidFill>
+                  <a:srgbClr val="000090"/>
+                </a:solidFill>
+                <a:latin typeface="Courier New"/>
+                <a:cs typeface="Courier New"/>
+              </a:rPr>
               <a:t>} </a:t>
             </a:r>
             <a:r>
@@ -12815,7 +12740,37 @@
                 <a:latin typeface="Courier New"/>
                 <a:cs typeface="Courier New"/>
               </a:rPr>
-              <a:t> map (j =&gt; I * j))</a:t>
+              <a:t> map (j =&gt; </a:t>
+            </a:r>
+            <a:r>
+              <a:rPr lang="en-US" sz="1600" dirty="0" err="1" smtClean="0">
+                <a:solidFill>
+                  <a:srgbClr val="000090"/>
+                </a:solidFill>
+                <a:latin typeface="Courier New"/>
+                <a:cs typeface="Courier New"/>
+              </a:rPr>
+              <a:t>i</a:t>
+            </a:r>
+            <a:r>
+              <a:rPr lang="en-US" sz="1600" dirty="0" smtClean="0">
+                <a:solidFill>
+                  <a:srgbClr val="000090"/>
+                </a:solidFill>
+                <a:latin typeface="Courier New"/>
+                <a:cs typeface="Courier New"/>
+              </a:rPr>
+              <a:t> </a:t>
+            </a:r>
+            <a:r>
+              <a:rPr lang="en-US" sz="1600" dirty="0" smtClean="0">
+                <a:solidFill>
+                  <a:srgbClr val="000090"/>
+                </a:solidFill>
+                <a:latin typeface="Courier New"/>
+                <a:cs typeface="Courier New"/>
+              </a:rPr>
+              <a:t>* j))</a:t>
             </a:r>
           </a:p>
         </p:txBody>
@@ -14724,15 +14679,7 @@
           <a:p>
             <a:r>
               <a:rPr lang="en-US" dirty="0" smtClean="0"/>
-              <a:t>Concurrency paradigm using networks of independent objects that </a:t>
-            </a:r>
-            <a:r>
-              <a:rPr lang="en-US" dirty="0" smtClean="0"/>
-              <a:t>only </a:t>
-            </a:r>
-            <a:r>
-              <a:rPr lang="en-US" dirty="0" smtClean="0"/>
-              <a:t>communicate via messaging and mailboxes</a:t>
+              <a:t>Concurrency paradigm using networks of independent objects that only communicate via messaging and mailboxes</a:t>
             </a:r>
           </a:p>
         </p:txBody>
@@ -15011,15 +14958,7 @@
           <a:p>
             <a:r>
               <a:rPr lang="en-US" dirty="0" smtClean="0"/>
-              <a:t>Allows </a:t>
-            </a:r>
-            <a:r>
-              <a:rPr lang="en-US" dirty="0" smtClean="0"/>
-              <a:t>you to write asynchronous code, which </a:t>
-            </a:r>
-            <a:r>
-              <a:rPr lang="en-US" dirty="0" smtClean="0"/>
-              <a:t>can be more </a:t>
+              <a:t>Allows you to write asynchronous code, which can be more </a:t>
             </a:r>
             <a:r>
               <a:rPr lang="en-US" dirty="0" err="1" smtClean="0"/>
@@ -15287,7 +15226,19 @@
                 <a:latin typeface="Courier New"/>
                 <a:cs typeface="Courier New"/>
               </a:rPr>
-              <a:t> costUSD &lt;- Future</a:t>
+              <a:t> costUSD &lt;- Future{ proxy.getCostInDollars.mapTo[Int]}</a:t>
+            </a:r>
+          </a:p>
+          <a:p>
+            <a:r>
+              <a:rPr lang="ro-RO" sz="1600" dirty="0">
+                <a:solidFill>
+                  <a:srgbClr val="000090"/>
+                </a:solidFill>
+                <a:latin typeface="Courier New"/>
+                <a:cs typeface="Courier New"/>
+              </a:rPr>
+              <a:t> </a:t>
             </a:r>
             <a:r>
               <a:rPr lang="ro-RO" sz="1600" dirty="0" smtClean="0">
@@ -15297,59 +15248,7 @@
                 <a:latin typeface="Courier New"/>
                 <a:cs typeface="Courier New"/>
               </a:rPr>
-              <a:t>{ proxy.getCostInDollars.mapTo</a:t>
-            </a:r>
-            <a:r>
-              <a:rPr lang="ro-RO" sz="1600" dirty="0" smtClean="0">
-                <a:solidFill>
-                  <a:srgbClr val="000090"/>
-                </a:solidFill>
-                <a:latin typeface="Courier New"/>
-                <a:cs typeface="Courier New"/>
-              </a:rPr>
-              <a:t>[Int]}</a:t>
-            </a:r>
-          </a:p>
-          <a:p>
-            <a:r>
-              <a:rPr lang="ro-RO" sz="1600" dirty="0">
-                <a:solidFill>
-                  <a:srgbClr val="000090"/>
-                </a:solidFill>
-                <a:latin typeface="Courier New"/>
-                <a:cs typeface="Courier New"/>
-              </a:rPr>
-              <a:t> </a:t>
-            </a:r>
-            <a:r>
-              <a:rPr lang="ro-RO" sz="1600" dirty="0" smtClean="0">
-                <a:solidFill>
-                  <a:srgbClr val="000090"/>
-                </a:solidFill>
-                <a:latin typeface="Courier New"/>
-                <a:cs typeface="Courier New"/>
-              </a:rPr>
-              <a:t> totalPurchase &lt;- Future</a:t>
-            </a:r>
-            <a:r>
-              <a:rPr lang="ro-RO" sz="1600" dirty="0" smtClean="0">
-                <a:solidFill>
-                  <a:srgbClr val="000090"/>
-                </a:solidFill>
-                <a:latin typeface="Courier New"/>
-                <a:cs typeface="Courier New"/>
-              </a:rPr>
-              <a:t>{ proxy.addToTotal</a:t>
-            </a:r>
-            <a:r>
-              <a:rPr lang="ro-RO" sz="1600" dirty="0" smtClean="0">
-                <a:solidFill>
-                  <a:srgbClr val="000090"/>
-                </a:solidFill>
-                <a:latin typeface="Courier New"/>
-                <a:cs typeface="Courier New"/>
-              </a:rPr>
-              <a:t>(costUSD).mapTo[Int]}</a:t>
+              <a:t> totalPurchase &lt;- Future{ proxy.addToTotal(costUSD).mapTo[Int]}</a:t>
             </a:r>
           </a:p>
           <a:p>
@@ -15428,15 +15327,7 @@
           <a:p>
             <a:r>
               <a:rPr lang="en-US" dirty="0" smtClean="0"/>
-              <a:t>By sequencing </a:t>
-            </a:r>
-            <a:r>
-              <a:rPr lang="en-US" dirty="0" smtClean="0"/>
-              <a:t>the expressions on multiple lines, </a:t>
-            </a:r>
-            <a:r>
-              <a:rPr lang="en-US" dirty="0" smtClean="0"/>
-              <a:t>you can order dependencies</a:t>
+              <a:t>By sequencing the expressions on multiple lines, you can order dependencies</a:t>
             </a:r>
           </a:p>
         </p:txBody>
@@ -16885,13 +16776,7 @@
               <a:rPr lang="en-US" dirty="0" smtClean="0">
                 <a:hlinkClick r:id="rId3"/>
               </a:rPr>
-              <a:t>Daniel Spiewak's Philly ETE 2011 </a:t>
-            </a:r>
-            <a:r>
-              <a:rPr lang="en-US" dirty="0" smtClean="0">
-                <a:hlinkClick r:id="rId3"/>
-              </a:rPr>
-              <a:t>talk</a:t>
+              <a:t>Daniel Spiewak's Philly ETE 2011 talk</a:t>
             </a:r>
             <a:endParaRPr lang="en-US" dirty="0" smtClean="0"/>
           </a:p>
@@ -18041,11 +17926,7 @@
           <a:p>
             <a:r>
               <a:rPr lang="en-US" dirty="0" smtClean="0"/>
-              <a:t>Use </a:t>
-            </a:r>
-            <a:r>
-              <a:rPr lang="en-US" dirty="0" smtClean="0"/>
-              <a:t>other types to construct a new type</a:t>
+              <a:t>Use other types to construct a new type</a:t>
             </a:r>
           </a:p>
           <a:p>
@@ -18739,7 +18620,26 @@
             </a:r>
             <a:r>
               <a:rPr lang="en-US" dirty="0" smtClean="0"/>
-              <a:t>" macros – identifiers cannot be closed over in a macro definition</a:t>
+              <a:t>" </a:t>
+            </a:r>
+            <a:r>
+              <a:rPr lang="en-US" dirty="0" smtClean="0"/>
+              <a:t>macros at the point you call </a:t>
+            </a:r>
+            <a:r>
+              <a:rPr lang="en-US" b="1" dirty="0" smtClean="0">
+                <a:latin typeface="Courier New"/>
+                <a:cs typeface="Courier New"/>
+              </a:rPr>
+              <a:t>reify()</a:t>
+            </a:r>
+            <a:r>
+              <a:rPr lang="en-US" dirty="0" smtClean="0"/>
+              <a:t> </a:t>
+            </a:r>
+            <a:r>
+              <a:rPr lang="en-US" dirty="0" smtClean="0"/>
+              <a:t>– identifiers cannot be closed over in a macro definition</a:t>
             </a:r>
           </a:p>
         </p:txBody>
@@ -19702,21 +19602,13 @@
             </a:r>
             <a:r>
               <a:rPr lang="en-US" dirty="0" smtClean="0"/>
-              <a:t> </a:t>
-            </a:r>
+              <a:t> change one value in a category to another in the same category, from one type to another where types are the category</a:t>
+            </a:r>
+          </a:p>
+          <a:p>
             <a:r>
               <a:rPr lang="en-US" dirty="0" smtClean="0"/>
-              <a:t>change one value in a category to another in the same category, from one type to another where types are the category</a:t>
-            </a:r>
-          </a:p>
-          <a:p>
-            <a:r>
-              <a:rPr lang="en-US" dirty="0" smtClean="0"/>
-              <a:t>Simplified, it converts a type with one property to a type with another </a:t>
-            </a:r>
-            <a:r>
-              <a:rPr lang="en-US" dirty="0" smtClean="0"/>
-              <a:t>property</a:t>
+              <a:t>Simplified, it converts a type with one property to a type with another property</a:t>
             </a:r>
           </a:p>
           <a:p>
@@ -19724,7 +19616,6 @@
               <a:rPr lang="en-US" dirty="0" smtClean="0"/>
               <a:t>Must be pure, not side-effecting</a:t>
             </a:r>
-            <a:endParaRPr lang="en-US" dirty="0" smtClean="0"/>
           </a:p>
           <a:p>
             <a:endParaRPr lang="en-US" dirty="0" smtClean="0"/>
@@ -20029,11 +19920,7 @@
             </a:r>
             <a:r>
               <a:rPr lang="en-US" dirty="0" smtClean="0"/>
-              <a:t> are transformations from one category to another that </a:t>
-            </a:r>
-            <a:r>
-              <a:rPr lang="en-US" dirty="0" smtClean="0"/>
-              <a:t>preserve </a:t>
+              <a:t> are transformations from one category to another that preserve </a:t>
             </a:r>
             <a:r>
               <a:rPr lang="en-US" dirty="0" err="1" smtClean="0"/>
@@ -20044,13 +19931,8 @@
           <a:p>
             <a:r>
               <a:rPr lang="en-US" dirty="0" smtClean="0"/>
-              <a:t>Simplified, converts a type from one to another while maintaining the </a:t>
-            </a:r>
-            <a:r>
-              <a:rPr lang="en-US" dirty="0" smtClean="0"/>
-              <a:t>conversion of a type with one property to a type with another property</a:t>
-            </a:r>
-            <a:endParaRPr lang="en-US" dirty="0" smtClean="0"/>
+              <a:t>Simplified, converts a type from one to another while maintaining the conversion of a type with one property to a type with another property</a:t>
+            </a:r>
           </a:p>
           <a:p>
             <a:pPr marL="0" indent="0">
@@ -21042,13 +20924,6 @@
               </a:rPr>
               <a:t>)</a:t>
             </a:r>
-            <a:endParaRPr lang="en-US" sz="2000" dirty="0">
-              <a:solidFill>
-                <a:srgbClr val="000090"/>
-              </a:solidFill>
-              <a:latin typeface="Courier New"/>
-              <a:cs typeface="Courier New"/>
-            </a:endParaRPr>
           </a:p>
         </p:txBody>
       </p:sp>
@@ -21169,11 +21044,7 @@
             </a:r>
             <a:r>
               <a:rPr lang="en-US" dirty="0" smtClean="0"/>
-              <a:t> keyword to create </a:t>
-            </a:r>
-            <a:r>
-              <a:rPr lang="en-US" dirty="0" smtClean="0"/>
-              <a:t>instances</a:t>
+              <a:t> keyword to create instances</a:t>
             </a:r>
           </a:p>
           <a:p>
